--- a/Powershell/PowerShellConference2022/Sider_PSConf_2022.pptx
+++ b/Powershell/PowerShellConference2022/Sider_PSConf_2022.pptx
@@ -13,7 +13,9 @@
     <p:sldId id="262" r:id="rId10"/>
     <p:sldId id="264" r:id="rId11"/>
     <p:sldId id="267" r:id="rId12"/>
-    <p:sldId id="268" r:id="rId13"/>
+    <p:sldId id="270" r:id="rId13"/>
+    <p:sldId id="271" r:id="rId14"/>
+    <p:sldId id="269" r:id="rId15"/>
   </p:sldIdLst>
   <p:sldSz cx="12192000" cy="6858000"/>
   <p:notesSz cx="6858000" cy="9144000"/>
@@ -267,7 +269,7 @@
           <a:p>
             <a:fld id="{48A87A34-81AB-432B-8DAE-1953F412C126}" type="datetimeFigureOut">
               <a:rPr lang="en-US" dirty="0"/>
-              <a:t>4/15/2022</a:t>
+              <a:t>4/22/2022</a:t>
             </a:fld>
             <a:endParaRPr lang="en-US" dirty="0"/>
           </a:p>
@@ -473,7 +475,7 @@
           <a:p>
             <a:fld id="{48A87A34-81AB-432B-8DAE-1953F412C126}" type="datetimeFigureOut">
               <a:rPr lang="en-US" dirty="0"/>
-              <a:t>4/15/2022</a:t>
+              <a:t>4/22/2022</a:t>
             </a:fld>
             <a:endParaRPr lang="en-US" dirty="0"/>
           </a:p>
@@ -683,7 +685,7 @@
           <a:p>
             <a:fld id="{48A87A34-81AB-432B-8DAE-1953F412C126}" type="datetimeFigureOut">
               <a:rPr lang="en-US" dirty="0"/>
-              <a:t>4/15/2022</a:t>
+              <a:t>4/22/2022</a:t>
             </a:fld>
             <a:endParaRPr lang="en-US" dirty="0"/>
           </a:p>
@@ -879,7 +881,7 @@
           <a:p>
             <a:fld id="{48A87A34-81AB-432B-8DAE-1953F412C126}" type="datetimeFigureOut">
               <a:rPr lang="en-US" dirty="0"/>
-              <a:t>4/15/2022</a:t>
+              <a:t>4/22/2022</a:t>
             </a:fld>
             <a:endParaRPr lang="en-US" dirty="0"/>
           </a:p>
@@ -1153,7 +1155,7 @@
           <a:p>
             <a:fld id="{48A87A34-81AB-432B-8DAE-1953F412C126}" type="datetimeFigureOut">
               <a:rPr lang="en-US" dirty="0"/>
-              <a:t>4/15/2022</a:t>
+              <a:t>4/22/2022</a:t>
             </a:fld>
             <a:endParaRPr lang="en-US" dirty="0"/>
           </a:p>
@@ -1416,7 +1418,7 @@
           <a:p>
             <a:fld id="{48A87A34-81AB-432B-8DAE-1953F412C126}" type="datetimeFigureOut">
               <a:rPr lang="en-US" dirty="0"/>
-              <a:t>4/15/2022</a:t>
+              <a:t>4/22/2022</a:t>
             </a:fld>
             <a:endParaRPr lang="en-US" dirty="0"/>
           </a:p>
@@ -1827,7 +1829,7 @@
           <a:p>
             <a:fld id="{48A87A34-81AB-432B-8DAE-1953F412C126}" type="datetimeFigureOut">
               <a:rPr lang="en-US" dirty="0"/>
-              <a:t>4/15/2022</a:t>
+              <a:t>4/22/2022</a:t>
             </a:fld>
             <a:endParaRPr lang="en-US" dirty="0"/>
           </a:p>
@@ -1971,7 +1973,7 @@
           <a:p>
             <a:fld id="{48A87A34-81AB-432B-8DAE-1953F412C126}" type="datetimeFigureOut">
               <a:rPr lang="en-US" dirty="0"/>
-              <a:t>4/15/2022</a:t>
+              <a:t>4/22/2022</a:t>
             </a:fld>
             <a:endParaRPr lang="en-US" dirty="0"/>
           </a:p>
@@ -2092,7 +2094,7 @@
           <a:p>
             <a:fld id="{48A87A34-81AB-432B-8DAE-1953F412C126}" type="datetimeFigureOut">
               <a:rPr lang="en-US" dirty="0"/>
-              <a:t>4/15/2022</a:t>
+              <a:t>4/22/2022</a:t>
             </a:fld>
             <a:endParaRPr lang="en-US" dirty="0"/>
           </a:p>
@@ -2338,7 +2340,7 @@
           <a:p>
             <a:fld id="{48A87A34-81AB-432B-8DAE-1953F412C126}" type="datetimeFigureOut">
               <a:rPr lang="en-US" dirty="0"/>
-              <a:t>4/15/2022</a:t>
+              <a:t>4/22/2022</a:t>
             </a:fld>
             <a:endParaRPr lang="en-US" dirty="0"/>
           </a:p>
@@ -2779,7 +2781,7 @@
             <a:fld id="{48A87A34-81AB-432B-8DAE-1953F412C126}" type="datetimeFigureOut">
               <a:rPr lang="en-US" dirty="0"/>
               <a:pPr/>
-              <a:t>4/15/2022</a:t>
+              <a:t>4/22/2022</a:t>
             </a:fld>
             <a:endParaRPr lang="en-US" dirty="0"/>
           </a:p>
@@ -3054,7 +3056,7 @@
             <a:fld id="{48A87A34-81AB-432B-8DAE-1953F412C126}" type="datetimeFigureOut">
               <a:rPr lang="en-US" dirty="0"/>
               <a:pPr/>
-              <a:t>4/15/2022</a:t>
+              <a:t>4/22/2022</a:t>
             </a:fld>
             <a:endParaRPr lang="en-US" dirty="0"/>
           </a:p>
@@ -3341,7 +3343,7 @@
           <a:blip r:embed="rId15">
             <a:extLst>
               <a:ext uri="{96DAC541-7B7A-43D3-8B79-37D633B846F1}">
-                <asvg:svgBlip xmlns="" xmlns:asvg="http://schemas.microsoft.com/office/drawing/2016/SVG/main" r:embed="rId16"/>
+                <asvg:svgBlip xmlns:asvg="http://schemas.microsoft.com/office/drawing/2016/SVG/main" xmlns="" r:embed="rId16"/>
               </a:ext>
             </a:extLst>
           </a:blip>
@@ -3820,6 +3822,153 @@
 </p:sld>
 </file>
 
+<file path=ppt/slides/slide10.xml><?xml version="1.0" encoding="utf-8"?>
+<p:sld xmlns:a="http://schemas.openxmlformats.org/drawingml/2006/main" xmlns:r="http://schemas.openxmlformats.org/officeDocument/2006/relationships" xmlns:p="http://schemas.openxmlformats.org/presentationml/2006/main">
+  <p:cSld>
+    <p:spTree>
+      <p:nvGrpSpPr>
+        <p:cNvPr id="1" name=""/>
+        <p:cNvGrpSpPr/>
+        <p:nvPr/>
+      </p:nvGrpSpPr>
+      <p:grpSpPr>
+        <a:xfrm>
+          <a:off x="0" y="0"/>
+          <a:ext cx="0" cy="0"/>
+          <a:chOff x="0" y="0"/>
+          <a:chExt cx="0" cy="0"/>
+        </a:xfrm>
+      </p:grpSpPr>
+      <p:sp>
+        <p:nvSpPr>
+          <p:cNvPr id="2" name="Title 1"/>
+          <p:cNvSpPr>
+            <a:spLocks noGrp="1"/>
+          </p:cNvSpPr>
+          <p:nvPr>
+            <p:ph type="title"/>
+          </p:nvPr>
+        </p:nvSpPr>
+        <p:spPr/>
+        <p:txBody>
+          <a:bodyPr/>
+          <a:lstStyle/>
+          <a:p>
+            <a:r>
+              <a:rPr lang="en-US" smtClean="0"/>
+              <a:t>Example B</a:t>
+            </a:r>
+            <a:endParaRPr lang="en-US"/>
+          </a:p>
+        </p:txBody>
+      </p:sp>
+      <p:sp>
+        <p:nvSpPr>
+          <p:cNvPr id="3" name="Content Placeholder 2"/>
+          <p:cNvSpPr>
+            <a:spLocks noGrp="1"/>
+          </p:cNvSpPr>
+          <p:nvPr>
+            <p:ph idx="1"/>
+          </p:nvPr>
+        </p:nvSpPr>
+        <p:spPr/>
+        <p:txBody>
+          <a:bodyPr/>
+          <a:lstStyle/>
+          <a:p>
+            <a:endParaRPr lang="en-US"/>
+          </a:p>
+        </p:txBody>
+      </p:sp>
+    </p:spTree>
+    <p:extLst>
+      <p:ext uri="{BB962C8B-B14F-4D97-AF65-F5344CB8AC3E}">
+        <p14:creationId xmlns:p14="http://schemas.microsoft.com/office/powerpoint/2010/main" val="3172463354"/>
+      </p:ext>
+    </p:extLst>
+  </p:cSld>
+  <p:clrMapOvr>
+    <a:masterClrMapping/>
+  </p:clrMapOvr>
+</p:sld>
+</file>
+
+<file path=ppt/slides/slide11.xml><?xml version="1.0" encoding="utf-8"?>
+<p:sld xmlns:a="http://schemas.openxmlformats.org/drawingml/2006/main" xmlns:r="http://schemas.openxmlformats.org/officeDocument/2006/relationships" xmlns:p="http://schemas.openxmlformats.org/presentationml/2006/main">
+  <p:cSld>
+    <p:spTree>
+      <p:nvGrpSpPr>
+        <p:cNvPr id="1" name=""/>
+        <p:cNvGrpSpPr/>
+        <p:nvPr/>
+      </p:nvGrpSpPr>
+      <p:grpSpPr>
+        <a:xfrm>
+          <a:off x="0" y="0"/>
+          <a:ext cx="0" cy="0"/>
+          <a:chOff x="0" y="0"/>
+          <a:chExt cx="0" cy="0"/>
+        </a:xfrm>
+      </p:grpSpPr>
+      <p:sp>
+        <p:nvSpPr>
+          <p:cNvPr id="2" name="Title 1"/>
+          <p:cNvSpPr>
+            <a:spLocks noGrp="1"/>
+          </p:cNvSpPr>
+          <p:nvPr>
+            <p:ph type="title"/>
+          </p:nvPr>
+        </p:nvSpPr>
+        <p:spPr/>
+        <p:txBody>
+          <a:bodyPr/>
+          <a:lstStyle/>
+          <a:p>
+            <a:r>
+              <a:rPr lang="en-US" dirty="0" smtClean="0"/>
+              <a:t>Thanks!</a:t>
+            </a:r>
+            <a:endParaRPr lang="en-US" dirty="0"/>
+          </a:p>
+        </p:txBody>
+      </p:sp>
+      <p:sp>
+        <p:nvSpPr>
+          <p:cNvPr id="3" name="Content Placeholder 2"/>
+          <p:cNvSpPr>
+            <a:spLocks noGrp="1"/>
+          </p:cNvSpPr>
+          <p:nvPr>
+            <p:ph idx="1"/>
+          </p:nvPr>
+        </p:nvSpPr>
+        <p:spPr/>
+        <p:txBody>
+          <a:bodyPr/>
+          <a:lstStyle/>
+          <a:p>
+            <a:r>
+              <a:rPr lang="en-US" dirty="0"/>
+              <a:t>https://github.com/jpsider/Invoke-Automation/tree/master/Powershell/PowerShellConference2022</a:t>
+            </a:r>
+          </a:p>
+        </p:txBody>
+      </p:sp>
+    </p:spTree>
+    <p:extLst>
+      <p:ext uri="{BB962C8B-B14F-4D97-AF65-F5344CB8AC3E}">
+        <p14:creationId xmlns:p14="http://schemas.microsoft.com/office/powerpoint/2010/main" val="1924742717"/>
+      </p:ext>
+    </p:extLst>
+  </p:cSld>
+  <p:clrMapOvr>
+    <a:masterClrMapping/>
+  </p:clrMapOvr>
+</p:sld>
+</file>
+
 <file path=ppt/slides/slide2.xml><?xml version="1.0" encoding="utf-8"?>
 <p:sld xmlns:a="http://schemas.openxmlformats.org/drawingml/2006/main" xmlns:r="http://schemas.openxmlformats.org/officeDocument/2006/relationships" xmlns:p="http://schemas.openxmlformats.org/presentationml/2006/main">
   <p:cSld>
@@ -4400,7 +4549,6 @@
               <a:rPr lang="en-US" dirty="0" smtClean="0"/>
               <a:t>Contributions are welcome!</a:t>
             </a:r>
-            <a:endParaRPr lang="en-US" dirty="0" smtClean="0"/>
           </a:p>
           <a:p>
             <a:pPr lvl="1"/>
@@ -5016,7 +5164,7 @@
           <a:p>
             <a:r>
               <a:rPr lang="en-US" dirty="0" smtClean="0"/>
-              <a:t>Thanks!</a:t>
+              <a:t>Example A</a:t>
             </a:r>
             <a:endParaRPr lang="en-US" dirty="0"/>
           </a:p>
@@ -5044,7 +5192,7 @@
     </p:spTree>
     <p:extLst>
       <p:ext uri="{BB962C8B-B14F-4D97-AF65-F5344CB8AC3E}">
-        <p14:creationId xmlns:p14="http://schemas.microsoft.com/office/powerpoint/2010/main" val="3800913027"/>
+        <p14:creationId xmlns:p14="http://schemas.microsoft.com/office/powerpoint/2010/main" val="4178209286"/>
       </p:ext>
     </p:extLst>
   </p:cSld>
@@ -5314,15 +5462,6 @@
 </file>
 
 <file path=customXml/item2.xml><?xml version="1.0" encoding="utf-8"?>
-<?mso-contentType ?>
-<FormTemplates xmlns="http://schemas.microsoft.com/sharepoint/v3/contenttype/forms">
-  <Display>DocumentLibraryForm</Display>
-  <Edit>DocumentLibraryForm</Edit>
-  <New>DocumentLibraryForm</New>
-</FormTemplates>
-</file>
-
-<file path=customXml/item3.xml><?xml version="1.0" encoding="utf-8"?>
 <ct:contentTypeSchema xmlns:ct="http://schemas.microsoft.com/office/2006/metadata/contentType" xmlns:ma="http://schemas.microsoft.com/office/2006/metadata/properties/metaAttributes" ct:_="" ma:_="" ma:contentTypeName="Document" ma:contentTypeID="0x010100F4F7FF22093805478C1AC3DECA046AE2" ma:contentTypeVersion="8" ma:contentTypeDescription="Create a new document." ma:contentTypeScope="" ma:versionID="355f70b62edaa6431edc676a4e077378">
   <xsd:schema xmlns:xsd="http://www.w3.org/2001/XMLSchema" xmlns:xs="http://www.w3.org/2001/XMLSchema" xmlns:p="http://schemas.microsoft.com/office/2006/metadata/properties" xmlns:ns3="645951c4-77b2-4271-8f10-a0d3c1e36172" xmlns:ns4="4999cf13-cb53-4a3d-a90e-c2f6e51a4028" targetNamespace="http://schemas.microsoft.com/office/2006/metadata/properties" ma:root="true" ma:fieldsID="2227e73c82c8b7740b460282c33c29e7" ns3:_="" ns4:_="">
     <xsd:import namespace="645951c4-77b2-4271-8f10-a0d3c1e36172"/>
@@ -5513,6 +5652,15 @@
 </ct:contentTypeSchema>
 </file>
 
+<file path=customXml/item3.xml><?xml version="1.0" encoding="utf-8"?>
+<?mso-contentType ?>
+<FormTemplates xmlns="http://schemas.microsoft.com/sharepoint/v3/contenttype/forms">
+  <Display>DocumentLibraryForm</Display>
+  <Edit>DocumentLibraryForm</Edit>
+  <New>DocumentLibraryForm</New>
+</FormTemplates>
+</file>
+
 <file path=customXml/itemProps1.xml><?xml version="1.0" encoding="utf-8"?>
 <ds:datastoreItem xmlns:ds="http://schemas.openxmlformats.org/officeDocument/2006/customXml" ds:itemID="{92A6475F-74BE-49E2-AA53-D5190570A614}">
   <ds:schemaRefs>
@@ -5531,14 +5679,6 @@
 </file>
 
 <file path=customXml/itemProps2.xml><?xml version="1.0" encoding="utf-8"?>
-<ds:datastoreItem xmlns:ds="http://schemas.openxmlformats.org/officeDocument/2006/customXml" ds:itemID="{0C22064C-1319-48D9-99A8-E6155754BCCB}">
-  <ds:schemaRefs>
-    <ds:schemaRef ds:uri="http://schemas.microsoft.com/sharepoint/v3/contenttype/forms"/>
-  </ds:schemaRefs>
-</ds:datastoreItem>
-</file>
-
-<file path=customXml/itemProps3.xml><?xml version="1.0" encoding="utf-8"?>
 <ds:datastoreItem xmlns:ds="http://schemas.openxmlformats.org/officeDocument/2006/customXml" ds:itemID="{7B8DF68D-5FB3-440F-B135-BC13D85A75AA}">
   <ds:schemaRefs>
     <ds:schemaRef ds:uri="http://schemas.microsoft.com/office/2006/metadata/contentType"/>
@@ -5555,4 +5695,12 @@
     <ds:schemaRef ds:uri="http://schemas.microsoft.com/internal/obd"/>
   </ds:schemaRefs>
 </ds:datastoreItem>
+</file>
+
+<file path=customXml/itemProps3.xml><?xml version="1.0" encoding="utf-8"?>
+<ds:datastoreItem xmlns:ds="http://schemas.openxmlformats.org/officeDocument/2006/customXml" ds:itemID="{0C22064C-1319-48D9-99A8-E6155754BCCB}">
+  <ds:schemaRefs>
+    <ds:schemaRef ds:uri="http://schemas.microsoft.com/sharepoint/v3/contenttype/forms"/>
+  </ds:schemaRefs>
+</ds:datastoreItem>
 </file>
--- a/Powershell/PowerShellConference2022/Sider_PSConf_2022.pptx
+++ b/Powershell/PowerShellConference2022/Sider_PSConf_2022.pptx
@@ -6,16 +6,15 @@
   </p:sldMasterIdLst>
   <p:sldIdLst>
     <p:sldId id="260" r:id="rId5"/>
-    <p:sldId id="259" r:id="rId6"/>
-    <p:sldId id="265" r:id="rId7"/>
+    <p:sldId id="272" r:id="rId6"/>
+    <p:sldId id="259" r:id="rId7"/>
     <p:sldId id="261" r:id="rId8"/>
     <p:sldId id="266" r:id="rId9"/>
-    <p:sldId id="262" r:id="rId10"/>
-    <p:sldId id="264" r:id="rId11"/>
-    <p:sldId id="267" r:id="rId12"/>
-    <p:sldId id="270" r:id="rId13"/>
-    <p:sldId id="271" r:id="rId14"/>
-    <p:sldId id="269" r:id="rId15"/>
+    <p:sldId id="264" r:id="rId10"/>
+    <p:sldId id="267" r:id="rId11"/>
+    <p:sldId id="270" r:id="rId12"/>
+    <p:sldId id="271" r:id="rId13"/>
+    <p:sldId id="269" r:id="rId14"/>
   </p:sldIdLst>
   <p:sldSz cx="12192000" cy="6858000"/>
   <p:notesSz cx="6858000" cy="9144000"/>
@@ -269,7 +268,7 @@
           <a:p>
             <a:fld id="{48A87A34-81AB-432B-8DAE-1953F412C126}" type="datetimeFigureOut">
               <a:rPr lang="en-US" dirty="0"/>
-              <a:t>4/22/2022</a:t>
+              <a:t>4/25/2022</a:t>
             </a:fld>
             <a:endParaRPr lang="en-US" dirty="0"/>
           </a:p>
@@ -475,7 +474,7 @@
           <a:p>
             <a:fld id="{48A87A34-81AB-432B-8DAE-1953F412C126}" type="datetimeFigureOut">
               <a:rPr lang="en-US" dirty="0"/>
-              <a:t>4/22/2022</a:t>
+              <a:t>4/25/2022</a:t>
             </a:fld>
             <a:endParaRPr lang="en-US" dirty="0"/>
           </a:p>
@@ -685,7 +684,7 @@
           <a:p>
             <a:fld id="{48A87A34-81AB-432B-8DAE-1953F412C126}" type="datetimeFigureOut">
               <a:rPr lang="en-US" dirty="0"/>
-              <a:t>4/22/2022</a:t>
+              <a:t>4/25/2022</a:t>
             </a:fld>
             <a:endParaRPr lang="en-US" dirty="0"/>
           </a:p>
@@ -881,7 +880,7 @@
           <a:p>
             <a:fld id="{48A87A34-81AB-432B-8DAE-1953F412C126}" type="datetimeFigureOut">
               <a:rPr lang="en-US" dirty="0"/>
-              <a:t>4/22/2022</a:t>
+              <a:t>4/25/2022</a:t>
             </a:fld>
             <a:endParaRPr lang="en-US" dirty="0"/>
           </a:p>
@@ -1155,7 +1154,7 @@
           <a:p>
             <a:fld id="{48A87A34-81AB-432B-8DAE-1953F412C126}" type="datetimeFigureOut">
               <a:rPr lang="en-US" dirty="0"/>
-              <a:t>4/22/2022</a:t>
+              <a:t>4/25/2022</a:t>
             </a:fld>
             <a:endParaRPr lang="en-US" dirty="0"/>
           </a:p>
@@ -1418,7 +1417,7 @@
           <a:p>
             <a:fld id="{48A87A34-81AB-432B-8DAE-1953F412C126}" type="datetimeFigureOut">
               <a:rPr lang="en-US" dirty="0"/>
-              <a:t>4/22/2022</a:t>
+              <a:t>4/25/2022</a:t>
             </a:fld>
             <a:endParaRPr lang="en-US" dirty="0"/>
           </a:p>
@@ -1829,7 +1828,7 @@
           <a:p>
             <a:fld id="{48A87A34-81AB-432B-8DAE-1953F412C126}" type="datetimeFigureOut">
               <a:rPr lang="en-US" dirty="0"/>
-              <a:t>4/22/2022</a:t>
+              <a:t>4/25/2022</a:t>
             </a:fld>
             <a:endParaRPr lang="en-US" dirty="0"/>
           </a:p>
@@ -1973,7 +1972,7 @@
           <a:p>
             <a:fld id="{48A87A34-81AB-432B-8DAE-1953F412C126}" type="datetimeFigureOut">
               <a:rPr lang="en-US" dirty="0"/>
-              <a:t>4/22/2022</a:t>
+              <a:t>4/25/2022</a:t>
             </a:fld>
             <a:endParaRPr lang="en-US" dirty="0"/>
           </a:p>
@@ -2094,7 +2093,7 @@
           <a:p>
             <a:fld id="{48A87A34-81AB-432B-8DAE-1953F412C126}" type="datetimeFigureOut">
               <a:rPr lang="en-US" dirty="0"/>
-              <a:t>4/22/2022</a:t>
+              <a:t>4/25/2022</a:t>
             </a:fld>
             <a:endParaRPr lang="en-US" dirty="0"/>
           </a:p>
@@ -2340,7 +2339,7 @@
           <a:p>
             <a:fld id="{48A87A34-81AB-432B-8DAE-1953F412C126}" type="datetimeFigureOut">
               <a:rPr lang="en-US" dirty="0"/>
-              <a:t>4/22/2022</a:t>
+              <a:t>4/25/2022</a:t>
             </a:fld>
             <a:endParaRPr lang="en-US" dirty="0"/>
           </a:p>
@@ -2781,7 +2780,7 @@
             <a:fld id="{48A87A34-81AB-432B-8DAE-1953F412C126}" type="datetimeFigureOut">
               <a:rPr lang="en-US" dirty="0"/>
               <a:pPr/>
-              <a:t>4/22/2022</a:t>
+              <a:t>4/25/2022</a:t>
             </a:fld>
             <a:endParaRPr lang="en-US" dirty="0"/>
           </a:p>
@@ -3056,7 +3055,7 @@
             <a:fld id="{48A87A34-81AB-432B-8DAE-1953F412C126}" type="datetimeFigureOut">
               <a:rPr lang="en-US" dirty="0"/>
               <a:pPr/>
-              <a:t>4/22/2022</a:t>
+              <a:t>4/25/2022</a:t>
             </a:fld>
             <a:endParaRPr lang="en-US" dirty="0"/>
           </a:p>
@@ -3855,78 +3854,6 @@
           <a:lstStyle/>
           <a:p>
             <a:r>
-              <a:rPr lang="en-US" smtClean="0"/>
-              <a:t>Example B</a:t>
-            </a:r>
-            <a:endParaRPr lang="en-US"/>
-          </a:p>
-        </p:txBody>
-      </p:sp>
-      <p:sp>
-        <p:nvSpPr>
-          <p:cNvPr id="3" name="Content Placeholder 2"/>
-          <p:cNvSpPr>
-            <a:spLocks noGrp="1"/>
-          </p:cNvSpPr>
-          <p:nvPr>
-            <p:ph idx="1"/>
-          </p:nvPr>
-        </p:nvSpPr>
-        <p:spPr/>
-        <p:txBody>
-          <a:bodyPr/>
-          <a:lstStyle/>
-          <a:p>
-            <a:endParaRPr lang="en-US"/>
-          </a:p>
-        </p:txBody>
-      </p:sp>
-    </p:spTree>
-    <p:extLst>
-      <p:ext uri="{BB962C8B-B14F-4D97-AF65-F5344CB8AC3E}">
-        <p14:creationId xmlns:p14="http://schemas.microsoft.com/office/powerpoint/2010/main" val="3172463354"/>
-      </p:ext>
-    </p:extLst>
-  </p:cSld>
-  <p:clrMapOvr>
-    <a:masterClrMapping/>
-  </p:clrMapOvr>
-</p:sld>
-</file>
-
-<file path=ppt/slides/slide11.xml><?xml version="1.0" encoding="utf-8"?>
-<p:sld xmlns:a="http://schemas.openxmlformats.org/drawingml/2006/main" xmlns:r="http://schemas.openxmlformats.org/officeDocument/2006/relationships" xmlns:p="http://schemas.openxmlformats.org/presentationml/2006/main">
-  <p:cSld>
-    <p:spTree>
-      <p:nvGrpSpPr>
-        <p:cNvPr id="1" name=""/>
-        <p:cNvGrpSpPr/>
-        <p:nvPr/>
-      </p:nvGrpSpPr>
-      <p:grpSpPr>
-        <a:xfrm>
-          <a:off x="0" y="0"/>
-          <a:ext cx="0" cy="0"/>
-          <a:chOff x="0" y="0"/>
-          <a:chExt cx="0" cy="0"/>
-        </a:xfrm>
-      </p:grpSpPr>
-      <p:sp>
-        <p:nvSpPr>
-          <p:cNvPr id="2" name="Title 1"/>
-          <p:cNvSpPr>
-            <a:spLocks noGrp="1"/>
-          </p:cNvSpPr>
-          <p:nvPr>
-            <p:ph type="title"/>
-          </p:nvPr>
-        </p:nvSpPr>
-        <p:spPr/>
-        <p:txBody>
-          <a:bodyPr/>
-          <a:lstStyle/>
-          <a:p>
-            <a:r>
               <a:rPr lang="en-US" dirty="0" smtClean="0"/>
               <a:t>Thanks!</a:t>
             </a:r>
@@ -4003,7 +3930,7 @@
           <a:p>
             <a:r>
               <a:rPr lang="en-US" dirty="0" smtClean="0"/>
-              <a:t>Agenda</a:t>
+              <a:t>Three fun facts</a:t>
             </a:r>
             <a:endParaRPr lang="en-US" dirty="0"/>
           </a:p>
@@ -4026,35 +3953,19 @@
           <a:p>
             <a:r>
               <a:rPr lang="en-US" dirty="0" smtClean="0"/>
-              <a:t>The End</a:t>
-            </a:r>
-          </a:p>
-          <a:p>
-            <a:r>
-              <a:rPr lang="en-US" dirty="0" err="1" smtClean="0"/>
-              <a:t>RestPS</a:t>
-            </a:r>
+              <a:t>I’m a Certified Soccer Coach and Referee.</a:t>
+            </a:r>
+          </a:p>
+          <a:p>
             <a:r>
               <a:rPr lang="en-US" dirty="0" smtClean="0"/>
-              <a:t> - Overview</a:t>
+              <a:t>I’m about to move to San Antonio, my very first move ever.</a:t>
             </a:r>
           </a:p>
           <a:p>
             <a:r>
               <a:rPr lang="en-US" dirty="0" smtClean="0"/>
-              <a:t>The beginning</a:t>
-            </a:r>
-          </a:p>
-          <a:p>
-            <a:r>
-              <a:rPr lang="en-US" dirty="0" smtClean="0"/>
-              <a:t>Step-by-Step</a:t>
-            </a:r>
-          </a:p>
-          <a:p>
-            <a:r>
-              <a:rPr lang="en-US" dirty="0" smtClean="0"/>
-              <a:t>The End (for real this time)</a:t>
+              <a:t>I love to golf.</a:t>
             </a:r>
             <a:endParaRPr lang="en-US" dirty="0"/>
           </a:p>
@@ -4063,7 +3974,7 @@
     </p:spTree>
     <p:extLst>
       <p:ext uri="{BB962C8B-B14F-4D97-AF65-F5344CB8AC3E}">
-        <p14:creationId xmlns:p14="http://schemas.microsoft.com/office/powerpoint/2010/main" val="1772493713"/>
+        <p14:creationId xmlns:p14="http://schemas.microsoft.com/office/powerpoint/2010/main" val="4082135064"/>
       </p:ext>
     </p:extLst>
   </p:cSld>
@@ -4105,7 +4016,11 @@
           <a:bodyPr/>
           <a:lstStyle/>
           <a:p>
-            <a:endParaRPr lang="en-US"/>
+            <a:r>
+              <a:rPr lang="en-US" dirty="0" smtClean="0"/>
+              <a:t>Agenda</a:t>
+            </a:r>
+            <a:endParaRPr lang="en-US" dirty="0"/>
           </a:p>
         </p:txBody>
       </p:sp>
@@ -4121,26 +4036,47 @@
         </p:nvSpPr>
         <p:spPr/>
         <p:txBody>
-          <a:bodyPr>
-            <a:normAutofit fontScale="85000" lnSpcReduction="20000"/>
-          </a:bodyPr>
-          <a:lstStyle/>
-          <a:p>
-            <a:r>
-              <a:rPr lang="en-US" dirty="0"/>
-              <a:t>Imagine a heterogeneous infrastructure where all API’s and authentication methods are the same. Now pinch yourself! PowerShell gives you the tools to make this dream a reality. Using open source PowerShell modules you can create a RESTFUL API Gateway providing secure access to all your system data.</a:t>
-            </a:r>
-          </a:p>
-          <a:p>
-            <a:r>
-              <a:rPr lang="en-US" dirty="0"/>
-              <a:t>Utilizing open source PowerShell modules you can create a RESTful API Gateway to provide secure access to your existing PowerShell scripts and the data they produce. This RESTful Gateway will provide consistent interfaces, secure access to multiple different Enterprise Services, as well as other core applications in your infrastructure. Not having to manage multiple Authentication methods to different services within a single script can save huge amounts of time and frustration. You can now create your own client with a consistent interface to retrieve all of your critical system data. Take notes during this session to learn how to setup the RESTful API Gateway, Secure the endpoints, and fully customize them to meet your organizational needs. This is all done utilizing PowerShell.</a:t>
-            </a:r>
-          </a:p>
-          <a:p>
-            <a:endParaRPr lang="en-US" dirty="0"/>
-          </a:p>
-          <a:p>
+          <a:bodyPr/>
+          <a:lstStyle/>
+          <a:p>
+            <a:r>
+              <a:rPr lang="en-US" dirty="0" smtClean="0"/>
+              <a:t>The End</a:t>
+            </a:r>
+          </a:p>
+          <a:p>
+            <a:r>
+              <a:rPr lang="en-US" dirty="0" err="1" smtClean="0"/>
+              <a:t>RestPS</a:t>
+            </a:r>
+            <a:r>
+              <a:rPr lang="en-US" dirty="0" smtClean="0"/>
+              <a:t> - Overview</a:t>
+            </a:r>
+          </a:p>
+          <a:p>
+            <a:r>
+              <a:rPr lang="en-US" dirty="0" smtClean="0"/>
+              <a:t>Step-by-Step </a:t>
+            </a:r>
+          </a:p>
+          <a:p>
+            <a:r>
+              <a:rPr lang="en-US" dirty="0" smtClean="0"/>
+              <a:t>The End (again)</a:t>
+            </a:r>
+          </a:p>
+          <a:p>
+            <a:r>
+              <a:rPr lang="en-US" dirty="0" smtClean="0"/>
+              <a:t>Example A</a:t>
+            </a:r>
+          </a:p>
+          <a:p>
+            <a:r>
+              <a:rPr lang="en-US" dirty="0" smtClean="0"/>
+              <a:t>Example B</a:t>
+            </a:r>
             <a:endParaRPr lang="en-US" dirty="0"/>
           </a:p>
         </p:txBody>
@@ -4148,7 +4084,7 @@
     </p:spTree>
     <p:extLst>
       <p:ext uri="{BB962C8B-B14F-4D97-AF65-F5344CB8AC3E}">
-        <p14:creationId xmlns:p14="http://schemas.microsoft.com/office/powerpoint/2010/main" val="2570331809"/>
+        <p14:creationId xmlns:p14="http://schemas.microsoft.com/office/powerpoint/2010/main" val="1772493713"/>
       </p:ext>
     </p:extLst>
   </p:cSld>
@@ -4527,7 +4463,7 @@
         <p:spPr/>
         <p:txBody>
           <a:bodyPr>
-            <a:normAutofit fontScale="92500" lnSpcReduction="20000"/>
+            <a:normAutofit fontScale="85000" lnSpcReduction="20000"/>
           </a:bodyPr>
           <a:lstStyle/>
           <a:p>
@@ -4565,6 +4501,13 @@
             </a:r>
           </a:p>
           <a:p>
+            <a:pPr lvl="1"/>
+            <a:r>
+              <a:rPr lang="en-US" dirty="0" smtClean="0"/>
+              <a:t>Yes! It works on Linux.</a:t>
+            </a:r>
+          </a:p>
+          <a:p>
             <a:endParaRPr lang="en-US" dirty="0" smtClean="0"/>
           </a:p>
           <a:p>
@@ -4598,10 +4541,9 @@
               <a:t>kinda</a:t>
             </a:r>
             <a:r>
-              <a:rPr lang="en-US" smtClean="0"/>
+              <a:rPr lang="en-US" dirty="0" smtClean="0"/>
               <a:t> sucks</a:t>
             </a:r>
-            <a:endParaRPr lang="en-US" dirty="0" smtClean="0"/>
           </a:p>
           <a:p>
             <a:endParaRPr lang="en-US" dirty="0"/>
@@ -4655,7 +4597,7 @@
           <a:p>
             <a:r>
               <a:rPr lang="en-US" dirty="0" smtClean="0"/>
-              <a:t>The beginning</a:t>
+              <a:t>Step-by-Step</a:t>
             </a:r>
             <a:endParaRPr lang="en-US" dirty="0"/>
           </a:p>
@@ -4678,19 +4620,54 @@
           <a:p>
             <a:r>
               <a:rPr lang="en-US" dirty="0" smtClean="0"/>
-              <a:t>Install the Root CA to certificate store.</a:t>
-            </a:r>
-          </a:p>
-          <a:p>
+              <a:t>Demo Time!</a:t>
+            </a:r>
+          </a:p>
+          <a:p>
+            <a:pPr lvl="1"/>
             <a:r>
               <a:rPr lang="en-US" dirty="0" smtClean="0"/>
-              <a:t>Create/Install the Server Certificate</a:t>
-            </a:r>
-          </a:p>
-          <a:p>
+              <a:t>Start </a:t>
+            </a:r>
+            <a:r>
+              <a:rPr lang="en-US" dirty="0" err="1" smtClean="0"/>
+              <a:t>RestPS</a:t>
+            </a:r>
+            <a:endParaRPr lang="en-US" dirty="0" smtClean="0"/>
+          </a:p>
+          <a:p>
+            <a:pPr lvl="1"/>
             <a:r>
               <a:rPr lang="en-US" dirty="0" smtClean="0"/>
-              <a:t>Define the routes in JSON</a:t>
+              <a:t>Initiate a Non-HTTPS request</a:t>
+            </a:r>
+          </a:p>
+          <a:p>
+            <a:pPr lvl="1"/>
+            <a:r>
+              <a:rPr lang="en-US" dirty="0" smtClean="0"/>
+              <a:t>Review some certificate stuff</a:t>
+            </a:r>
+          </a:p>
+          <a:p>
+            <a:pPr lvl="1"/>
+            <a:r>
+              <a:rPr lang="en-US" dirty="0" smtClean="0"/>
+              <a:t>Review the error</a:t>
+            </a:r>
+          </a:p>
+          <a:p>
+            <a:pPr lvl="1"/>
+            <a:r>
+              <a:rPr lang="en-US" dirty="0" smtClean="0"/>
+              <a:t>Initiate an HTTPS request</a:t>
+            </a:r>
+          </a:p>
+          <a:p>
+            <a:pPr lvl="1"/>
+            <a:r>
+              <a:rPr lang="en-US" dirty="0" smtClean="0"/>
+              <a:t>Enjoy the Success</a:t>
             </a:r>
             <a:endParaRPr lang="en-US" dirty="0"/>
           </a:p>
@@ -4699,7 +4676,7 @@
     </p:spTree>
     <p:extLst>
       <p:ext uri="{BB962C8B-B14F-4D97-AF65-F5344CB8AC3E}">
-        <p14:creationId xmlns:p14="http://schemas.microsoft.com/office/powerpoint/2010/main" val="1169077185"/>
+        <p14:creationId xmlns:p14="http://schemas.microsoft.com/office/powerpoint/2010/main" val="2325001371"/>
       </p:ext>
     </p:extLst>
   </p:cSld>
@@ -4743,59 +4720,270 @@
           <a:p>
             <a:r>
               <a:rPr lang="en-US" dirty="0" smtClean="0"/>
-              <a:t>Step-by-Step</a:t>
-            </a:r>
-            <a:endParaRPr lang="en-US" dirty="0"/>
-          </a:p>
-        </p:txBody>
-      </p:sp>
-      <p:sp>
-        <p:nvSpPr>
-          <p:cNvPr id="3" name="Content Placeholder 2"/>
-          <p:cNvSpPr>
-            <a:spLocks noGrp="1"/>
-          </p:cNvSpPr>
-          <p:nvPr>
-            <p:ph idx="1"/>
-          </p:nvPr>
-        </p:nvSpPr>
-        <p:spPr/>
-        <p:txBody>
-          <a:bodyPr/>
-          <a:lstStyle/>
-          <a:p>
-            <a:r>
+              <a:t>The end (again)</a:t>
+            </a:r>
+            <a:br>
               <a:rPr lang="en-US" dirty="0" smtClean="0"/>
-              <a:t>Start </a:t>
-            </a:r>
-            <a:r>
-              <a:rPr lang="en-US" dirty="0" err="1" smtClean="0"/>
-              <a:t>RestPS</a:t>
-            </a:r>
-            <a:endParaRPr lang="en-US" dirty="0" smtClean="0"/>
-          </a:p>
+            </a:br>
+            <a:endParaRPr lang="en-US" dirty="0"/>
+          </a:p>
+        </p:txBody>
+      </p:sp>
+      <p:sp>
+        <p:nvSpPr>
+          <p:cNvPr id="4" name="Flowchart: Direct Access Storage 3"/>
+          <p:cNvSpPr/>
+          <p:nvPr/>
+        </p:nvSpPr>
+        <p:spPr>
+          <a:xfrm>
+            <a:off x="4788816" y="2234153"/>
+            <a:ext cx="1366887" cy="2950589"/>
+          </a:xfrm>
+          <a:prstGeom prst="flowChartMagneticDrum">
+            <a:avLst/>
+          </a:prstGeom>
+        </p:spPr>
+        <p:style>
+          <a:lnRef idx="2">
+            <a:schemeClr val="accent1">
+              <a:shade val="50000"/>
+            </a:schemeClr>
+          </a:lnRef>
+          <a:fillRef idx="1">
+            <a:schemeClr val="accent1"/>
+          </a:fillRef>
+          <a:effectRef idx="0">
+            <a:schemeClr val="accent1"/>
+          </a:effectRef>
+          <a:fontRef idx="minor">
+            <a:schemeClr val="lt1"/>
+          </a:fontRef>
+        </p:style>
+        <p:txBody>
+          <a:bodyPr rtlCol="0" anchor="ctr"/>
+          <a:lstStyle/>
+          <a:p>
+            <a:pPr algn="ctr"/>
+            <a:endParaRPr lang="en-US"/>
+          </a:p>
+        </p:txBody>
+      </p:sp>
+      <p:sp>
+        <p:nvSpPr>
+          <p:cNvPr id="5" name="Curved Left Arrow 4"/>
+          <p:cNvSpPr/>
+          <p:nvPr/>
+        </p:nvSpPr>
+        <p:spPr>
+          <a:xfrm>
+            <a:off x="6881567" y="2875175"/>
+            <a:ext cx="1687398" cy="1904215"/>
+          </a:xfrm>
+          <a:prstGeom prst="curvedLeftArrow">
+            <a:avLst/>
+          </a:prstGeom>
+        </p:spPr>
+        <p:style>
+          <a:lnRef idx="2">
+            <a:schemeClr val="accent1">
+              <a:shade val="50000"/>
+            </a:schemeClr>
+          </a:lnRef>
+          <a:fillRef idx="1">
+            <a:schemeClr val="accent1"/>
+          </a:fillRef>
+          <a:effectRef idx="0">
+            <a:schemeClr val="accent1"/>
+          </a:effectRef>
+          <a:fontRef idx="minor">
+            <a:schemeClr val="lt1"/>
+          </a:fontRef>
+        </p:style>
+        <p:txBody>
+          <a:bodyPr rtlCol="0" anchor="ctr"/>
+          <a:lstStyle/>
+          <a:p>
+            <a:pPr algn="ctr"/>
+            <a:endParaRPr lang="en-US">
+              <a:solidFill>
+                <a:schemeClr val="tx1"/>
+              </a:solidFill>
+            </a:endParaRPr>
+          </a:p>
+        </p:txBody>
+      </p:sp>
+      <p:sp>
+        <p:nvSpPr>
+          <p:cNvPr id="6" name="Bent Arrow 5"/>
+          <p:cNvSpPr/>
+          <p:nvPr/>
+        </p:nvSpPr>
+        <p:spPr>
+          <a:xfrm>
+            <a:off x="2818614" y="2875175"/>
+            <a:ext cx="1480009" cy="1461155"/>
+          </a:xfrm>
+          <a:prstGeom prst="bentArrow">
+            <a:avLst/>
+          </a:prstGeom>
+        </p:spPr>
+        <p:style>
+          <a:lnRef idx="2">
+            <a:schemeClr val="accent1">
+              <a:shade val="50000"/>
+            </a:schemeClr>
+          </a:lnRef>
+          <a:fillRef idx="1">
+            <a:schemeClr val="accent1"/>
+          </a:fillRef>
+          <a:effectRef idx="0">
+            <a:schemeClr val="accent1"/>
+          </a:effectRef>
+          <a:fontRef idx="minor">
+            <a:schemeClr val="lt1"/>
+          </a:fontRef>
+        </p:style>
+        <p:txBody>
+          <a:bodyPr rtlCol="0" anchor="ctr"/>
+          <a:lstStyle/>
+          <a:p>
+            <a:pPr algn="ctr"/>
+            <a:endParaRPr lang="en-US">
+              <a:solidFill>
+                <a:schemeClr val="tx1"/>
+              </a:solidFill>
+            </a:endParaRPr>
+          </a:p>
+        </p:txBody>
+      </p:sp>
+      <p:sp>
+        <p:nvSpPr>
+          <p:cNvPr id="7" name="TextBox 6"/>
+          <p:cNvSpPr txBox="1"/>
+          <p:nvPr/>
+        </p:nvSpPr>
+        <p:spPr>
+          <a:xfrm>
+            <a:off x="1913641" y="4779390"/>
+            <a:ext cx="2601798" cy="369332"/>
+          </a:xfrm>
+          <a:prstGeom prst="rect">
+            <a:avLst/>
+          </a:prstGeom>
+          <a:noFill/>
+        </p:spPr>
+        <p:txBody>
+          <a:bodyPr wrap="square" rtlCol="0">
+            <a:spAutoFit/>
+          </a:bodyPr>
+          <a:lstStyle/>
           <a:p>
             <a:r>
               <a:rPr lang="en-US" dirty="0" smtClean="0"/>
-              <a:t>Initiate a Non-HTTPS request</a:t>
-            </a:r>
-          </a:p>
+              <a:t>Incoming HTTPS request</a:t>
+            </a:r>
+            <a:endParaRPr lang="en-US" dirty="0"/>
+          </a:p>
+        </p:txBody>
+      </p:sp>
+      <p:sp>
+        <p:nvSpPr>
+          <p:cNvPr id="8" name="TextBox 7"/>
+          <p:cNvSpPr txBox="1"/>
+          <p:nvPr/>
+        </p:nvSpPr>
+        <p:spPr>
+          <a:xfrm>
+            <a:off x="6598763" y="2130458"/>
+            <a:ext cx="1970202" cy="646331"/>
+          </a:xfrm>
+          <a:prstGeom prst="rect">
+            <a:avLst/>
+          </a:prstGeom>
+          <a:noFill/>
+        </p:spPr>
+        <p:txBody>
+          <a:bodyPr wrap="square" rtlCol="0">
+            <a:spAutoFit/>
+          </a:bodyPr>
+          <a:lstStyle/>
           <a:p>
             <a:r>
               <a:rPr lang="en-US" dirty="0" smtClean="0"/>
-              <a:t>Review the error</a:t>
+              <a:t>Authorization</a:t>
             </a:r>
           </a:p>
           <a:p>
             <a:r>
               <a:rPr lang="en-US" dirty="0" smtClean="0"/>
-              <a:t>Initiate an HTTPS request</a:t>
-            </a:r>
-          </a:p>
+              <a:t>Authentication</a:t>
+            </a:r>
+            <a:endParaRPr lang="en-US" dirty="0"/>
+          </a:p>
+        </p:txBody>
+      </p:sp>
+      <p:sp>
+        <p:nvSpPr>
+          <p:cNvPr id="9" name="TextBox 8"/>
+          <p:cNvSpPr txBox="1"/>
+          <p:nvPr/>
+        </p:nvSpPr>
+        <p:spPr>
+          <a:xfrm>
+            <a:off x="8748074" y="3386281"/>
+            <a:ext cx="2196445" cy="646331"/>
+          </a:xfrm>
+          <a:prstGeom prst="rect">
+            <a:avLst/>
+          </a:prstGeom>
+          <a:noFill/>
+        </p:spPr>
+        <p:txBody>
+          <a:bodyPr wrap="square" rtlCol="0">
+            <a:spAutoFit/>
+          </a:bodyPr>
+          <a:lstStyle/>
           <a:p>
             <a:r>
               <a:rPr lang="en-US" dirty="0" smtClean="0"/>
-              <a:t>Enjoy the Success</a:t>
+              <a:t>Route Determined</a:t>
+            </a:r>
+          </a:p>
+          <a:p>
+            <a:r>
+              <a:rPr lang="en-US" dirty="0" smtClean="0"/>
+              <a:t>Script Executed</a:t>
+            </a:r>
+            <a:endParaRPr lang="en-US" dirty="0"/>
+          </a:p>
+        </p:txBody>
+      </p:sp>
+      <p:sp>
+        <p:nvSpPr>
+          <p:cNvPr id="10" name="TextBox 9"/>
+          <p:cNvSpPr txBox="1"/>
+          <p:nvPr/>
+        </p:nvSpPr>
+        <p:spPr>
+          <a:xfrm>
+            <a:off x="6796726" y="4779390"/>
+            <a:ext cx="1772239" cy="369332"/>
+          </a:xfrm>
+          <a:prstGeom prst="rect">
+            <a:avLst/>
+          </a:prstGeom>
+          <a:noFill/>
+        </p:spPr>
+        <p:txBody>
+          <a:bodyPr wrap="square" rtlCol="0">
+            <a:spAutoFit/>
+          </a:bodyPr>
+          <a:lstStyle/>
+          <a:p>
+            <a:r>
+              <a:rPr lang="en-US" dirty="0" smtClean="0"/>
+              <a:t>Data Returned</a:t>
             </a:r>
             <a:endParaRPr lang="en-US" dirty="0"/>
           </a:p>
@@ -4804,7 +4992,7 @@
     </p:spTree>
     <p:extLst>
       <p:ext uri="{BB962C8B-B14F-4D97-AF65-F5344CB8AC3E}">
-        <p14:creationId xmlns:p14="http://schemas.microsoft.com/office/powerpoint/2010/main" val="2325001371"/>
+        <p14:creationId xmlns:p14="http://schemas.microsoft.com/office/powerpoint/2010/main" val="2008487755"/>
       </p:ext>
     </p:extLst>
   </p:cSld>
@@ -4848,27 +5036,63 @@
           <a:p>
             <a:r>
               <a:rPr lang="en-US" dirty="0" smtClean="0"/>
-              <a:t>The end</a:t>
-            </a:r>
-            <a:br>
+              <a:t>Example A</a:t>
+            </a:r>
+            <a:endParaRPr lang="en-US" dirty="0"/>
+          </a:p>
+        </p:txBody>
+      </p:sp>
+      <p:sp>
+        <p:nvSpPr>
+          <p:cNvPr id="3" name="Content Placeholder 2"/>
+          <p:cNvSpPr>
+            <a:spLocks noGrp="1"/>
+          </p:cNvSpPr>
+          <p:nvPr>
+            <p:ph idx="1"/>
+          </p:nvPr>
+        </p:nvSpPr>
+        <p:spPr>
+          <a:xfrm>
+            <a:off x="1451579" y="2015733"/>
+            <a:ext cx="9603275" cy="928804"/>
+          </a:xfrm>
+        </p:spPr>
+        <p:txBody>
+          <a:bodyPr/>
+          <a:lstStyle/>
+          <a:p>
+            <a:r>
+              <a:rPr lang="en-US" dirty="0" err="1" smtClean="0"/>
+              <a:t>vCenter</a:t>
+            </a:r>
+            <a:r>
               <a:rPr lang="en-US" dirty="0" smtClean="0"/>
-            </a:br>
-            <a:endParaRPr lang="en-US" dirty="0"/>
-          </a:p>
-        </p:txBody>
-      </p:sp>
-      <p:sp>
-        <p:nvSpPr>
-          <p:cNvPr id="4" name="Flowchart: Direct Access Storage 3"/>
+              <a:t> Gateway</a:t>
+            </a:r>
+          </a:p>
+          <a:p>
+            <a:pPr lvl="1"/>
+            <a:r>
+              <a:rPr lang="en-US" dirty="0" smtClean="0"/>
+              <a:t>Windows based Solution</a:t>
+            </a:r>
+            <a:endParaRPr lang="en-US" dirty="0"/>
+          </a:p>
+        </p:txBody>
+      </p:sp>
+      <p:sp>
+        <p:nvSpPr>
+          <p:cNvPr id="4" name="Rounded Rectangle 3"/>
           <p:cNvSpPr/>
           <p:nvPr/>
         </p:nvSpPr>
         <p:spPr>
           <a:xfrm>
-            <a:off x="4788816" y="2234153"/>
-            <a:ext cx="1366887" cy="2950589"/>
-          </a:xfrm>
-          <a:prstGeom prst="flowChartMagneticDrum">
+            <a:off x="2206302" y="2944537"/>
+            <a:ext cx="7331978" cy="3003257"/>
+          </a:xfrm>
+          <a:prstGeom prst="roundRect">
             <a:avLst/>
           </a:prstGeom>
         </p:spPr>
@@ -4893,22 +5117,26 @@
           <a:lstStyle/>
           <a:p>
             <a:pPr algn="ctr"/>
-            <a:endParaRPr lang="en-US"/>
-          </a:p>
-        </p:txBody>
-      </p:sp>
-      <p:sp>
-        <p:nvSpPr>
-          <p:cNvPr id="5" name="Curved Left Arrow 4"/>
+            <a:r>
+              <a:rPr lang="en-US" dirty="0" smtClean="0"/>
+              <a:t>API Server (Windows Server)</a:t>
+            </a:r>
+            <a:endParaRPr lang="en-US" dirty="0"/>
+          </a:p>
+        </p:txBody>
+      </p:sp>
+      <p:sp>
+        <p:nvSpPr>
+          <p:cNvPr id="5" name="Oval 4"/>
           <p:cNvSpPr/>
           <p:nvPr/>
         </p:nvSpPr>
         <p:spPr>
           <a:xfrm>
-            <a:off x="6881567" y="2875175"/>
-            <a:ext cx="1687398" cy="1904215"/>
-          </a:xfrm>
-          <a:prstGeom prst="curvedLeftArrow">
+            <a:off x="184557" y="3892492"/>
+            <a:ext cx="1476462" cy="1208014"/>
+          </a:xfrm>
+          <a:prstGeom prst="ellipse">
             <a:avLst/>
           </a:prstGeom>
         </p:spPr>
@@ -4933,26 +5161,26 @@
           <a:lstStyle/>
           <a:p>
             <a:pPr algn="ctr"/>
-            <a:endParaRPr lang="en-US">
-              <a:solidFill>
-                <a:schemeClr val="tx1"/>
-              </a:solidFill>
-            </a:endParaRPr>
-          </a:p>
-        </p:txBody>
-      </p:sp>
-      <p:sp>
-        <p:nvSpPr>
-          <p:cNvPr id="6" name="Bent Arrow 5"/>
+            <a:r>
+              <a:rPr lang="en-US" dirty="0" smtClean="0"/>
+              <a:t>Client</a:t>
+            </a:r>
+            <a:endParaRPr lang="en-US" dirty="0"/>
+          </a:p>
+        </p:txBody>
+      </p:sp>
+      <p:sp>
+        <p:nvSpPr>
+          <p:cNvPr id="8" name="Diamond 7"/>
           <p:cNvSpPr/>
           <p:nvPr/>
         </p:nvSpPr>
         <p:spPr>
           <a:xfrm>
-            <a:off x="2818614" y="2875175"/>
-            <a:ext cx="1480009" cy="1461155"/>
-          </a:xfrm>
-          <a:prstGeom prst="bentArrow">
+            <a:off x="7052062" y="3107914"/>
+            <a:ext cx="1984281" cy="1161660"/>
+          </a:xfrm>
+          <a:prstGeom prst="diamond">
             <a:avLst/>
           </a:prstGeom>
         </p:spPr>
@@ -4977,150 +5205,663 @@
           <a:lstStyle/>
           <a:p>
             <a:pPr algn="ctr"/>
-            <a:endParaRPr lang="en-US">
-              <a:solidFill>
-                <a:schemeClr val="tx1"/>
-              </a:solidFill>
-            </a:endParaRPr>
-          </a:p>
-        </p:txBody>
-      </p:sp>
-      <p:sp>
-        <p:nvSpPr>
-          <p:cNvPr id="7" name="TextBox 6"/>
-          <p:cNvSpPr txBox="1"/>
+            <a:r>
+              <a:rPr lang="en-US" dirty="0" err="1" smtClean="0"/>
+              <a:t>RestPS</a:t>
+            </a:r>
+            <a:endParaRPr lang="en-US" dirty="0" smtClean="0"/>
+          </a:p>
+          <a:p>
+            <a:pPr algn="ctr"/>
+            <a:r>
+              <a:rPr lang="en-US" dirty="0" smtClean="0"/>
+              <a:t>8082</a:t>
+            </a:r>
+            <a:endParaRPr lang="en-US" dirty="0"/>
+          </a:p>
+        </p:txBody>
+      </p:sp>
+      <p:sp>
+        <p:nvSpPr>
+          <p:cNvPr id="11" name="Diamond 10"/>
+          <p:cNvSpPr/>
           <p:nvPr/>
         </p:nvSpPr>
         <p:spPr>
           <a:xfrm>
-            <a:off x="1913641" y="4779390"/>
-            <a:ext cx="2601798" cy="369332"/>
-          </a:xfrm>
-          <a:prstGeom prst="rect">
+            <a:off x="7052062" y="4617548"/>
+            <a:ext cx="1984281" cy="1161660"/>
+          </a:xfrm>
+          <a:prstGeom prst="diamond">
             <a:avLst/>
           </a:prstGeom>
-          <a:noFill/>
-        </p:spPr>
-        <p:txBody>
-          <a:bodyPr wrap="square" rtlCol="0">
-            <a:spAutoFit/>
-          </a:bodyPr>
-          <a:lstStyle/>
-          <a:p>
+        </p:spPr>
+        <p:style>
+          <a:lnRef idx="2">
+            <a:schemeClr val="accent1">
+              <a:shade val="50000"/>
+            </a:schemeClr>
+          </a:lnRef>
+          <a:fillRef idx="1">
+            <a:schemeClr val="accent1"/>
+          </a:fillRef>
+          <a:effectRef idx="0">
+            <a:schemeClr val="accent1"/>
+          </a:effectRef>
+          <a:fontRef idx="minor">
+            <a:schemeClr val="lt1"/>
+          </a:fontRef>
+        </p:style>
+        <p:txBody>
+          <a:bodyPr rtlCol="0" anchor="ctr"/>
+          <a:lstStyle/>
+          <a:p>
+            <a:pPr algn="ctr"/>
+            <a:r>
+              <a:rPr lang="en-US" dirty="0" err="1" smtClean="0"/>
+              <a:t>RestPS</a:t>
+            </a:r>
+            <a:endParaRPr lang="en-US" dirty="0" smtClean="0"/>
+          </a:p>
+          <a:p>
+            <a:pPr algn="ctr"/>
             <a:r>
               <a:rPr lang="en-US" dirty="0" smtClean="0"/>
-              <a:t>Incoming HTTPS request</a:t>
-            </a:r>
-            <a:endParaRPr lang="en-US" dirty="0"/>
-          </a:p>
-        </p:txBody>
-      </p:sp>
-      <p:sp>
-        <p:nvSpPr>
-          <p:cNvPr id="8" name="TextBox 7"/>
-          <p:cNvSpPr txBox="1"/>
+              <a:t>8085</a:t>
+            </a:r>
+            <a:endParaRPr lang="en-US" dirty="0"/>
+          </a:p>
+        </p:txBody>
+      </p:sp>
+      <p:cxnSp>
+        <p:nvCxnSpPr>
+          <p:cNvPr id="13" name="Straight Arrow Connector 12"/>
+          <p:cNvCxnSpPr>
+            <a:stCxn id="5" idx="6"/>
+            <a:endCxn id="6" idx="1"/>
+          </p:cNvCxnSpPr>
           <p:nvPr/>
-        </p:nvSpPr>
-        <p:spPr>
-          <a:xfrm>
-            <a:off x="6598763" y="2130458"/>
-            <a:ext cx="1970202" cy="646331"/>
-          </a:xfrm>
-          <a:prstGeom prst="rect">
+        </p:nvCxnSpPr>
+        <p:spPr>
+          <a:xfrm flipV="1">
+            <a:off x="1661019" y="3687346"/>
+            <a:ext cx="1018976" cy="809153"/>
+          </a:xfrm>
+          <a:prstGeom prst="straightConnector1">
             <a:avLst/>
           </a:prstGeom>
-          <a:noFill/>
-        </p:spPr>
-        <p:txBody>
-          <a:bodyPr wrap="square" rtlCol="0">
-            <a:spAutoFit/>
-          </a:bodyPr>
-          <a:lstStyle/>
-          <a:p>
-            <a:r>
-              <a:rPr lang="en-US" dirty="0" smtClean="0"/>
-              <a:t>Authorization</a:t>
-            </a:r>
-          </a:p>
-          <a:p>
-            <a:r>
-              <a:rPr lang="en-US" dirty="0" smtClean="0"/>
-              <a:t>Authentication</a:t>
-            </a:r>
-            <a:endParaRPr lang="en-US" dirty="0"/>
-          </a:p>
-        </p:txBody>
-      </p:sp>
-      <p:sp>
-        <p:nvSpPr>
-          <p:cNvPr id="9" name="TextBox 8"/>
-          <p:cNvSpPr txBox="1"/>
+          <a:ln>
+            <a:tailEnd type="triangle"/>
+          </a:ln>
+        </p:spPr>
+        <p:style>
+          <a:lnRef idx="3">
+            <a:schemeClr val="dk1"/>
+          </a:lnRef>
+          <a:fillRef idx="0">
+            <a:schemeClr val="dk1"/>
+          </a:fillRef>
+          <a:effectRef idx="2">
+            <a:schemeClr val="dk1"/>
+          </a:effectRef>
+          <a:fontRef idx="minor">
+            <a:schemeClr val="tx1"/>
+          </a:fontRef>
+        </p:style>
+      </p:cxnSp>
+      <p:cxnSp>
+        <p:nvCxnSpPr>
+          <p:cNvPr id="14" name="Straight Arrow Connector 13"/>
+          <p:cNvCxnSpPr>
+            <a:stCxn id="5" idx="6"/>
+            <a:endCxn id="7" idx="1"/>
+          </p:cNvCxnSpPr>
           <p:nvPr/>
-        </p:nvSpPr>
-        <p:spPr>
-          <a:xfrm>
-            <a:off x="8748074" y="3386281"/>
-            <a:ext cx="2196445" cy="646331"/>
-          </a:xfrm>
-          <a:prstGeom prst="rect">
+        </p:nvCxnSpPr>
+        <p:spPr>
+          <a:xfrm flipV="1">
+            <a:off x="1661019" y="3687346"/>
+            <a:ext cx="3219131" cy="809153"/>
+          </a:xfrm>
+          <a:prstGeom prst="straightConnector1">
             <a:avLst/>
           </a:prstGeom>
-          <a:noFill/>
-        </p:spPr>
-        <p:txBody>
-          <a:bodyPr wrap="square" rtlCol="0">
-            <a:spAutoFit/>
-          </a:bodyPr>
-          <a:lstStyle/>
-          <a:p>
-            <a:r>
-              <a:rPr lang="en-US" dirty="0" smtClean="0"/>
-              <a:t>Route Determined</a:t>
-            </a:r>
-          </a:p>
-          <a:p>
-            <a:r>
-              <a:rPr lang="en-US" dirty="0" smtClean="0"/>
-              <a:t>Script Executed</a:t>
-            </a:r>
-            <a:endParaRPr lang="en-US" dirty="0"/>
-          </a:p>
-        </p:txBody>
-      </p:sp>
-      <p:sp>
-        <p:nvSpPr>
-          <p:cNvPr id="10" name="TextBox 9"/>
-          <p:cNvSpPr txBox="1"/>
+          <a:ln>
+            <a:tailEnd type="triangle"/>
+          </a:ln>
+        </p:spPr>
+        <p:style>
+          <a:lnRef idx="3">
+            <a:schemeClr val="dk1"/>
+          </a:lnRef>
+          <a:fillRef idx="0">
+            <a:schemeClr val="dk1"/>
+          </a:fillRef>
+          <a:effectRef idx="2">
+            <a:schemeClr val="dk1"/>
+          </a:effectRef>
+          <a:fontRef idx="minor">
+            <a:schemeClr val="tx1"/>
+          </a:fontRef>
+        </p:style>
+      </p:cxnSp>
+      <p:cxnSp>
+        <p:nvCxnSpPr>
+          <p:cNvPr id="17" name="Straight Arrow Connector 16"/>
+          <p:cNvCxnSpPr>
+            <a:stCxn id="5" idx="6"/>
+            <a:endCxn id="8" idx="1"/>
+          </p:cNvCxnSpPr>
           <p:nvPr/>
-        </p:nvSpPr>
-        <p:spPr>
-          <a:xfrm>
-            <a:off x="6796726" y="4779390"/>
-            <a:ext cx="1772239" cy="369332"/>
-          </a:xfrm>
-          <a:prstGeom prst="rect">
+        </p:nvCxnSpPr>
+        <p:spPr>
+          <a:xfrm flipV="1">
+            <a:off x="1661019" y="3688744"/>
+            <a:ext cx="5391043" cy="807755"/>
+          </a:xfrm>
+          <a:prstGeom prst="straightConnector1">
             <a:avLst/>
           </a:prstGeom>
-          <a:noFill/>
-        </p:spPr>
-        <p:txBody>
-          <a:bodyPr wrap="square" rtlCol="0">
-            <a:spAutoFit/>
-          </a:bodyPr>
-          <a:lstStyle/>
-          <a:p>
+          <a:ln>
+            <a:tailEnd type="triangle"/>
+          </a:ln>
+        </p:spPr>
+        <p:style>
+          <a:lnRef idx="3">
+            <a:schemeClr val="dk1"/>
+          </a:lnRef>
+          <a:fillRef idx="0">
+            <a:schemeClr val="dk1"/>
+          </a:fillRef>
+          <a:effectRef idx="2">
+            <a:schemeClr val="dk1"/>
+          </a:effectRef>
+          <a:fontRef idx="minor">
+            <a:schemeClr val="tx1"/>
+          </a:fontRef>
+        </p:style>
+      </p:cxnSp>
+      <p:sp>
+        <p:nvSpPr>
+          <p:cNvPr id="7" name="Diamond 6"/>
+          <p:cNvSpPr/>
+          <p:nvPr/>
+        </p:nvSpPr>
+        <p:spPr>
+          <a:xfrm>
+            <a:off x="4880150" y="3106516"/>
+            <a:ext cx="1984281" cy="1161660"/>
+          </a:xfrm>
+          <a:prstGeom prst="diamond">
+            <a:avLst/>
+          </a:prstGeom>
+        </p:spPr>
+        <p:style>
+          <a:lnRef idx="2">
+            <a:schemeClr val="accent1">
+              <a:shade val="50000"/>
+            </a:schemeClr>
+          </a:lnRef>
+          <a:fillRef idx="1">
+            <a:schemeClr val="accent1"/>
+          </a:fillRef>
+          <a:effectRef idx="0">
+            <a:schemeClr val="accent1"/>
+          </a:effectRef>
+          <a:fontRef idx="minor">
+            <a:schemeClr val="lt1"/>
+          </a:fontRef>
+        </p:style>
+        <p:txBody>
+          <a:bodyPr rtlCol="0" anchor="ctr"/>
+          <a:lstStyle/>
+          <a:p>
+            <a:pPr algn="ctr"/>
+            <a:r>
+              <a:rPr lang="en-US" dirty="0" err="1" smtClean="0"/>
+              <a:t>RestPS</a:t>
+            </a:r>
+            <a:endParaRPr lang="en-US" dirty="0" smtClean="0"/>
+          </a:p>
+          <a:p>
+            <a:pPr algn="ctr"/>
             <a:r>
               <a:rPr lang="en-US" dirty="0" smtClean="0"/>
-              <a:t>Data Returned</a:t>
-            </a:r>
-            <a:endParaRPr lang="en-US" dirty="0"/>
-          </a:p>
-        </p:txBody>
-      </p:sp>
+              <a:t>8081</a:t>
+            </a:r>
+            <a:endParaRPr lang="en-US" dirty="0"/>
+          </a:p>
+        </p:txBody>
+      </p:sp>
+      <p:sp>
+        <p:nvSpPr>
+          <p:cNvPr id="6" name="Diamond 5"/>
+          <p:cNvSpPr/>
+          <p:nvPr/>
+        </p:nvSpPr>
+        <p:spPr>
+          <a:xfrm>
+            <a:off x="2679995" y="3106516"/>
+            <a:ext cx="1984281" cy="1161660"/>
+          </a:xfrm>
+          <a:prstGeom prst="diamond">
+            <a:avLst/>
+          </a:prstGeom>
+        </p:spPr>
+        <p:style>
+          <a:lnRef idx="2">
+            <a:schemeClr val="accent1">
+              <a:shade val="50000"/>
+            </a:schemeClr>
+          </a:lnRef>
+          <a:fillRef idx="1">
+            <a:schemeClr val="accent1"/>
+          </a:fillRef>
+          <a:effectRef idx="0">
+            <a:schemeClr val="accent1"/>
+          </a:effectRef>
+          <a:fontRef idx="minor">
+            <a:schemeClr val="lt1"/>
+          </a:fontRef>
+        </p:style>
+        <p:txBody>
+          <a:bodyPr rtlCol="0" anchor="ctr"/>
+          <a:lstStyle/>
+          <a:p>
+            <a:pPr algn="ctr"/>
+            <a:r>
+              <a:rPr lang="en-US" dirty="0" err="1" smtClean="0"/>
+              <a:t>RestPS</a:t>
+            </a:r>
+            <a:endParaRPr lang="en-US" dirty="0" smtClean="0"/>
+          </a:p>
+          <a:p>
+            <a:pPr algn="ctr"/>
+            <a:r>
+              <a:rPr lang="en-US" dirty="0" smtClean="0"/>
+              <a:t>8080</a:t>
+            </a:r>
+            <a:endParaRPr lang="en-US" dirty="0"/>
+          </a:p>
+        </p:txBody>
+      </p:sp>
+      <p:cxnSp>
+        <p:nvCxnSpPr>
+          <p:cNvPr id="20" name="Straight Arrow Connector 19"/>
+          <p:cNvCxnSpPr>
+            <a:stCxn id="5" idx="6"/>
+            <a:endCxn id="11" idx="1"/>
+          </p:cNvCxnSpPr>
+          <p:nvPr/>
+        </p:nvCxnSpPr>
+        <p:spPr>
+          <a:xfrm>
+            <a:off x="1661019" y="4496499"/>
+            <a:ext cx="5391043" cy="701879"/>
+          </a:xfrm>
+          <a:prstGeom prst="straightConnector1">
+            <a:avLst/>
+          </a:prstGeom>
+          <a:ln>
+            <a:tailEnd type="triangle"/>
+          </a:ln>
+        </p:spPr>
+        <p:style>
+          <a:lnRef idx="3">
+            <a:schemeClr val="dk1"/>
+          </a:lnRef>
+          <a:fillRef idx="0">
+            <a:schemeClr val="dk1"/>
+          </a:fillRef>
+          <a:effectRef idx="2">
+            <a:schemeClr val="dk1"/>
+          </a:effectRef>
+          <a:fontRef idx="minor">
+            <a:schemeClr val="tx1"/>
+          </a:fontRef>
+        </p:style>
+      </p:cxnSp>
+      <p:cxnSp>
+        <p:nvCxnSpPr>
+          <p:cNvPr id="23" name="Straight Arrow Connector 22"/>
+          <p:cNvCxnSpPr>
+            <a:stCxn id="5" idx="6"/>
+            <a:endCxn id="10" idx="1"/>
+          </p:cNvCxnSpPr>
+          <p:nvPr/>
+        </p:nvCxnSpPr>
+        <p:spPr>
+          <a:xfrm>
+            <a:off x="1661019" y="4496499"/>
+            <a:ext cx="3219131" cy="700481"/>
+          </a:xfrm>
+          <a:prstGeom prst="straightConnector1">
+            <a:avLst/>
+          </a:prstGeom>
+          <a:ln>
+            <a:tailEnd type="triangle"/>
+          </a:ln>
+        </p:spPr>
+        <p:style>
+          <a:lnRef idx="3">
+            <a:schemeClr val="dk1"/>
+          </a:lnRef>
+          <a:fillRef idx="0">
+            <a:schemeClr val="dk1"/>
+          </a:fillRef>
+          <a:effectRef idx="2">
+            <a:schemeClr val="dk1"/>
+          </a:effectRef>
+          <a:fontRef idx="minor">
+            <a:schemeClr val="tx1"/>
+          </a:fontRef>
+        </p:style>
+      </p:cxnSp>
+      <p:cxnSp>
+        <p:nvCxnSpPr>
+          <p:cNvPr id="26" name="Straight Arrow Connector 25"/>
+          <p:cNvCxnSpPr>
+            <a:stCxn id="5" idx="6"/>
+          </p:cNvCxnSpPr>
+          <p:nvPr/>
+        </p:nvCxnSpPr>
+        <p:spPr>
+          <a:xfrm>
+            <a:off x="1661019" y="4496499"/>
+            <a:ext cx="2495440" cy="719632"/>
+          </a:xfrm>
+          <a:prstGeom prst="straightConnector1">
+            <a:avLst/>
+          </a:prstGeom>
+          <a:ln>
+            <a:tailEnd type="triangle"/>
+          </a:ln>
+        </p:spPr>
+        <p:style>
+          <a:lnRef idx="3">
+            <a:schemeClr val="dk1"/>
+          </a:lnRef>
+          <a:fillRef idx="0">
+            <a:schemeClr val="dk1"/>
+          </a:fillRef>
+          <a:effectRef idx="2">
+            <a:schemeClr val="dk1"/>
+          </a:effectRef>
+          <a:fontRef idx="minor">
+            <a:schemeClr val="tx1"/>
+          </a:fontRef>
+        </p:style>
+      </p:cxnSp>
+      <p:sp>
+        <p:nvSpPr>
+          <p:cNvPr id="9" name="Diamond 8"/>
+          <p:cNvSpPr/>
+          <p:nvPr/>
+        </p:nvSpPr>
+        <p:spPr>
+          <a:xfrm>
+            <a:off x="2679995" y="4616150"/>
+            <a:ext cx="1984281" cy="1161660"/>
+          </a:xfrm>
+          <a:prstGeom prst="diamond">
+            <a:avLst/>
+          </a:prstGeom>
+        </p:spPr>
+        <p:style>
+          <a:lnRef idx="2">
+            <a:schemeClr val="accent1">
+              <a:shade val="50000"/>
+            </a:schemeClr>
+          </a:lnRef>
+          <a:fillRef idx="1">
+            <a:schemeClr val="accent1"/>
+          </a:fillRef>
+          <a:effectRef idx="0">
+            <a:schemeClr val="accent1"/>
+          </a:effectRef>
+          <a:fontRef idx="minor">
+            <a:schemeClr val="lt1"/>
+          </a:fontRef>
+        </p:style>
+        <p:txBody>
+          <a:bodyPr rtlCol="0" anchor="ctr"/>
+          <a:lstStyle/>
+          <a:p>
+            <a:pPr algn="ctr"/>
+            <a:r>
+              <a:rPr lang="en-US" dirty="0" err="1" smtClean="0"/>
+              <a:t>RestPS</a:t>
+            </a:r>
+            <a:endParaRPr lang="en-US" dirty="0" smtClean="0"/>
+          </a:p>
+          <a:p>
+            <a:pPr algn="ctr"/>
+            <a:r>
+              <a:rPr lang="en-US" dirty="0" smtClean="0"/>
+              <a:t>8083</a:t>
+            </a:r>
+            <a:endParaRPr lang="en-US" dirty="0"/>
+          </a:p>
+        </p:txBody>
+      </p:sp>
+      <p:sp>
+        <p:nvSpPr>
+          <p:cNvPr id="10" name="Diamond 9"/>
+          <p:cNvSpPr/>
+          <p:nvPr/>
+        </p:nvSpPr>
+        <p:spPr>
+          <a:xfrm>
+            <a:off x="4880150" y="4616150"/>
+            <a:ext cx="1984281" cy="1161660"/>
+          </a:xfrm>
+          <a:prstGeom prst="diamond">
+            <a:avLst/>
+          </a:prstGeom>
+        </p:spPr>
+        <p:style>
+          <a:lnRef idx="2">
+            <a:schemeClr val="accent1">
+              <a:shade val="50000"/>
+            </a:schemeClr>
+          </a:lnRef>
+          <a:fillRef idx="1">
+            <a:schemeClr val="accent1"/>
+          </a:fillRef>
+          <a:effectRef idx="0">
+            <a:schemeClr val="accent1"/>
+          </a:effectRef>
+          <a:fontRef idx="minor">
+            <a:schemeClr val="lt1"/>
+          </a:fontRef>
+        </p:style>
+        <p:txBody>
+          <a:bodyPr rtlCol="0" anchor="ctr"/>
+          <a:lstStyle/>
+          <a:p>
+            <a:pPr algn="ctr"/>
+            <a:r>
+              <a:rPr lang="en-US" dirty="0" err="1" smtClean="0"/>
+              <a:t>RestPS</a:t>
+            </a:r>
+            <a:endParaRPr lang="en-US" dirty="0" smtClean="0"/>
+          </a:p>
+          <a:p>
+            <a:pPr algn="ctr"/>
+            <a:r>
+              <a:rPr lang="en-US" dirty="0" smtClean="0"/>
+              <a:t>8084</a:t>
+            </a:r>
+            <a:endParaRPr lang="en-US" dirty="0"/>
+          </a:p>
+        </p:txBody>
+      </p:sp>
+      <p:sp>
+        <p:nvSpPr>
+          <p:cNvPr id="29" name="Rounded Rectangle 28"/>
+          <p:cNvSpPr/>
+          <p:nvPr/>
+        </p:nvSpPr>
+        <p:spPr>
+          <a:xfrm>
+            <a:off x="10011973" y="2944537"/>
+            <a:ext cx="1921079" cy="1012478"/>
+          </a:xfrm>
+          <a:prstGeom prst="roundRect">
+            <a:avLst/>
+          </a:prstGeom>
+        </p:spPr>
+        <p:style>
+          <a:lnRef idx="2">
+            <a:schemeClr val="accent1">
+              <a:shade val="50000"/>
+            </a:schemeClr>
+          </a:lnRef>
+          <a:fillRef idx="1">
+            <a:schemeClr val="accent1"/>
+          </a:fillRef>
+          <a:effectRef idx="0">
+            <a:schemeClr val="accent1"/>
+          </a:effectRef>
+          <a:fontRef idx="minor">
+            <a:schemeClr val="lt1"/>
+          </a:fontRef>
+        </p:style>
+        <p:txBody>
+          <a:bodyPr rtlCol="0" anchor="ctr"/>
+          <a:lstStyle/>
+          <a:p>
+            <a:pPr algn="ctr"/>
+            <a:r>
+              <a:rPr lang="en-US" dirty="0" smtClean="0"/>
+              <a:t>vCenter02</a:t>
+            </a:r>
+            <a:endParaRPr lang="en-US" dirty="0"/>
+          </a:p>
+        </p:txBody>
+      </p:sp>
+      <p:sp>
+        <p:nvSpPr>
+          <p:cNvPr id="30" name="Rounded Rectangle 29"/>
+          <p:cNvSpPr/>
+          <p:nvPr/>
+        </p:nvSpPr>
+        <p:spPr>
+          <a:xfrm>
+            <a:off x="10011973" y="4846739"/>
+            <a:ext cx="1921079" cy="1012478"/>
+          </a:xfrm>
+          <a:prstGeom prst="roundRect">
+            <a:avLst/>
+          </a:prstGeom>
+        </p:spPr>
+        <p:style>
+          <a:lnRef idx="2">
+            <a:schemeClr val="accent1">
+              <a:shade val="50000"/>
+            </a:schemeClr>
+          </a:lnRef>
+          <a:fillRef idx="1">
+            <a:schemeClr val="accent1"/>
+          </a:fillRef>
+          <a:effectRef idx="0">
+            <a:schemeClr val="accent1"/>
+          </a:effectRef>
+          <a:fontRef idx="minor">
+            <a:schemeClr val="lt1"/>
+          </a:fontRef>
+        </p:style>
+        <p:txBody>
+          <a:bodyPr rtlCol="0" anchor="ctr"/>
+          <a:lstStyle/>
+          <a:p>
+            <a:pPr algn="ctr"/>
+            <a:r>
+              <a:rPr lang="en-US" dirty="0" smtClean="0"/>
+              <a:t>vCenter05</a:t>
+            </a:r>
+            <a:endParaRPr lang="en-US" dirty="0"/>
+          </a:p>
+        </p:txBody>
+      </p:sp>
+      <p:cxnSp>
+        <p:nvCxnSpPr>
+          <p:cNvPr id="32" name="Straight Arrow Connector 31"/>
+          <p:cNvCxnSpPr>
+            <a:stCxn id="8" idx="3"/>
+            <a:endCxn id="29" idx="1"/>
+          </p:cNvCxnSpPr>
+          <p:nvPr/>
+        </p:nvCxnSpPr>
+        <p:spPr>
+          <a:xfrm flipV="1">
+            <a:off x="9036343" y="3450776"/>
+            <a:ext cx="975630" cy="237968"/>
+          </a:xfrm>
+          <a:prstGeom prst="straightConnector1">
+            <a:avLst/>
+          </a:prstGeom>
+          <a:ln>
+            <a:headEnd type="triangle"/>
+            <a:tailEnd type="triangle"/>
+          </a:ln>
+        </p:spPr>
+        <p:style>
+          <a:lnRef idx="3">
+            <a:schemeClr val="accent5"/>
+          </a:lnRef>
+          <a:fillRef idx="0">
+            <a:schemeClr val="accent5"/>
+          </a:fillRef>
+          <a:effectRef idx="2">
+            <a:schemeClr val="accent5"/>
+          </a:effectRef>
+          <a:fontRef idx="minor">
+            <a:schemeClr val="tx1"/>
+          </a:fontRef>
+        </p:style>
+      </p:cxnSp>
+      <p:cxnSp>
+        <p:nvCxnSpPr>
+          <p:cNvPr id="35" name="Straight Arrow Connector 34"/>
+          <p:cNvCxnSpPr>
+            <a:stCxn id="11" idx="3"/>
+            <a:endCxn id="30" idx="1"/>
+          </p:cNvCxnSpPr>
+          <p:nvPr/>
+        </p:nvCxnSpPr>
+        <p:spPr>
+          <a:xfrm>
+            <a:off x="9036343" y="5198378"/>
+            <a:ext cx="975630" cy="154600"/>
+          </a:xfrm>
+          <a:prstGeom prst="straightConnector1">
+            <a:avLst/>
+          </a:prstGeom>
+          <a:ln>
+            <a:headEnd type="triangle"/>
+            <a:tailEnd type="triangle"/>
+          </a:ln>
+        </p:spPr>
+        <p:style>
+          <a:lnRef idx="3">
+            <a:schemeClr val="accent5"/>
+          </a:lnRef>
+          <a:fillRef idx="0">
+            <a:schemeClr val="accent5"/>
+          </a:fillRef>
+          <a:effectRef idx="2">
+            <a:schemeClr val="accent5"/>
+          </a:effectRef>
+          <a:fontRef idx="minor">
+            <a:schemeClr val="tx1"/>
+          </a:fontRef>
+        </p:style>
+      </p:cxnSp>
     </p:spTree>
     <p:extLst>
       <p:ext uri="{BB962C8B-B14F-4D97-AF65-F5344CB8AC3E}">
-        <p14:creationId xmlns:p14="http://schemas.microsoft.com/office/powerpoint/2010/main" val="2008487755"/>
+        <p14:creationId xmlns:p14="http://schemas.microsoft.com/office/powerpoint/2010/main" val="4178209286"/>
       </p:ext>
     </p:extLst>
   </p:cSld>
@@ -5163,36 +5904,746 @@
           <a:lstStyle/>
           <a:p>
             <a:r>
+              <a:rPr lang="en-US" smtClean="0"/>
+              <a:t>Example B</a:t>
+            </a:r>
+            <a:endParaRPr lang="en-US"/>
+          </a:p>
+        </p:txBody>
+      </p:sp>
+      <p:sp>
+        <p:nvSpPr>
+          <p:cNvPr id="3" name="Content Placeholder 2"/>
+          <p:cNvSpPr>
+            <a:spLocks noGrp="1"/>
+          </p:cNvSpPr>
+          <p:nvPr>
+            <p:ph idx="1"/>
+          </p:nvPr>
+        </p:nvSpPr>
+        <p:spPr>
+          <a:xfrm>
+            <a:off x="1233180" y="1904549"/>
+            <a:ext cx="2860362" cy="903637"/>
+          </a:xfrm>
+        </p:spPr>
+        <p:txBody>
+          <a:bodyPr/>
+          <a:lstStyle/>
+          <a:p>
+            <a:r>
               <a:rPr lang="en-US" dirty="0" smtClean="0"/>
-              <a:t>Example A</a:t>
-            </a:r>
-            <a:endParaRPr lang="en-US" dirty="0"/>
-          </a:p>
-        </p:txBody>
-      </p:sp>
-      <p:sp>
-        <p:nvSpPr>
-          <p:cNvPr id="3" name="Content Placeholder 2"/>
-          <p:cNvSpPr>
-            <a:spLocks noGrp="1"/>
-          </p:cNvSpPr>
-          <p:nvPr>
-            <p:ph idx="1"/>
-          </p:nvPr>
-        </p:nvSpPr>
-        <p:spPr/>
-        <p:txBody>
-          <a:bodyPr/>
-          <a:lstStyle/>
-          <a:p>
-            <a:endParaRPr lang="en-US"/>
-          </a:p>
-        </p:txBody>
-      </p:sp>
+              <a:t>Monitoring Service</a:t>
+            </a:r>
+          </a:p>
+          <a:p>
+            <a:pPr lvl="1"/>
+            <a:r>
+              <a:rPr lang="en-US" dirty="0" smtClean="0"/>
+              <a:t>Container based</a:t>
+            </a:r>
+            <a:endParaRPr lang="en-US" dirty="0"/>
+          </a:p>
+        </p:txBody>
+      </p:sp>
+      <p:sp>
+        <p:nvSpPr>
+          <p:cNvPr id="4" name="Rounded Rectangle 3"/>
+          <p:cNvSpPr/>
+          <p:nvPr/>
+        </p:nvSpPr>
+        <p:spPr>
+          <a:xfrm>
+            <a:off x="4152550" y="2256639"/>
+            <a:ext cx="7768206" cy="3682767"/>
+          </a:xfrm>
+          <a:prstGeom prst="roundRect">
+            <a:avLst/>
+          </a:prstGeom>
+        </p:spPr>
+        <p:style>
+          <a:lnRef idx="2">
+            <a:schemeClr val="accent1">
+              <a:shade val="50000"/>
+            </a:schemeClr>
+          </a:lnRef>
+          <a:fillRef idx="1">
+            <a:schemeClr val="accent1"/>
+          </a:fillRef>
+          <a:effectRef idx="0">
+            <a:schemeClr val="accent1"/>
+          </a:effectRef>
+          <a:fontRef idx="minor">
+            <a:schemeClr val="lt1"/>
+          </a:fontRef>
+        </p:style>
+        <p:txBody>
+          <a:bodyPr rtlCol="0" anchor="ctr"/>
+          <a:lstStyle/>
+          <a:p>
+            <a:pPr algn="ctr"/>
+            <a:r>
+              <a:rPr lang="en-US" dirty="0" smtClean="0"/>
+              <a:t>Docker Compose</a:t>
+            </a:r>
+            <a:endParaRPr lang="en-US" dirty="0"/>
+          </a:p>
+        </p:txBody>
+      </p:sp>
+      <p:sp>
+        <p:nvSpPr>
+          <p:cNvPr id="5" name="Rounded Rectangle 4"/>
+          <p:cNvSpPr/>
+          <p:nvPr/>
+        </p:nvSpPr>
+        <p:spPr>
+          <a:xfrm>
+            <a:off x="2130803" y="2919369"/>
+            <a:ext cx="1828800" cy="1400962"/>
+          </a:xfrm>
+          <a:prstGeom prst="roundRect">
+            <a:avLst/>
+          </a:prstGeom>
+        </p:spPr>
+        <p:style>
+          <a:lnRef idx="2">
+            <a:schemeClr val="accent1">
+              <a:shade val="50000"/>
+            </a:schemeClr>
+          </a:lnRef>
+          <a:fillRef idx="1">
+            <a:schemeClr val="accent1"/>
+          </a:fillRef>
+          <a:effectRef idx="0">
+            <a:schemeClr val="accent1"/>
+          </a:effectRef>
+          <a:fontRef idx="minor">
+            <a:schemeClr val="lt1"/>
+          </a:fontRef>
+        </p:style>
+        <p:txBody>
+          <a:bodyPr rtlCol="0" anchor="ctr"/>
+          <a:lstStyle/>
+          <a:p>
+            <a:pPr algn="ctr"/>
+            <a:r>
+              <a:rPr lang="en-US" dirty="0" smtClean="0"/>
+              <a:t>AMP</a:t>
+            </a:r>
+          </a:p>
+          <a:p>
+            <a:pPr algn="ctr"/>
+            <a:r>
+              <a:rPr lang="en-US" dirty="0" smtClean="0"/>
+              <a:t>Server</a:t>
+            </a:r>
+            <a:endParaRPr lang="en-US" dirty="0"/>
+          </a:p>
+        </p:txBody>
+      </p:sp>
+      <p:sp>
+        <p:nvSpPr>
+          <p:cNvPr id="6" name="Oval 5"/>
+          <p:cNvSpPr/>
+          <p:nvPr/>
+        </p:nvSpPr>
+        <p:spPr>
+          <a:xfrm>
+            <a:off x="142897" y="2919369"/>
+            <a:ext cx="1526796" cy="1350627"/>
+          </a:xfrm>
+          <a:prstGeom prst="ellipse">
+            <a:avLst/>
+          </a:prstGeom>
+        </p:spPr>
+        <p:style>
+          <a:lnRef idx="2">
+            <a:schemeClr val="accent1">
+              <a:shade val="50000"/>
+            </a:schemeClr>
+          </a:lnRef>
+          <a:fillRef idx="1">
+            <a:schemeClr val="accent1"/>
+          </a:fillRef>
+          <a:effectRef idx="0">
+            <a:schemeClr val="accent1"/>
+          </a:effectRef>
+          <a:fontRef idx="minor">
+            <a:schemeClr val="lt1"/>
+          </a:fontRef>
+        </p:style>
+        <p:txBody>
+          <a:bodyPr rtlCol="0" anchor="ctr"/>
+          <a:lstStyle/>
+          <a:p>
+            <a:pPr algn="ctr"/>
+            <a:r>
+              <a:rPr lang="en-US" dirty="0" smtClean="0"/>
+              <a:t>Client</a:t>
+            </a:r>
+            <a:endParaRPr lang="en-US" dirty="0"/>
+          </a:p>
+        </p:txBody>
+      </p:sp>
+      <p:sp>
+        <p:nvSpPr>
+          <p:cNvPr id="7" name="Diamond 6"/>
+          <p:cNvSpPr/>
+          <p:nvPr/>
+        </p:nvSpPr>
+        <p:spPr>
+          <a:xfrm>
+            <a:off x="4920071" y="4098022"/>
+            <a:ext cx="1967290" cy="1771898"/>
+          </a:xfrm>
+          <a:prstGeom prst="diamond">
+            <a:avLst/>
+          </a:prstGeom>
+        </p:spPr>
+        <p:style>
+          <a:lnRef idx="2">
+            <a:schemeClr val="accent1">
+              <a:shade val="50000"/>
+            </a:schemeClr>
+          </a:lnRef>
+          <a:fillRef idx="1">
+            <a:schemeClr val="accent1"/>
+          </a:fillRef>
+          <a:effectRef idx="0">
+            <a:schemeClr val="accent1"/>
+          </a:effectRef>
+          <a:fontRef idx="minor">
+            <a:schemeClr val="lt1"/>
+          </a:fontRef>
+        </p:style>
+        <p:txBody>
+          <a:bodyPr rtlCol="0" anchor="ctr"/>
+          <a:lstStyle/>
+          <a:p>
+            <a:pPr algn="ctr"/>
+            <a:r>
+              <a:rPr lang="en-US" dirty="0" err="1" smtClean="0"/>
+              <a:t>RestPS</a:t>
+            </a:r>
+            <a:endParaRPr lang="en-US" dirty="0"/>
+          </a:p>
+        </p:txBody>
+      </p:sp>
+      <p:sp>
+        <p:nvSpPr>
+          <p:cNvPr id="8" name="Rounded Rectangle 7"/>
+          <p:cNvSpPr/>
+          <p:nvPr/>
+        </p:nvSpPr>
+        <p:spPr>
+          <a:xfrm>
+            <a:off x="4638827" y="2608977"/>
+            <a:ext cx="2021746" cy="897622"/>
+          </a:xfrm>
+          <a:prstGeom prst="roundRect">
+            <a:avLst/>
+          </a:prstGeom>
+        </p:spPr>
+        <p:style>
+          <a:lnRef idx="2">
+            <a:schemeClr val="accent1">
+              <a:shade val="50000"/>
+            </a:schemeClr>
+          </a:lnRef>
+          <a:fillRef idx="1">
+            <a:schemeClr val="accent1"/>
+          </a:fillRef>
+          <a:effectRef idx="0">
+            <a:schemeClr val="accent1"/>
+          </a:effectRef>
+          <a:fontRef idx="minor">
+            <a:schemeClr val="lt1"/>
+          </a:fontRef>
+        </p:style>
+        <p:txBody>
+          <a:bodyPr rtlCol="0" anchor="ctr"/>
+          <a:lstStyle/>
+          <a:p>
+            <a:pPr algn="ctr"/>
+            <a:r>
+              <a:rPr lang="en-US" dirty="0" smtClean="0"/>
+              <a:t>Nginx</a:t>
+            </a:r>
+            <a:endParaRPr lang="en-US" dirty="0"/>
+          </a:p>
+        </p:txBody>
+      </p:sp>
+      <p:sp>
+        <p:nvSpPr>
+          <p:cNvPr id="9" name="Oval 8"/>
+          <p:cNvSpPr/>
+          <p:nvPr/>
+        </p:nvSpPr>
+        <p:spPr>
+          <a:xfrm>
+            <a:off x="9496338" y="2399251"/>
+            <a:ext cx="1879133" cy="1518408"/>
+          </a:xfrm>
+          <a:prstGeom prst="ellipse">
+            <a:avLst/>
+          </a:prstGeom>
+        </p:spPr>
+        <p:style>
+          <a:lnRef idx="2">
+            <a:schemeClr val="accent1">
+              <a:shade val="50000"/>
+            </a:schemeClr>
+          </a:lnRef>
+          <a:fillRef idx="1">
+            <a:schemeClr val="accent1"/>
+          </a:fillRef>
+          <a:effectRef idx="0">
+            <a:schemeClr val="accent1"/>
+          </a:effectRef>
+          <a:fontRef idx="minor">
+            <a:schemeClr val="lt1"/>
+          </a:fontRef>
+        </p:style>
+        <p:txBody>
+          <a:bodyPr rtlCol="0" anchor="ctr"/>
+          <a:lstStyle/>
+          <a:p>
+            <a:pPr algn="ctr"/>
+            <a:r>
+              <a:rPr lang="en-US" dirty="0" smtClean="0"/>
+              <a:t>Long Running Script</a:t>
+            </a:r>
+            <a:endParaRPr lang="en-US" dirty="0"/>
+          </a:p>
+        </p:txBody>
+      </p:sp>
+      <p:sp>
+        <p:nvSpPr>
+          <p:cNvPr id="10" name="Oval 9"/>
+          <p:cNvSpPr/>
+          <p:nvPr/>
+        </p:nvSpPr>
+        <p:spPr>
+          <a:xfrm>
+            <a:off x="9496338" y="4389815"/>
+            <a:ext cx="1879133" cy="1518408"/>
+          </a:xfrm>
+          <a:prstGeom prst="ellipse">
+            <a:avLst/>
+          </a:prstGeom>
+        </p:spPr>
+        <p:style>
+          <a:lnRef idx="2">
+            <a:schemeClr val="accent1">
+              <a:shade val="50000"/>
+            </a:schemeClr>
+          </a:lnRef>
+          <a:fillRef idx="1">
+            <a:schemeClr val="accent1"/>
+          </a:fillRef>
+          <a:effectRef idx="0">
+            <a:schemeClr val="accent1"/>
+          </a:effectRef>
+          <a:fontRef idx="minor">
+            <a:schemeClr val="lt1"/>
+          </a:fontRef>
+        </p:style>
+        <p:txBody>
+          <a:bodyPr rtlCol="0" anchor="ctr"/>
+          <a:lstStyle/>
+          <a:p>
+            <a:pPr algn="ctr"/>
+            <a:r>
+              <a:rPr lang="en-US" dirty="0" smtClean="0"/>
+              <a:t>Long Running Script</a:t>
+            </a:r>
+            <a:endParaRPr lang="en-US" dirty="0"/>
+          </a:p>
+        </p:txBody>
+      </p:sp>
+      <p:sp>
+        <p:nvSpPr>
+          <p:cNvPr id="11" name="Rounded Rectangle 10"/>
+          <p:cNvSpPr/>
+          <p:nvPr/>
+        </p:nvSpPr>
+        <p:spPr>
+          <a:xfrm>
+            <a:off x="2143457" y="4468958"/>
+            <a:ext cx="1828800" cy="1400962"/>
+          </a:xfrm>
+          <a:prstGeom prst="roundRect">
+            <a:avLst/>
+          </a:prstGeom>
+        </p:spPr>
+        <p:style>
+          <a:lnRef idx="2">
+            <a:schemeClr val="accent1">
+              <a:shade val="50000"/>
+            </a:schemeClr>
+          </a:lnRef>
+          <a:fillRef idx="1">
+            <a:schemeClr val="accent1"/>
+          </a:fillRef>
+          <a:effectRef idx="0">
+            <a:schemeClr val="accent1"/>
+          </a:effectRef>
+          <a:fontRef idx="minor">
+            <a:schemeClr val="lt1"/>
+          </a:fontRef>
+        </p:style>
+        <p:txBody>
+          <a:bodyPr rtlCol="0" anchor="ctr"/>
+          <a:lstStyle/>
+          <a:p>
+            <a:pPr algn="ctr"/>
+            <a:r>
+              <a:rPr lang="en-US" dirty="0" smtClean="0"/>
+              <a:t>External</a:t>
+            </a:r>
+          </a:p>
+          <a:p>
+            <a:pPr algn="ctr"/>
+            <a:r>
+              <a:rPr lang="en-US" dirty="0" smtClean="0"/>
+              <a:t>Application</a:t>
+            </a:r>
+            <a:endParaRPr lang="en-US" dirty="0"/>
+          </a:p>
+        </p:txBody>
+      </p:sp>
+      <p:cxnSp>
+        <p:nvCxnSpPr>
+          <p:cNvPr id="13" name="Straight Arrow Connector 12"/>
+          <p:cNvCxnSpPr>
+            <a:stCxn id="6" idx="6"/>
+            <a:endCxn id="5" idx="1"/>
+          </p:cNvCxnSpPr>
+          <p:nvPr/>
+        </p:nvCxnSpPr>
+        <p:spPr>
+          <a:xfrm>
+            <a:off x="1669693" y="3594683"/>
+            <a:ext cx="461110" cy="25167"/>
+          </a:xfrm>
+          <a:prstGeom prst="straightConnector1">
+            <a:avLst/>
+          </a:prstGeom>
+          <a:ln>
+            <a:tailEnd type="triangle"/>
+          </a:ln>
+        </p:spPr>
+        <p:style>
+          <a:lnRef idx="3">
+            <a:schemeClr val="dk1"/>
+          </a:lnRef>
+          <a:fillRef idx="0">
+            <a:schemeClr val="dk1"/>
+          </a:fillRef>
+          <a:effectRef idx="2">
+            <a:schemeClr val="dk1"/>
+          </a:effectRef>
+          <a:fontRef idx="minor">
+            <a:schemeClr val="tx1"/>
+          </a:fontRef>
+        </p:style>
+      </p:cxnSp>
+      <p:cxnSp>
+        <p:nvCxnSpPr>
+          <p:cNvPr id="15" name="Straight Arrow Connector 14"/>
+          <p:cNvCxnSpPr>
+            <a:stCxn id="7" idx="1"/>
+            <a:endCxn id="11" idx="3"/>
+          </p:cNvCxnSpPr>
+          <p:nvPr/>
+        </p:nvCxnSpPr>
+        <p:spPr>
+          <a:xfrm flipH="1">
+            <a:off x="3972257" y="4983971"/>
+            <a:ext cx="947814" cy="185468"/>
+          </a:xfrm>
+          <a:prstGeom prst="straightConnector1">
+            <a:avLst/>
+          </a:prstGeom>
+          <a:ln>
+            <a:headEnd type="triangle"/>
+            <a:tailEnd type="triangle"/>
+          </a:ln>
+        </p:spPr>
+        <p:style>
+          <a:lnRef idx="3">
+            <a:schemeClr val="dk1"/>
+          </a:lnRef>
+          <a:fillRef idx="0">
+            <a:schemeClr val="dk1"/>
+          </a:fillRef>
+          <a:effectRef idx="2">
+            <a:schemeClr val="dk1"/>
+          </a:effectRef>
+          <a:fontRef idx="minor">
+            <a:schemeClr val="tx1"/>
+          </a:fontRef>
+        </p:style>
+      </p:cxnSp>
+      <p:cxnSp>
+        <p:nvCxnSpPr>
+          <p:cNvPr id="18" name="Curved Connector 17"/>
+          <p:cNvCxnSpPr>
+            <a:stCxn id="10" idx="1"/>
+            <a:endCxn id="8" idx="3"/>
+          </p:cNvCxnSpPr>
+          <p:nvPr/>
+        </p:nvCxnSpPr>
+        <p:spPr>
+          <a:xfrm rot="16200000" flipV="1">
+            <a:off x="7438856" y="2279506"/>
+            <a:ext cx="1554393" cy="3110958"/>
+          </a:xfrm>
+          <a:prstGeom prst="curvedConnector2">
+            <a:avLst/>
+          </a:prstGeom>
+          <a:ln>
+            <a:tailEnd type="triangle"/>
+          </a:ln>
+        </p:spPr>
+        <p:style>
+          <a:lnRef idx="3">
+            <a:schemeClr val="dk1"/>
+          </a:lnRef>
+          <a:fillRef idx="0">
+            <a:schemeClr val="dk1"/>
+          </a:fillRef>
+          <a:effectRef idx="2">
+            <a:schemeClr val="dk1"/>
+          </a:effectRef>
+          <a:fontRef idx="minor">
+            <a:schemeClr val="tx1"/>
+          </a:fontRef>
+        </p:style>
+      </p:cxnSp>
+      <p:cxnSp>
+        <p:nvCxnSpPr>
+          <p:cNvPr id="20" name="Curved Connector 19"/>
+          <p:cNvCxnSpPr>
+            <a:stCxn id="9" idx="2"/>
+            <a:endCxn id="8" idx="3"/>
+          </p:cNvCxnSpPr>
+          <p:nvPr/>
+        </p:nvCxnSpPr>
+        <p:spPr>
+          <a:xfrm rot="10800000">
+            <a:off x="6660574" y="3057789"/>
+            <a:ext cx="2835765" cy="100667"/>
+          </a:xfrm>
+          <a:prstGeom prst="curvedConnector3">
+            <a:avLst/>
+          </a:prstGeom>
+          <a:ln>
+            <a:tailEnd type="triangle"/>
+          </a:ln>
+        </p:spPr>
+        <p:style>
+          <a:lnRef idx="3">
+            <a:schemeClr val="dk1"/>
+          </a:lnRef>
+          <a:fillRef idx="0">
+            <a:schemeClr val="dk1"/>
+          </a:fillRef>
+          <a:effectRef idx="2">
+            <a:schemeClr val="dk1"/>
+          </a:effectRef>
+          <a:fontRef idx="minor">
+            <a:schemeClr val="tx1"/>
+          </a:fontRef>
+        </p:style>
+      </p:cxnSp>
+      <p:cxnSp>
+        <p:nvCxnSpPr>
+          <p:cNvPr id="24" name="Curved Connector 23"/>
+          <p:cNvCxnSpPr>
+            <a:stCxn id="5" idx="3"/>
+          </p:cNvCxnSpPr>
+          <p:nvPr/>
+        </p:nvCxnSpPr>
+        <p:spPr>
+          <a:xfrm flipV="1">
+            <a:off x="3959603" y="3070371"/>
+            <a:ext cx="654342" cy="549479"/>
+          </a:xfrm>
+          <a:prstGeom prst="curvedConnector3">
+            <a:avLst/>
+          </a:prstGeom>
+          <a:ln>
+            <a:tailEnd type="triangle"/>
+          </a:ln>
+        </p:spPr>
+        <p:style>
+          <a:lnRef idx="3">
+            <a:schemeClr val="dk1"/>
+          </a:lnRef>
+          <a:fillRef idx="0">
+            <a:schemeClr val="dk1"/>
+          </a:fillRef>
+          <a:effectRef idx="2">
+            <a:schemeClr val="dk1"/>
+          </a:effectRef>
+          <a:fontRef idx="minor">
+            <a:schemeClr val="tx1"/>
+          </a:fontRef>
+        </p:style>
+      </p:cxnSp>
+      <p:cxnSp>
+        <p:nvCxnSpPr>
+          <p:cNvPr id="26" name="Curved Connector 25"/>
+          <p:cNvCxnSpPr>
+            <a:stCxn id="8" idx="2"/>
+            <a:endCxn id="7" idx="0"/>
+          </p:cNvCxnSpPr>
+          <p:nvPr/>
+        </p:nvCxnSpPr>
+        <p:spPr>
+          <a:xfrm rot="16200000" flipH="1">
+            <a:off x="5480997" y="3675302"/>
+            <a:ext cx="591423" cy="254016"/>
+          </a:xfrm>
+          <a:prstGeom prst="curvedConnector3">
+            <a:avLst/>
+          </a:prstGeom>
+          <a:ln>
+            <a:tailEnd type="triangle"/>
+          </a:ln>
+        </p:spPr>
+        <p:style>
+          <a:lnRef idx="3">
+            <a:schemeClr val="dk1"/>
+          </a:lnRef>
+          <a:fillRef idx="0">
+            <a:schemeClr val="dk1"/>
+          </a:fillRef>
+          <a:effectRef idx="2">
+            <a:schemeClr val="dk1"/>
+          </a:effectRef>
+          <a:fontRef idx="minor">
+            <a:schemeClr val="tx1"/>
+          </a:fontRef>
+        </p:style>
+      </p:cxnSp>
+      <p:cxnSp>
+        <p:nvCxnSpPr>
+          <p:cNvPr id="28" name="Curved Connector 27"/>
+          <p:cNvCxnSpPr>
+            <a:stCxn id="9" idx="1"/>
+            <a:endCxn id="5" idx="0"/>
+          </p:cNvCxnSpPr>
+          <p:nvPr/>
+        </p:nvCxnSpPr>
+        <p:spPr>
+          <a:xfrm rot="16200000" flipH="1" flipV="1">
+            <a:off x="6259491" y="-592671"/>
+            <a:ext cx="297752" cy="6726328"/>
+          </a:xfrm>
+          <a:prstGeom prst="curvedConnector3">
+            <a:avLst>
+              <a:gd name="adj1" fmla="val -69751"/>
+            </a:avLst>
+          </a:prstGeom>
+          <a:ln>
+            <a:headEnd type="arrow" w="med" len="med"/>
+            <a:tailEnd type="arrow" w="med" len="med"/>
+          </a:ln>
+        </p:spPr>
+        <p:style>
+          <a:lnRef idx="3">
+            <a:schemeClr val="accent5"/>
+          </a:lnRef>
+          <a:fillRef idx="0">
+            <a:schemeClr val="accent5"/>
+          </a:fillRef>
+          <a:effectRef idx="2">
+            <a:schemeClr val="accent5"/>
+          </a:effectRef>
+          <a:fontRef idx="minor">
+            <a:schemeClr val="tx1"/>
+          </a:fontRef>
+        </p:style>
+      </p:cxnSp>
+      <p:cxnSp>
+        <p:nvCxnSpPr>
+          <p:cNvPr id="33" name="Curved Connector 32"/>
+          <p:cNvCxnSpPr>
+            <a:endCxn id="5" idx="3"/>
+          </p:cNvCxnSpPr>
+          <p:nvPr/>
+        </p:nvCxnSpPr>
+        <p:spPr>
+          <a:xfrm rot="10800000">
+            <a:off x="3959603" y="3619851"/>
+            <a:ext cx="5536734" cy="1549589"/>
+          </a:xfrm>
+          <a:prstGeom prst="curvedConnector3">
+            <a:avLst/>
+          </a:prstGeom>
+          <a:ln>
+            <a:headEnd type="arrow" w="med" len="med"/>
+            <a:tailEnd type="arrow" w="med" len="med"/>
+          </a:ln>
+        </p:spPr>
+        <p:style>
+          <a:lnRef idx="3">
+            <a:schemeClr val="accent5"/>
+          </a:lnRef>
+          <a:fillRef idx="0">
+            <a:schemeClr val="accent5"/>
+          </a:fillRef>
+          <a:effectRef idx="2">
+            <a:schemeClr val="accent5"/>
+          </a:effectRef>
+          <a:fontRef idx="minor">
+            <a:schemeClr val="tx1"/>
+          </a:fontRef>
+        </p:style>
+      </p:cxnSp>
+      <p:cxnSp>
+        <p:nvCxnSpPr>
+          <p:cNvPr id="35" name="Straight Arrow Connector 34"/>
+          <p:cNvCxnSpPr>
+            <a:stCxn id="5" idx="3"/>
+            <a:endCxn id="7" idx="1"/>
+          </p:cNvCxnSpPr>
+          <p:nvPr/>
+        </p:nvCxnSpPr>
+        <p:spPr>
+          <a:xfrm>
+            <a:off x="3959603" y="3619850"/>
+            <a:ext cx="960468" cy="1364121"/>
+          </a:xfrm>
+          <a:prstGeom prst="straightConnector1">
+            <a:avLst/>
+          </a:prstGeom>
+          <a:ln>
+            <a:headEnd type="triangle"/>
+            <a:tailEnd type="triangle"/>
+          </a:ln>
+        </p:spPr>
+        <p:style>
+          <a:lnRef idx="3">
+            <a:schemeClr val="accent5"/>
+          </a:lnRef>
+          <a:fillRef idx="0">
+            <a:schemeClr val="accent5"/>
+          </a:fillRef>
+          <a:effectRef idx="2">
+            <a:schemeClr val="accent5"/>
+          </a:effectRef>
+          <a:fontRef idx="minor">
+            <a:schemeClr val="tx1"/>
+          </a:fontRef>
+        </p:style>
+      </p:cxnSp>
     </p:spTree>
     <p:extLst>
       <p:ext uri="{BB962C8B-B14F-4D97-AF65-F5344CB8AC3E}">
-        <p14:creationId xmlns:p14="http://schemas.microsoft.com/office/powerpoint/2010/main" val="4178209286"/>
+        <p14:creationId xmlns:p14="http://schemas.microsoft.com/office/powerpoint/2010/main" val="3172463354"/>
       </p:ext>
     </p:extLst>
   </p:cSld>

--- a/Powershell/PowerShellConference2022/Sider_PSConf_2022.pptx
+++ b/Powershell/PowerShellConference2022/Sider_PSConf_2022.pptx
@@ -11,10 +11,11 @@
     <p:sldId id="261" r:id="rId8"/>
     <p:sldId id="266" r:id="rId9"/>
     <p:sldId id="264" r:id="rId10"/>
-    <p:sldId id="267" r:id="rId11"/>
-    <p:sldId id="270" r:id="rId12"/>
-    <p:sldId id="271" r:id="rId13"/>
-    <p:sldId id="269" r:id="rId14"/>
+    <p:sldId id="273" r:id="rId11"/>
+    <p:sldId id="267" r:id="rId12"/>
+    <p:sldId id="270" r:id="rId13"/>
+    <p:sldId id="271" r:id="rId14"/>
+    <p:sldId id="269" r:id="rId15"/>
   </p:sldIdLst>
   <p:sldSz cx="12192000" cy="6858000"/>
   <p:notesSz cx="6858000" cy="9144000"/>
@@ -268,7 +269,7 @@
           <a:p>
             <a:fld id="{48A87A34-81AB-432B-8DAE-1953F412C126}" type="datetimeFigureOut">
               <a:rPr lang="en-US" dirty="0"/>
-              <a:t>4/25/2022</a:t>
+              <a:t>4/26/2022</a:t>
             </a:fld>
             <a:endParaRPr lang="en-US" dirty="0"/>
           </a:p>
@@ -474,7 +475,7 @@
           <a:p>
             <a:fld id="{48A87A34-81AB-432B-8DAE-1953F412C126}" type="datetimeFigureOut">
               <a:rPr lang="en-US" dirty="0"/>
-              <a:t>4/25/2022</a:t>
+              <a:t>4/26/2022</a:t>
             </a:fld>
             <a:endParaRPr lang="en-US" dirty="0"/>
           </a:p>
@@ -684,7 +685,7 @@
           <a:p>
             <a:fld id="{48A87A34-81AB-432B-8DAE-1953F412C126}" type="datetimeFigureOut">
               <a:rPr lang="en-US" dirty="0"/>
-              <a:t>4/25/2022</a:t>
+              <a:t>4/26/2022</a:t>
             </a:fld>
             <a:endParaRPr lang="en-US" dirty="0"/>
           </a:p>
@@ -880,7 +881,7 @@
           <a:p>
             <a:fld id="{48A87A34-81AB-432B-8DAE-1953F412C126}" type="datetimeFigureOut">
               <a:rPr lang="en-US" dirty="0"/>
-              <a:t>4/25/2022</a:t>
+              <a:t>4/26/2022</a:t>
             </a:fld>
             <a:endParaRPr lang="en-US" dirty="0"/>
           </a:p>
@@ -1154,7 +1155,7 @@
           <a:p>
             <a:fld id="{48A87A34-81AB-432B-8DAE-1953F412C126}" type="datetimeFigureOut">
               <a:rPr lang="en-US" dirty="0"/>
-              <a:t>4/25/2022</a:t>
+              <a:t>4/26/2022</a:t>
             </a:fld>
             <a:endParaRPr lang="en-US" dirty="0"/>
           </a:p>
@@ -1417,7 +1418,7 @@
           <a:p>
             <a:fld id="{48A87A34-81AB-432B-8DAE-1953F412C126}" type="datetimeFigureOut">
               <a:rPr lang="en-US" dirty="0"/>
-              <a:t>4/25/2022</a:t>
+              <a:t>4/26/2022</a:t>
             </a:fld>
             <a:endParaRPr lang="en-US" dirty="0"/>
           </a:p>
@@ -1828,7 +1829,7 @@
           <a:p>
             <a:fld id="{48A87A34-81AB-432B-8DAE-1953F412C126}" type="datetimeFigureOut">
               <a:rPr lang="en-US" dirty="0"/>
-              <a:t>4/25/2022</a:t>
+              <a:t>4/26/2022</a:t>
             </a:fld>
             <a:endParaRPr lang="en-US" dirty="0"/>
           </a:p>
@@ -1972,7 +1973,7 @@
           <a:p>
             <a:fld id="{48A87A34-81AB-432B-8DAE-1953F412C126}" type="datetimeFigureOut">
               <a:rPr lang="en-US" dirty="0"/>
-              <a:t>4/25/2022</a:t>
+              <a:t>4/26/2022</a:t>
             </a:fld>
             <a:endParaRPr lang="en-US" dirty="0"/>
           </a:p>
@@ -2093,7 +2094,7 @@
           <a:p>
             <a:fld id="{48A87A34-81AB-432B-8DAE-1953F412C126}" type="datetimeFigureOut">
               <a:rPr lang="en-US" dirty="0"/>
-              <a:t>4/25/2022</a:t>
+              <a:t>4/26/2022</a:t>
             </a:fld>
             <a:endParaRPr lang="en-US" dirty="0"/>
           </a:p>
@@ -2339,7 +2340,7 @@
           <a:p>
             <a:fld id="{48A87A34-81AB-432B-8DAE-1953F412C126}" type="datetimeFigureOut">
               <a:rPr lang="en-US" dirty="0"/>
-              <a:t>4/25/2022</a:t>
+              <a:t>4/26/2022</a:t>
             </a:fld>
             <a:endParaRPr lang="en-US" dirty="0"/>
           </a:p>
@@ -2780,7 +2781,7 @@
             <a:fld id="{48A87A34-81AB-432B-8DAE-1953F412C126}" type="datetimeFigureOut">
               <a:rPr lang="en-US" dirty="0"/>
               <a:pPr/>
-              <a:t>4/25/2022</a:t>
+              <a:t>4/26/2022</a:t>
             </a:fld>
             <a:endParaRPr lang="en-US" dirty="0"/>
           </a:p>
@@ -3055,7 +3056,7 @@
             <a:fld id="{48A87A34-81AB-432B-8DAE-1953F412C126}" type="datetimeFigureOut">
               <a:rPr lang="en-US" dirty="0"/>
               <a:pPr/>
-              <a:t>4/25/2022</a:t>
+              <a:t>4/26/2022</a:t>
             </a:fld>
             <a:endParaRPr lang="en-US" dirty="0"/>
           </a:p>
@@ -3342,7 +3343,7 @@
           <a:blip r:embed="rId15">
             <a:extLst>
               <a:ext uri="{96DAC541-7B7A-43D3-8B79-37D633B846F1}">
-                <asvg:svgBlip xmlns:asvg="http://schemas.microsoft.com/office/drawing/2016/SVG/main" xmlns="" r:embed="rId16"/>
+                <asvg:svgBlip xmlns="" xmlns:asvg="http://schemas.microsoft.com/office/drawing/2016/SVG/main" r:embed="rId16"/>
               </a:ext>
             </a:extLst>
           </a:blip>
@@ -3753,61 +3754,6 @@
           </a:p>
         </p:txBody>
       </p:sp>
-      <p:sp>
-        <p:nvSpPr>
-          <p:cNvPr id="4" name="TextBox 3"/>
-          <p:cNvSpPr txBox="1"/>
-          <p:nvPr/>
-        </p:nvSpPr>
-        <p:spPr>
-          <a:xfrm>
-            <a:off x="295564" y="4727681"/>
-            <a:ext cx="3565236" cy="1477328"/>
-          </a:xfrm>
-          <a:prstGeom prst="rect">
-            <a:avLst/>
-          </a:prstGeom>
-          <a:noFill/>
-        </p:spPr>
-        <p:txBody>
-          <a:bodyPr wrap="square" rtlCol="0">
-            <a:spAutoFit/>
-          </a:bodyPr>
-          <a:lstStyle/>
-          <a:p>
-            <a:r>
-              <a:rPr lang="en-US" dirty="0"/>
-              <a:t>Justin Sider </a:t>
-            </a:r>
-          </a:p>
-          <a:p>
-            <a:r>
-              <a:rPr lang="en-US" dirty="0"/>
-              <a:t>@jpsider</a:t>
-            </a:r>
-          </a:p>
-          <a:p>
-            <a:r>
-              <a:rPr lang="en-US" dirty="0"/>
-              <a:t>CIO - Belay Technologies Inc.</a:t>
-            </a:r>
-          </a:p>
-          <a:p>
-            <a:r>
-              <a:rPr lang="en-US" dirty="0"/>
-              <a:t>Invoke-</a:t>
-            </a:r>
-            <a:r>
-              <a:rPr lang="en-US" dirty="0" err="1"/>
-              <a:t>Automation.blog</a:t>
-            </a:r>
-            <a:endParaRPr lang="en-US" dirty="0"/>
-          </a:p>
-          <a:p>
-            <a:endParaRPr lang="en-US" dirty="0"/>
-          </a:p>
-        </p:txBody>
-      </p:sp>
     </p:spTree>
     <p:extLst>
       <p:ext uri="{BB962C8B-B14F-4D97-AF65-F5344CB8AC3E}">
@@ -3818,6 +3764,13 @@
   <p:clrMapOvr>
     <a:masterClrMapping/>
   </p:clrMapOvr>
+  <p:timing>
+    <p:tnLst>
+      <p:par>
+        <p:cTn id="1" dur="indefinite" restart="never" nodeType="tmRoot"/>
+      </p:par>
+    </p:tnLst>
+  </p:timing>
 </p:sld>
 </file>
 
@@ -3854,6 +3807,795 @@
           <a:lstStyle/>
           <a:p>
             <a:r>
+              <a:rPr lang="en-US" smtClean="0"/>
+              <a:t>Example B</a:t>
+            </a:r>
+            <a:endParaRPr lang="en-US"/>
+          </a:p>
+        </p:txBody>
+      </p:sp>
+      <p:sp>
+        <p:nvSpPr>
+          <p:cNvPr id="3" name="Content Placeholder 2"/>
+          <p:cNvSpPr>
+            <a:spLocks noGrp="1"/>
+          </p:cNvSpPr>
+          <p:nvPr>
+            <p:ph idx="1"/>
+          </p:nvPr>
+        </p:nvSpPr>
+        <p:spPr>
+          <a:xfrm>
+            <a:off x="1233180" y="1904549"/>
+            <a:ext cx="2860362" cy="903637"/>
+          </a:xfrm>
+        </p:spPr>
+        <p:txBody>
+          <a:bodyPr/>
+          <a:lstStyle/>
+          <a:p>
+            <a:r>
+              <a:rPr lang="en-US" dirty="0" smtClean="0"/>
+              <a:t>Monitoring Service</a:t>
+            </a:r>
+          </a:p>
+          <a:p>
+            <a:pPr lvl="1"/>
+            <a:r>
+              <a:rPr lang="en-US" dirty="0" smtClean="0"/>
+              <a:t>Container based</a:t>
+            </a:r>
+            <a:endParaRPr lang="en-US" dirty="0"/>
+          </a:p>
+        </p:txBody>
+      </p:sp>
+      <p:sp>
+        <p:nvSpPr>
+          <p:cNvPr id="4" name="Rounded Rectangle 3"/>
+          <p:cNvSpPr/>
+          <p:nvPr/>
+        </p:nvSpPr>
+        <p:spPr>
+          <a:xfrm>
+            <a:off x="4152550" y="2256639"/>
+            <a:ext cx="7768206" cy="3682767"/>
+          </a:xfrm>
+          <a:prstGeom prst="roundRect">
+            <a:avLst/>
+          </a:prstGeom>
+        </p:spPr>
+        <p:style>
+          <a:lnRef idx="2">
+            <a:schemeClr val="accent1">
+              <a:shade val="50000"/>
+            </a:schemeClr>
+          </a:lnRef>
+          <a:fillRef idx="1">
+            <a:schemeClr val="accent1"/>
+          </a:fillRef>
+          <a:effectRef idx="0">
+            <a:schemeClr val="accent1"/>
+          </a:effectRef>
+          <a:fontRef idx="minor">
+            <a:schemeClr val="lt1"/>
+          </a:fontRef>
+        </p:style>
+        <p:txBody>
+          <a:bodyPr rtlCol="0" anchor="ctr"/>
+          <a:lstStyle/>
+          <a:p>
+            <a:pPr algn="ctr"/>
+            <a:r>
+              <a:rPr lang="en-US" dirty="0" smtClean="0"/>
+              <a:t>Docker Compose</a:t>
+            </a:r>
+            <a:endParaRPr lang="en-US" dirty="0"/>
+          </a:p>
+        </p:txBody>
+      </p:sp>
+      <p:sp>
+        <p:nvSpPr>
+          <p:cNvPr id="5" name="Rounded Rectangle 4"/>
+          <p:cNvSpPr/>
+          <p:nvPr/>
+        </p:nvSpPr>
+        <p:spPr>
+          <a:xfrm>
+            <a:off x="2130803" y="2919369"/>
+            <a:ext cx="1828800" cy="1400962"/>
+          </a:xfrm>
+          <a:prstGeom prst="roundRect">
+            <a:avLst/>
+          </a:prstGeom>
+        </p:spPr>
+        <p:style>
+          <a:lnRef idx="2">
+            <a:schemeClr val="accent1">
+              <a:shade val="50000"/>
+            </a:schemeClr>
+          </a:lnRef>
+          <a:fillRef idx="1">
+            <a:schemeClr val="accent1"/>
+          </a:fillRef>
+          <a:effectRef idx="0">
+            <a:schemeClr val="accent1"/>
+          </a:effectRef>
+          <a:fontRef idx="minor">
+            <a:schemeClr val="lt1"/>
+          </a:fontRef>
+        </p:style>
+        <p:txBody>
+          <a:bodyPr rtlCol="0" anchor="ctr"/>
+          <a:lstStyle/>
+          <a:p>
+            <a:pPr algn="ctr"/>
+            <a:r>
+              <a:rPr lang="en-US" dirty="0" smtClean="0"/>
+              <a:t>AMP</a:t>
+            </a:r>
+          </a:p>
+          <a:p>
+            <a:pPr algn="ctr"/>
+            <a:r>
+              <a:rPr lang="en-US" dirty="0" smtClean="0"/>
+              <a:t>Server</a:t>
+            </a:r>
+            <a:endParaRPr lang="en-US" dirty="0"/>
+          </a:p>
+        </p:txBody>
+      </p:sp>
+      <p:sp>
+        <p:nvSpPr>
+          <p:cNvPr id="6" name="Oval 5"/>
+          <p:cNvSpPr/>
+          <p:nvPr/>
+        </p:nvSpPr>
+        <p:spPr>
+          <a:xfrm>
+            <a:off x="142897" y="2919369"/>
+            <a:ext cx="1526796" cy="1350627"/>
+          </a:xfrm>
+          <a:prstGeom prst="ellipse">
+            <a:avLst/>
+          </a:prstGeom>
+        </p:spPr>
+        <p:style>
+          <a:lnRef idx="2">
+            <a:schemeClr val="accent1">
+              <a:shade val="50000"/>
+            </a:schemeClr>
+          </a:lnRef>
+          <a:fillRef idx="1">
+            <a:schemeClr val="accent1"/>
+          </a:fillRef>
+          <a:effectRef idx="0">
+            <a:schemeClr val="accent1"/>
+          </a:effectRef>
+          <a:fontRef idx="minor">
+            <a:schemeClr val="lt1"/>
+          </a:fontRef>
+        </p:style>
+        <p:txBody>
+          <a:bodyPr rtlCol="0" anchor="ctr"/>
+          <a:lstStyle/>
+          <a:p>
+            <a:pPr algn="ctr"/>
+            <a:r>
+              <a:rPr lang="en-US" dirty="0" smtClean="0"/>
+              <a:t>Client</a:t>
+            </a:r>
+            <a:endParaRPr lang="en-US" dirty="0"/>
+          </a:p>
+        </p:txBody>
+      </p:sp>
+      <p:sp>
+        <p:nvSpPr>
+          <p:cNvPr id="7" name="Diamond 6"/>
+          <p:cNvSpPr/>
+          <p:nvPr/>
+        </p:nvSpPr>
+        <p:spPr>
+          <a:xfrm>
+            <a:off x="4920071" y="4098022"/>
+            <a:ext cx="1967290" cy="1771898"/>
+          </a:xfrm>
+          <a:prstGeom prst="diamond">
+            <a:avLst/>
+          </a:prstGeom>
+        </p:spPr>
+        <p:style>
+          <a:lnRef idx="2">
+            <a:schemeClr val="accent1">
+              <a:shade val="50000"/>
+            </a:schemeClr>
+          </a:lnRef>
+          <a:fillRef idx="1">
+            <a:schemeClr val="accent1"/>
+          </a:fillRef>
+          <a:effectRef idx="0">
+            <a:schemeClr val="accent1"/>
+          </a:effectRef>
+          <a:fontRef idx="minor">
+            <a:schemeClr val="lt1"/>
+          </a:fontRef>
+        </p:style>
+        <p:txBody>
+          <a:bodyPr rtlCol="0" anchor="ctr"/>
+          <a:lstStyle/>
+          <a:p>
+            <a:pPr algn="ctr"/>
+            <a:r>
+              <a:rPr lang="en-US" dirty="0" err="1" smtClean="0"/>
+              <a:t>RestPS</a:t>
+            </a:r>
+            <a:endParaRPr lang="en-US" dirty="0"/>
+          </a:p>
+        </p:txBody>
+      </p:sp>
+      <p:sp>
+        <p:nvSpPr>
+          <p:cNvPr id="8" name="Rounded Rectangle 7"/>
+          <p:cNvSpPr/>
+          <p:nvPr/>
+        </p:nvSpPr>
+        <p:spPr>
+          <a:xfrm>
+            <a:off x="4638827" y="2608977"/>
+            <a:ext cx="2021746" cy="897622"/>
+          </a:xfrm>
+          <a:prstGeom prst="roundRect">
+            <a:avLst/>
+          </a:prstGeom>
+        </p:spPr>
+        <p:style>
+          <a:lnRef idx="2">
+            <a:schemeClr val="accent1">
+              <a:shade val="50000"/>
+            </a:schemeClr>
+          </a:lnRef>
+          <a:fillRef idx="1">
+            <a:schemeClr val="accent1"/>
+          </a:fillRef>
+          <a:effectRef idx="0">
+            <a:schemeClr val="accent1"/>
+          </a:effectRef>
+          <a:fontRef idx="minor">
+            <a:schemeClr val="lt1"/>
+          </a:fontRef>
+        </p:style>
+        <p:txBody>
+          <a:bodyPr rtlCol="0" anchor="ctr"/>
+          <a:lstStyle/>
+          <a:p>
+            <a:pPr algn="ctr"/>
+            <a:r>
+              <a:rPr lang="en-US" dirty="0" smtClean="0"/>
+              <a:t>Nginx</a:t>
+            </a:r>
+            <a:endParaRPr lang="en-US" dirty="0"/>
+          </a:p>
+        </p:txBody>
+      </p:sp>
+      <p:sp>
+        <p:nvSpPr>
+          <p:cNvPr id="9" name="Oval 8"/>
+          <p:cNvSpPr/>
+          <p:nvPr/>
+        </p:nvSpPr>
+        <p:spPr>
+          <a:xfrm>
+            <a:off x="9496338" y="2399251"/>
+            <a:ext cx="1879133" cy="1518408"/>
+          </a:xfrm>
+          <a:prstGeom prst="ellipse">
+            <a:avLst/>
+          </a:prstGeom>
+        </p:spPr>
+        <p:style>
+          <a:lnRef idx="2">
+            <a:schemeClr val="accent1">
+              <a:shade val="50000"/>
+            </a:schemeClr>
+          </a:lnRef>
+          <a:fillRef idx="1">
+            <a:schemeClr val="accent1"/>
+          </a:fillRef>
+          <a:effectRef idx="0">
+            <a:schemeClr val="accent1"/>
+          </a:effectRef>
+          <a:fontRef idx="minor">
+            <a:schemeClr val="lt1"/>
+          </a:fontRef>
+        </p:style>
+        <p:txBody>
+          <a:bodyPr rtlCol="0" anchor="ctr"/>
+          <a:lstStyle/>
+          <a:p>
+            <a:pPr algn="ctr"/>
+            <a:r>
+              <a:rPr lang="en-US" dirty="0" smtClean="0"/>
+              <a:t>Long Running Script</a:t>
+            </a:r>
+            <a:endParaRPr lang="en-US" dirty="0"/>
+          </a:p>
+        </p:txBody>
+      </p:sp>
+      <p:sp>
+        <p:nvSpPr>
+          <p:cNvPr id="10" name="Oval 9"/>
+          <p:cNvSpPr/>
+          <p:nvPr/>
+        </p:nvSpPr>
+        <p:spPr>
+          <a:xfrm>
+            <a:off x="9496338" y="4389815"/>
+            <a:ext cx="1879133" cy="1518408"/>
+          </a:xfrm>
+          <a:prstGeom prst="ellipse">
+            <a:avLst/>
+          </a:prstGeom>
+        </p:spPr>
+        <p:style>
+          <a:lnRef idx="2">
+            <a:schemeClr val="accent1">
+              <a:shade val="50000"/>
+            </a:schemeClr>
+          </a:lnRef>
+          <a:fillRef idx="1">
+            <a:schemeClr val="accent1"/>
+          </a:fillRef>
+          <a:effectRef idx="0">
+            <a:schemeClr val="accent1"/>
+          </a:effectRef>
+          <a:fontRef idx="minor">
+            <a:schemeClr val="lt1"/>
+          </a:fontRef>
+        </p:style>
+        <p:txBody>
+          <a:bodyPr rtlCol="0" anchor="ctr"/>
+          <a:lstStyle/>
+          <a:p>
+            <a:pPr algn="ctr"/>
+            <a:r>
+              <a:rPr lang="en-US" dirty="0" smtClean="0"/>
+              <a:t>Long Running Script</a:t>
+            </a:r>
+            <a:endParaRPr lang="en-US" dirty="0"/>
+          </a:p>
+        </p:txBody>
+      </p:sp>
+      <p:sp>
+        <p:nvSpPr>
+          <p:cNvPr id="11" name="Rounded Rectangle 10"/>
+          <p:cNvSpPr/>
+          <p:nvPr/>
+        </p:nvSpPr>
+        <p:spPr>
+          <a:xfrm>
+            <a:off x="2143457" y="4468958"/>
+            <a:ext cx="1828800" cy="1400962"/>
+          </a:xfrm>
+          <a:prstGeom prst="roundRect">
+            <a:avLst/>
+          </a:prstGeom>
+        </p:spPr>
+        <p:style>
+          <a:lnRef idx="2">
+            <a:schemeClr val="accent1">
+              <a:shade val="50000"/>
+            </a:schemeClr>
+          </a:lnRef>
+          <a:fillRef idx="1">
+            <a:schemeClr val="accent1"/>
+          </a:fillRef>
+          <a:effectRef idx="0">
+            <a:schemeClr val="accent1"/>
+          </a:effectRef>
+          <a:fontRef idx="minor">
+            <a:schemeClr val="lt1"/>
+          </a:fontRef>
+        </p:style>
+        <p:txBody>
+          <a:bodyPr rtlCol="0" anchor="ctr"/>
+          <a:lstStyle/>
+          <a:p>
+            <a:pPr algn="ctr"/>
+            <a:r>
+              <a:rPr lang="en-US" dirty="0" smtClean="0"/>
+              <a:t>External</a:t>
+            </a:r>
+          </a:p>
+          <a:p>
+            <a:pPr algn="ctr"/>
+            <a:r>
+              <a:rPr lang="en-US" dirty="0" smtClean="0"/>
+              <a:t>Application</a:t>
+            </a:r>
+            <a:endParaRPr lang="en-US" dirty="0"/>
+          </a:p>
+        </p:txBody>
+      </p:sp>
+      <p:cxnSp>
+        <p:nvCxnSpPr>
+          <p:cNvPr id="13" name="Straight Arrow Connector 12"/>
+          <p:cNvCxnSpPr>
+            <a:stCxn id="6" idx="6"/>
+            <a:endCxn id="5" idx="1"/>
+          </p:cNvCxnSpPr>
+          <p:nvPr/>
+        </p:nvCxnSpPr>
+        <p:spPr>
+          <a:xfrm>
+            <a:off x="1669693" y="3594683"/>
+            <a:ext cx="461110" cy="25167"/>
+          </a:xfrm>
+          <a:prstGeom prst="straightConnector1">
+            <a:avLst/>
+          </a:prstGeom>
+          <a:ln>
+            <a:tailEnd type="triangle"/>
+          </a:ln>
+        </p:spPr>
+        <p:style>
+          <a:lnRef idx="3">
+            <a:schemeClr val="dk1"/>
+          </a:lnRef>
+          <a:fillRef idx="0">
+            <a:schemeClr val="dk1"/>
+          </a:fillRef>
+          <a:effectRef idx="2">
+            <a:schemeClr val="dk1"/>
+          </a:effectRef>
+          <a:fontRef idx="minor">
+            <a:schemeClr val="tx1"/>
+          </a:fontRef>
+        </p:style>
+      </p:cxnSp>
+      <p:cxnSp>
+        <p:nvCxnSpPr>
+          <p:cNvPr id="15" name="Straight Arrow Connector 14"/>
+          <p:cNvCxnSpPr>
+            <a:stCxn id="7" idx="1"/>
+            <a:endCxn id="11" idx="3"/>
+          </p:cNvCxnSpPr>
+          <p:nvPr/>
+        </p:nvCxnSpPr>
+        <p:spPr>
+          <a:xfrm flipH="1">
+            <a:off x="3972257" y="4983971"/>
+            <a:ext cx="947814" cy="185468"/>
+          </a:xfrm>
+          <a:prstGeom prst="straightConnector1">
+            <a:avLst/>
+          </a:prstGeom>
+          <a:ln>
+            <a:headEnd type="triangle"/>
+            <a:tailEnd type="triangle"/>
+          </a:ln>
+        </p:spPr>
+        <p:style>
+          <a:lnRef idx="3">
+            <a:schemeClr val="dk1"/>
+          </a:lnRef>
+          <a:fillRef idx="0">
+            <a:schemeClr val="dk1"/>
+          </a:fillRef>
+          <a:effectRef idx="2">
+            <a:schemeClr val="dk1"/>
+          </a:effectRef>
+          <a:fontRef idx="minor">
+            <a:schemeClr val="tx1"/>
+          </a:fontRef>
+        </p:style>
+      </p:cxnSp>
+      <p:cxnSp>
+        <p:nvCxnSpPr>
+          <p:cNvPr id="18" name="Curved Connector 17"/>
+          <p:cNvCxnSpPr>
+            <a:stCxn id="10" idx="1"/>
+            <a:endCxn id="8" idx="3"/>
+          </p:cNvCxnSpPr>
+          <p:nvPr/>
+        </p:nvCxnSpPr>
+        <p:spPr>
+          <a:xfrm rot="16200000" flipV="1">
+            <a:off x="7438856" y="2279506"/>
+            <a:ext cx="1554393" cy="3110958"/>
+          </a:xfrm>
+          <a:prstGeom prst="curvedConnector2">
+            <a:avLst/>
+          </a:prstGeom>
+          <a:ln>
+            <a:tailEnd type="triangle"/>
+          </a:ln>
+        </p:spPr>
+        <p:style>
+          <a:lnRef idx="3">
+            <a:schemeClr val="dk1"/>
+          </a:lnRef>
+          <a:fillRef idx="0">
+            <a:schemeClr val="dk1"/>
+          </a:fillRef>
+          <a:effectRef idx="2">
+            <a:schemeClr val="dk1"/>
+          </a:effectRef>
+          <a:fontRef idx="minor">
+            <a:schemeClr val="tx1"/>
+          </a:fontRef>
+        </p:style>
+      </p:cxnSp>
+      <p:cxnSp>
+        <p:nvCxnSpPr>
+          <p:cNvPr id="20" name="Curved Connector 19"/>
+          <p:cNvCxnSpPr>
+            <a:stCxn id="9" idx="2"/>
+            <a:endCxn id="8" idx="3"/>
+          </p:cNvCxnSpPr>
+          <p:nvPr/>
+        </p:nvCxnSpPr>
+        <p:spPr>
+          <a:xfrm rot="10800000">
+            <a:off x="6660574" y="3057789"/>
+            <a:ext cx="2835765" cy="100667"/>
+          </a:xfrm>
+          <a:prstGeom prst="curvedConnector3">
+            <a:avLst/>
+          </a:prstGeom>
+          <a:ln>
+            <a:tailEnd type="triangle"/>
+          </a:ln>
+        </p:spPr>
+        <p:style>
+          <a:lnRef idx="3">
+            <a:schemeClr val="dk1"/>
+          </a:lnRef>
+          <a:fillRef idx="0">
+            <a:schemeClr val="dk1"/>
+          </a:fillRef>
+          <a:effectRef idx="2">
+            <a:schemeClr val="dk1"/>
+          </a:effectRef>
+          <a:fontRef idx="minor">
+            <a:schemeClr val="tx1"/>
+          </a:fontRef>
+        </p:style>
+      </p:cxnSp>
+      <p:cxnSp>
+        <p:nvCxnSpPr>
+          <p:cNvPr id="24" name="Curved Connector 23"/>
+          <p:cNvCxnSpPr>
+            <a:stCxn id="5" idx="3"/>
+          </p:cNvCxnSpPr>
+          <p:nvPr/>
+        </p:nvCxnSpPr>
+        <p:spPr>
+          <a:xfrm flipV="1">
+            <a:off x="3959603" y="3070371"/>
+            <a:ext cx="654342" cy="549479"/>
+          </a:xfrm>
+          <a:prstGeom prst="curvedConnector3">
+            <a:avLst/>
+          </a:prstGeom>
+          <a:ln>
+            <a:tailEnd type="triangle"/>
+          </a:ln>
+        </p:spPr>
+        <p:style>
+          <a:lnRef idx="3">
+            <a:schemeClr val="dk1"/>
+          </a:lnRef>
+          <a:fillRef idx="0">
+            <a:schemeClr val="dk1"/>
+          </a:fillRef>
+          <a:effectRef idx="2">
+            <a:schemeClr val="dk1"/>
+          </a:effectRef>
+          <a:fontRef idx="minor">
+            <a:schemeClr val="tx1"/>
+          </a:fontRef>
+        </p:style>
+      </p:cxnSp>
+      <p:cxnSp>
+        <p:nvCxnSpPr>
+          <p:cNvPr id="26" name="Curved Connector 25"/>
+          <p:cNvCxnSpPr>
+            <a:stCxn id="8" idx="2"/>
+            <a:endCxn id="7" idx="0"/>
+          </p:cNvCxnSpPr>
+          <p:nvPr/>
+        </p:nvCxnSpPr>
+        <p:spPr>
+          <a:xfrm rot="16200000" flipH="1">
+            <a:off x="5480997" y="3675302"/>
+            <a:ext cx="591423" cy="254016"/>
+          </a:xfrm>
+          <a:prstGeom prst="curvedConnector3">
+            <a:avLst/>
+          </a:prstGeom>
+          <a:ln>
+            <a:tailEnd type="triangle"/>
+          </a:ln>
+        </p:spPr>
+        <p:style>
+          <a:lnRef idx="3">
+            <a:schemeClr val="dk1"/>
+          </a:lnRef>
+          <a:fillRef idx="0">
+            <a:schemeClr val="dk1"/>
+          </a:fillRef>
+          <a:effectRef idx="2">
+            <a:schemeClr val="dk1"/>
+          </a:effectRef>
+          <a:fontRef idx="minor">
+            <a:schemeClr val="tx1"/>
+          </a:fontRef>
+        </p:style>
+      </p:cxnSp>
+      <p:cxnSp>
+        <p:nvCxnSpPr>
+          <p:cNvPr id="28" name="Curved Connector 27"/>
+          <p:cNvCxnSpPr>
+            <a:stCxn id="9" idx="1"/>
+            <a:endCxn id="5" idx="0"/>
+          </p:cNvCxnSpPr>
+          <p:nvPr/>
+        </p:nvCxnSpPr>
+        <p:spPr>
+          <a:xfrm rot="16200000" flipH="1" flipV="1">
+            <a:off x="6259491" y="-592671"/>
+            <a:ext cx="297752" cy="6726328"/>
+          </a:xfrm>
+          <a:prstGeom prst="curvedConnector3">
+            <a:avLst>
+              <a:gd name="adj1" fmla="val -69751"/>
+            </a:avLst>
+          </a:prstGeom>
+          <a:ln>
+            <a:headEnd type="arrow" w="med" len="med"/>
+            <a:tailEnd type="arrow" w="med" len="med"/>
+          </a:ln>
+        </p:spPr>
+        <p:style>
+          <a:lnRef idx="3">
+            <a:schemeClr val="accent5"/>
+          </a:lnRef>
+          <a:fillRef idx="0">
+            <a:schemeClr val="accent5"/>
+          </a:fillRef>
+          <a:effectRef idx="2">
+            <a:schemeClr val="accent5"/>
+          </a:effectRef>
+          <a:fontRef idx="minor">
+            <a:schemeClr val="tx1"/>
+          </a:fontRef>
+        </p:style>
+      </p:cxnSp>
+      <p:cxnSp>
+        <p:nvCxnSpPr>
+          <p:cNvPr id="33" name="Curved Connector 32"/>
+          <p:cNvCxnSpPr>
+            <a:endCxn id="5" idx="3"/>
+          </p:cNvCxnSpPr>
+          <p:nvPr/>
+        </p:nvCxnSpPr>
+        <p:spPr>
+          <a:xfrm rot="10800000">
+            <a:off x="3959603" y="3619851"/>
+            <a:ext cx="5536734" cy="1549589"/>
+          </a:xfrm>
+          <a:prstGeom prst="curvedConnector3">
+            <a:avLst/>
+          </a:prstGeom>
+          <a:ln>
+            <a:headEnd type="arrow" w="med" len="med"/>
+            <a:tailEnd type="arrow" w="med" len="med"/>
+          </a:ln>
+        </p:spPr>
+        <p:style>
+          <a:lnRef idx="3">
+            <a:schemeClr val="accent5"/>
+          </a:lnRef>
+          <a:fillRef idx="0">
+            <a:schemeClr val="accent5"/>
+          </a:fillRef>
+          <a:effectRef idx="2">
+            <a:schemeClr val="accent5"/>
+          </a:effectRef>
+          <a:fontRef idx="minor">
+            <a:schemeClr val="tx1"/>
+          </a:fontRef>
+        </p:style>
+      </p:cxnSp>
+      <p:cxnSp>
+        <p:nvCxnSpPr>
+          <p:cNvPr id="35" name="Straight Arrow Connector 34"/>
+          <p:cNvCxnSpPr>
+            <a:stCxn id="5" idx="3"/>
+            <a:endCxn id="7" idx="1"/>
+          </p:cNvCxnSpPr>
+          <p:nvPr/>
+        </p:nvCxnSpPr>
+        <p:spPr>
+          <a:xfrm>
+            <a:off x="3959603" y="3619850"/>
+            <a:ext cx="960468" cy="1364121"/>
+          </a:xfrm>
+          <a:prstGeom prst="straightConnector1">
+            <a:avLst/>
+          </a:prstGeom>
+          <a:ln>
+            <a:headEnd type="triangle"/>
+            <a:tailEnd type="triangle"/>
+          </a:ln>
+        </p:spPr>
+        <p:style>
+          <a:lnRef idx="3">
+            <a:schemeClr val="accent5"/>
+          </a:lnRef>
+          <a:fillRef idx="0">
+            <a:schemeClr val="accent5"/>
+          </a:fillRef>
+          <a:effectRef idx="2">
+            <a:schemeClr val="accent5"/>
+          </a:effectRef>
+          <a:fontRef idx="minor">
+            <a:schemeClr val="tx1"/>
+          </a:fontRef>
+        </p:style>
+      </p:cxnSp>
+    </p:spTree>
+    <p:extLst>
+      <p:ext uri="{BB962C8B-B14F-4D97-AF65-F5344CB8AC3E}">
+        <p14:creationId xmlns:p14="http://schemas.microsoft.com/office/powerpoint/2010/main" val="3172463354"/>
+      </p:ext>
+    </p:extLst>
+  </p:cSld>
+  <p:clrMapOvr>
+    <a:masterClrMapping/>
+  </p:clrMapOvr>
+  <p:timing>
+    <p:tnLst>
+      <p:par>
+        <p:cTn id="1" dur="indefinite" restart="never" nodeType="tmRoot"/>
+      </p:par>
+    </p:tnLst>
+  </p:timing>
+</p:sld>
+</file>
+
+<file path=ppt/slides/slide11.xml><?xml version="1.0" encoding="utf-8"?>
+<p:sld xmlns:a="http://schemas.openxmlformats.org/drawingml/2006/main" xmlns:r="http://schemas.openxmlformats.org/officeDocument/2006/relationships" xmlns:p="http://schemas.openxmlformats.org/presentationml/2006/main">
+  <p:cSld>
+    <p:spTree>
+      <p:nvGrpSpPr>
+        <p:cNvPr id="1" name=""/>
+        <p:cNvGrpSpPr/>
+        <p:nvPr/>
+      </p:nvGrpSpPr>
+      <p:grpSpPr>
+        <a:xfrm>
+          <a:off x="0" y="0"/>
+          <a:ext cx="0" cy="0"/>
+          <a:chOff x="0" y="0"/>
+          <a:chExt cx="0" cy="0"/>
+        </a:xfrm>
+      </p:grpSpPr>
+      <p:sp>
+        <p:nvSpPr>
+          <p:cNvPr id="2" name="Title 1"/>
+          <p:cNvSpPr>
+            <a:spLocks noGrp="1"/>
+          </p:cNvSpPr>
+          <p:nvPr>
+            <p:ph type="title"/>
+          </p:nvPr>
+        </p:nvSpPr>
+        <p:spPr/>
+        <p:txBody>
+          <a:bodyPr/>
+          <a:lstStyle/>
+          <a:p>
+            <a:r>
               <a:rPr lang="en-US" dirty="0" smtClean="0"/>
               <a:t>Thanks!</a:t>
             </a:r>
@@ -3893,6 +4635,13 @@
   <p:clrMapOvr>
     <a:masterClrMapping/>
   </p:clrMapOvr>
+  <p:timing>
+    <p:tnLst>
+      <p:par>
+        <p:cTn id="1" dur="indefinite" restart="never" nodeType="tmRoot"/>
+      </p:par>
+    </p:tnLst>
+  </p:timing>
 </p:sld>
 </file>
 
@@ -3930,7 +4679,7 @@
           <a:p>
             <a:r>
               <a:rPr lang="en-US" dirty="0" smtClean="0"/>
-              <a:t>Three fun facts</a:t>
+              <a:t>About</a:t>
             </a:r>
             <a:endParaRPr lang="en-US" dirty="0"/>
           </a:p>
@@ -3948,25 +4697,170 @@
         </p:nvSpPr>
         <p:spPr/>
         <p:txBody>
-          <a:bodyPr/>
-          <a:lstStyle/>
-          <a:p>
-            <a:r>
-              <a:rPr lang="en-US" dirty="0" smtClean="0"/>
-              <a:t>I’m a Certified Soccer Coach and Referee.</a:t>
-            </a:r>
-          </a:p>
-          <a:p>
-            <a:r>
-              <a:rPr lang="en-US" dirty="0" smtClean="0"/>
-              <a:t>I’m about to move to San Antonio, my very first move ever.</a:t>
-            </a:r>
-          </a:p>
-          <a:p>
-            <a:r>
-              <a:rPr lang="en-US" dirty="0" smtClean="0"/>
-              <a:t>I love to golf.</a:t>
-            </a:r>
+          <a:bodyPr>
+            <a:normAutofit lnSpcReduction="10000"/>
+          </a:bodyPr>
+          <a:lstStyle/>
+          <a:p>
+            <a:r>
+              <a:rPr lang="en-US" dirty="0" smtClean="0"/>
+              <a:t>Been in the IT field for 18+ years</a:t>
+            </a:r>
+          </a:p>
+          <a:p>
+            <a:r>
+              <a:rPr lang="en-US" dirty="0" smtClean="0"/>
+              <a:t>Working with PowerShell for 12-13 years</a:t>
+            </a:r>
+          </a:p>
+          <a:p>
+            <a:r>
+              <a:rPr lang="en-US" dirty="0" smtClean="0"/>
+              <a:t>Grew up through the </a:t>
+            </a:r>
+            <a:r>
+              <a:rPr lang="en-US" dirty="0" err="1" smtClean="0"/>
+              <a:t>PowerCLI</a:t>
+            </a:r>
+            <a:r>
+              <a:rPr lang="en-US" dirty="0" smtClean="0"/>
+              <a:t> community</a:t>
+            </a:r>
+          </a:p>
+          <a:p>
+            <a:r>
+              <a:rPr lang="en-US" dirty="0" smtClean="0"/>
+              <a:t>Fun facts:</a:t>
+            </a:r>
+          </a:p>
+          <a:p>
+            <a:pPr lvl="1"/>
+            <a:r>
+              <a:rPr lang="en-US" dirty="0" smtClean="0"/>
+              <a:t>I’m </a:t>
+            </a:r>
+            <a:r>
+              <a:rPr lang="en-US" dirty="0" smtClean="0"/>
+              <a:t>a Certified Soccer Coach and Referee.</a:t>
+            </a:r>
+          </a:p>
+          <a:p>
+            <a:pPr lvl="1"/>
+            <a:r>
+              <a:rPr lang="en-US" dirty="0" smtClean="0"/>
+              <a:t>I’m </a:t>
+            </a:r>
+            <a:r>
+              <a:rPr lang="en-US" dirty="0" smtClean="0"/>
+              <a:t>about </a:t>
+            </a:r>
+            <a:r>
+              <a:rPr lang="en-US" dirty="0" smtClean="0"/>
+              <a:t>to move to San Antonio, my very first move ever.</a:t>
+            </a:r>
+          </a:p>
+          <a:p>
+            <a:pPr lvl="1"/>
+            <a:r>
+              <a:rPr lang="en-US" dirty="0" smtClean="0"/>
+              <a:t>I love to golf</a:t>
+            </a:r>
+            <a:r>
+              <a:rPr lang="en-US" dirty="0" smtClean="0"/>
+              <a:t>.</a:t>
+            </a:r>
+          </a:p>
+          <a:p>
+            <a:pPr lvl="1"/>
+            <a:r>
+              <a:rPr lang="en-US" dirty="0" smtClean="0"/>
+              <a:t>I’ve never used the ISE</a:t>
+            </a:r>
+            <a:endParaRPr lang="en-US" dirty="0"/>
+          </a:p>
+        </p:txBody>
+      </p:sp>
+      <p:pic>
+        <p:nvPicPr>
+          <p:cNvPr id="4" name="Picture 3"/>
+          <p:cNvPicPr>
+            <a:picLocks noChangeAspect="1"/>
+          </p:cNvPicPr>
+          <p:nvPr/>
+        </p:nvPicPr>
+        <p:blipFill>
+          <a:blip r:embed="rId2">
+            <a:extLst>
+              <a:ext uri="{28A0092B-C50C-407E-A947-70E740481C1C}">
+                <a14:useLocalDpi xmlns:a14="http://schemas.microsoft.com/office/drawing/2010/main" val="0"/>
+              </a:ext>
+            </a:extLst>
+          </a:blip>
+          <a:stretch>
+            <a:fillRect/>
+          </a:stretch>
+        </p:blipFill>
+        <p:spPr>
+          <a:xfrm>
+            <a:off x="9341173" y="2015732"/>
+            <a:ext cx="1713681" cy="1654773"/>
+          </a:xfrm>
+          <a:prstGeom prst="rect">
+            <a:avLst/>
+          </a:prstGeom>
+        </p:spPr>
+      </p:pic>
+      <p:sp>
+        <p:nvSpPr>
+          <p:cNvPr id="5" name="TextBox 4"/>
+          <p:cNvSpPr txBox="1"/>
+          <p:nvPr/>
+        </p:nvSpPr>
+        <p:spPr>
+          <a:xfrm>
+            <a:off x="8712419" y="4148273"/>
+            <a:ext cx="2971187" cy="1477328"/>
+          </a:xfrm>
+          <a:prstGeom prst="rect">
+            <a:avLst/>
+          </a:prstGeom>
+          <a:noFill/>
+        </p:spPr>
+        <p:txBody>
+          <a:bodyPr wrap="square" rtlCol="0">
+            <a:spAutoFit/>
+          </a:bodyPr>
+          <a:lstStyle/>
+          <a:p>
+            <a:r>
+              <a:rPr lang="en-US" dirty="0"/>
+              <a:t>Justin Sider </a:t>
+            </a:r>
+          </a:p>
+          <a:p>
+            <a:r>
+              <a:rPr lang="en-US" dirty="0"/>
+              <a:t>@jpsider</a:t>
+            </a:r>
+          </a:p>
+          <a:p>
+            <a:r>
+              <a:rPr lang="en-US" dirty="0"/>
+              <a:t>CIO - Belay Technologies Inc.</a:t>
+            </a:r>
+          </a:p>
+          <a:p>
+            <a:r>
+              <a:rPr lang="en-US" dirty="0"/>
+              <a:t>Invoke-</a:t>
+            </a:r>
+            <a:r>
+              <a:rPr lang="en-US" dirty="0" err="1"/>
+              <a:t>Automation.blog</a:t>
+            </a:r>
+            <a:endParaRPr lang="en-US" dirty="0"/>
+          </a:p>
+          <a:p>
             <a:endParaRPr lang="en-US" dirty="0"/>
           </a:p>
         </p:txBody>
@@ -3981,6 +4875,13 @@
   <p:clrMapOvr>
     <a:masterClrMapping/>
   </p:clrMapOvr>
+  <p:timing>
+    <p:tnLst>
+      <p:par>
+        <p:cTn id="1" dur="indefinite" restart="never" nodeType="tmRoot"/>
+      </p:par>
+    </p:tnLst>
+  </p:timing>
 </p:sld>
 </file>
 
@@ -4091,6 +4992,13 @@
   <p:clrMapOvr>
     <a:masterClrMapping/>
   </p:clrMapOvr>
+  <p:timing>
+    <p:tnLst>
+      <p:par>
+        <p:cTn id="1" dur="indefinite" restart="never" nodeType="tmRoot"/>
+      </p:par>
+    </p:tnLst>
+  </p:timing>
 </p:sld>
 </file>
 
@@ -4407,6 +5315,13 @@
   <p:clrMapOvr>
     <a:masterClrMapping/>
   </p:clrMapOvr>
+  <p:timing>
+    <p:tnLst>
+      <p:par>
+        <p:cTn id="1" dur="indefinite" restart="never" nodeType="tmRoot"/>
+      </p:par>
+    </p:tnLst>
+  </p:timing>
 </p:sld>
 </file>
 
@@ -4527,8 +5442,13 @@
             <a:pPr lvl="1"/>
             <a:r>
               <a:rPr lang="en-US" dirty="0" smtClean="0"/>
-              <a:t>Cannot support Dynamic URL’s</a:t>
-            </a:r>
+              <a:t>Cannot support Dynamic </a:t>
+            </a:r>
+            <a:r>
+              <a:rPr lang="en-US" dirty="0" smtClean="0"/>
+              <a:t>URL’s (https://someurl.io/myroute/&lt;var&gt;/someverb)</a:t>
+            </a:r>
+            <a:endParaRPr lang="en-US" dirty="0" smtClean="0"/>
           </a:p>
           <a:p>
             <a:pPr lvl="1"/>
@@ -4560,6 +5480,13 @@
   <p:clrMapOvr>
     <a:masterClrMapping/>
   </p:clrMapOvr>
+  <p:timing>
+    <p:tnLst>
+      <p:par>
+        <p:cTn id="1" dur="indefinite" restart="never" nodeType="tmRoot"/>
+      </p:par>
+    </p:tnLst>
+  </p:timing>
 </p:sld>
 </file>
 
@@ -4618,12 +5545,6 @@
           <a:bodyPr/>
           <a:lstStyle/>
           <a:p>
-            <a:r>
-              <a:rPr lang="en-US" dirty="0" smtClean="0"/>
-              <a:t>Demo Time!</a:t>
-            </a:r>
-          </a:p>
-          <a:p>
             <a:pPr lvl="1"/>
             <a:r>
               <a:rPr lang="en-US" dirty="0" smtClean="0"/>
@@ -4683,6 +5604,13 @@
   <p:clrMapOvr>
     <a:masterClrMapping/>
   </p:clrMapOvr>
+  <p:timing>
+    <p:tnLst>
+      <p:par>
+        <p:cTn id="1" dur="indefinite" restart="never" nodeType="tmRoot"/>
+      </p:par>
+    </p:tnLst>
+  </p:timing>
 </p:sld>
 </file>
 
@@ -4720,6 +5648,663 @@
           <a:p>
             <a:r>
               <a:rPr lang="en-US" dirty="0" smtClean="0"/>
+              <a:t>Demo time</a:t>
+            </a:r>
+            <a:endParaRPr lang="en-US" dirty="0"/>
+          </a:p>
+        </p:txBody>
+      </p:sp>
+      <p:sp>
+        <p:nvSpPr>
+          <p:cNvPr id="4" name="Rounded Rectangle 3"/>
+          <p:cNvSpPr/>
+          <p:nvPr/>
+        </p:nvSpPr>
+        <p:spPr>
+          <a:xfrm>
+            <a:off x="1384182" y="1996579"/>
+            <a:ext cx="9670671" cy="3867326"/>
+          </a:xfrm>
+          <a:prstGeom prst="roundRect">
+            <a:avLst/>
+          </a:prstGeom>
+        </p:spPr>
+        <p:style>
+          <a:lnRef idx="3">
+            <a:schemeClr val="lt1"/>
+          </a:lnRef>
+          <a:fillRef idx="1">
+            <a:schemeClr val="accent4"/>
+          </a:fillRef>
+          <a:effectRef idx="1">
+            <a:schemeClr val="accent4"/>
+          </a:effectRef>
+          <a:fontRef idx="minor">
+            <a:schemeClr val="lt1"/>
+          </a:fontRef>
+        </p:style>
+        <p:txBody>
+          <a:bodyPr rtlCol="0" anchor="ctr"/>
+          <a:lstStyle/>
+          <a:p>
+            <a:pPr algn="ctr"/>
+            <a:r>
+              <a:rPr lang="en-US" dirty="0" smtClean="0"/>
+              <a:t>This Laptop</a:t>
+            </a:r>
+            <a:endParaRPr lang="en-US" dirty="0"/>
+          </a:p>
+        </p:txBody>
+      </p:sp>
+      <p:sp>
+        <p:nvSpPr>
+          <p:cNvPr id="5" name="Rounded Rectangle 4"/>
+          <p:cNvSpPr/>
+          <p:nvPr/>
+        </p:nvSpPr>
+        <p:spPr>
+          <a:xfrm>
+            <a:off x="2013358" y="2449585"/>
+            <a:ext cx="2223082" cy="1325461"/>
+          </a:xfrm>
+          <a:prstGeom prst="roundRect">
+            <a:avLst/>
+          </a:prstGeom>
+        </p:spPr>
+        <p:style>
+          <a:lnRef idx="2">
+            <a:schemeClr val="accent1">
+              <a:shade val="50000"/>
+            </a:schemeClr>
+          </a:lnRef>
+          <a:fillRef idx="1">
+            <a:schemeClr val="accent1"/>
+          </a:fillRef>
+          <a:effectRef idx="0">
+            <a:schemeClr val="accent1"/>
+          </a:effectRef>
+          <a:fontRef idx="minor">
+            <a:schemeClr val="lt1"/>
+          </a:fontRef>
+        </p:style>
+        <p:txBody>
+          <a:bodyPr rtlCol="0" anchor="ctr"/>
+          <a:lstStyle/>
+          <a:p>
+            <a:pPr algn="ctr"/>
+            <a:r>
+              <a:rPr lang="en-US" dirty="0" smtClean="0"/>
+              <a:t>Client Console</a:t>
+            </a:r>
+            <a:endParaRPr lang="en-US" dirty="0"/>
+          </a:p>
+        </p:txBody>
+      </p:sp>
+      <p:sp>
+        <p:nvSpPr>
+          <p:cNvPr id="7" name="Rounded Rectangle 6"/>
+          <p:cNvSpPr/>
+          <p:nvPr/>
+        </p:nvSpPr>
+        <p:spPr>
+          <a:xfrm>
+            <a:off x="8348444" y="2449585"/>
+            <a:ext cx="2223082" cy="1325461"/>
+          </a:xfrm>
+          <a:prstGeom prst="roundRect">
+            <a:avLst/>
+          </a:prstGeom>
+        </p:spPr>
+        <p:style>
+          <a:lnRef idx="2">
+            <a:schemeClr val="accent1">
+              <a:shade val="50000"/>
+            </a:schemeClr>
+          </a:lnRef>
+          <a:fillRef idx="1">
+            <a:schemeClr val="accent1"/>
+          </a:fillRef>
+          <a:effectRef idx="0">
+            <a:schemeClr val="accent1"/>
+          </a:effectRef>
+          <a:fontRef idx="minor">
+            <a:schemeClr val="lt1"/>
+          </a:fontRef>
+        </p:style>
+        <p:txBody>
+          <a:bodyPr rtlCol="0" anchor="ctr"/>
+          <a:lstStyle/>
+          <a:p>
+            <a:pPr algn="ctr"/>
+            <a:r>
+              <a:rPr lang="en-US" dirty="0" smtClean="0"/>
+              <a:t>Server Console</a:t>
+            </a:r>
+            <a:endParaRPr lang="en-US" dirty="0"/>
+          </a:p>
+        </p:txBody>
+      </p:sp>
+      <p:sp>
+        <p:nvSpPr>
+          <p:cNvPr id="8" name="Flowchart: Document 7"/>
+          <p:cNvSpPr/>
+          <p:nvPr/>
+        </p:nvSpPr>
+        <p:spPr>
+          <a:xfrm>
+            <a:off x="6686027" y="4404220"/>
+            <a:ext cx="2004968" cy="1048624"/>
+          </a:xfrm>
+          <a:prstGeom prst="flowChartDocument">
+            <a:avLst/>
+          </a:prstGeom>
+        </p:spPr>
+        <p:style>
+          <a:lnRef idx="2">
+            <a:schemeClr val="accent1">
+              <a:shade val="50000"/>
+            </a:schemeClr>
+          </a:lnRef>
+          <a:fillRef idx="1">
+            <a:schemeClr val="accent1"/>
+          </a:fillRef>
+          <a:effectRef idx="0">
+            <a:schemeClr val="accent1"/>
+          </a:effectRef>
+          <a:fontRef idx="minor">
+            <a:schemeClr val="lt1"/>
+          </a:fontRef>
+        </p:style>
+        <p:txBody>
+          <a:bodyPr rtlCol="0" anchor="ctr"/>
+          <a:lstStyle/>
+          <a:p>
+            <a:pPr algn="ctr"/>
+            <a:r>
+              <a:rPr lang="en-US"/>
+              <a:t>RestPSRoutes.json</a:t>
+            </a:r>
+          </a:p>
+        </p:txBody>
+      </p:sp>
+      <p:sp>
+        <p:nvSpPr>
+          <p:cNvPr id="9" name="Flowchart: Multidocument 8"/>
+          <p:cNvSpPr/>
+          <p:nvPr/>
+        </p:nvSpPr>
+        <p:spPr>
+          <a:xfrm>
+            <a:off x="9051722" y="4404220"/>
+            <a:ext cx="1845578" cy="1149292"/>
+          </a:xfrm>
+          <a:prstGeom prst="flowChartMultidocument">
+            <a:avLst/>
+          </a:prstGeom>
+        </p:spPr>
+        <p:style>
+          <a:lnRef idx="2">
+            <a:schemeClr val="accent1">
+              <a:shade val="50000"/>
+            </a:schemeClr>
+          </a:lnRef>
+          <a:fillRef idx="1">
+            <a:schemeClr val="accent1"/>
+          </a:fillRef>
+          <a:effectRef idx="0">
+            <a:schemeClr val="accent1"/>
+          </a:effectRef>
+          <a:fontRef idx="minor">
+            <a:schemeClr val="lt1"/>
+          </a:fontRef>
+        </p:style>
+        <p:txBody>
+          <a:bodyPr rtlCol="0" anchor="ctr"/>
+          <a:lstStyle/>
+          <a:p>
+            <a:pPr algn="ctr"/>
+            <a:r>
+              <a:rPr lang="en-US" dirty="0" smtClean="0"/>
+              <a:t>Endpoint</a:t>
+            </a:r>
+          </a:p>
+          <a:p>
+            <a:pPr algn="ctr"/>
+            <a:r>
+              <a:rPr lang="en-US" dirty="0" smtClean="0"/>
+              <a:t>Scripts</a:t>
+            </a:r>
+            <a:endParaRPr lang="en-US" dirty="0"/>
+          </a:p>
+        </p:txBody>
+      </p:sp>
+      <p:sp>
+        <p:nvSpPr>
+          <p:cNvPr id="10" name="Freeform 9"/>
+          <p:cNvSpPr/>
+          <p:nvPr/>
+        </p:nvSpPr>
+        <p:spPr>
+          <a:xfrm>
+            <a:off x="4244829" y="2482928"/>
+            <a:ext cx="4110606" cy="637777"/>
+          </a:xfrm>
+          <a:custGeom>
+            <a:avLst/>
+            <a:gdLst>
+              <a:gd name="connsiteX0" fmla="*/ 0 w 4110606"/>
+              <a:gd name="connsiteY0" fmla="*/ 32671 h 49449"/>
+              <a:gd name="connsiteX1" fmla="*/ 4110606 w 4110606"/>
+              <a:gd name="connsiteY1" fmla="*/ 49449 h 49449"/>
+            </a:gdLst>
+            <a:ahLst/>
+            <a:cxnLst>
+              <a:cxn ang="0">
+                <a:pos x="connsiteX0" y="connsiteY0"/>
+              </a:cxn>
+              <a:cxn ang="0">
+                <a:pos x="connsiteX1" y="connsiteY1"/>
+              </a:cxn>
+            </a:cxnLst>
+            <a:rect l="l" t="t" r="r" b="b"/>
+            <a:pathLst>
+              <a:path w="4110606" h="49449">
+                <a:moveTo>
+                  <a:pt x="0" y="32671"/>
+                </a:moveTo>
+                <a:cubicBezTo>
+                  <a:pt x="1807128" y="1911"/>
+                  <a:pt x="3614257" y="-28848"/>
+                  <a:pt x="4110606" y="49449"/>
+                </a:cubicBezTo>
+              </a:path>
+            </a:pathLst>
+          </a:custGeom>
+          <a:noFill/>
+          <a:ln w="25400">
+            <a:tailEnd type="triangle"/>
+          </a:ln>
+        </p:spPr>
+        <p:style>
+          <a:lnRef idx="2">
+            <a:schemeClr val="accent1">
+              <a:shade val="50000"/>
+            </a:schemeClr>
+          </a:lnRef>
+          <a:fillRef idx="1">
+            <a:schemeClr val="accent1"/>
+          </a:fillRef>
+          <a:effectRef idx="0">
+            <a:schemeClr val="accent1"/>
+          </a:effectRef>
+          <a:fontRef idx="minor">
+            <a:schemeClr val="lt1"/>
+          </a:fontRef>
+        </p:style>
+        <p:txBody>
+          <a:bodyPr rtlCol="0" anchor="ctr"/>
+          <a:lstStyle/>
+          <a:p>
+            <a:pPr algn="ctr"/>
+            <a:endParaRPr lang="en-US"/>
+          </a:p>
+        </p:txBody>
+      </p:sp>
+      <p:cxnSp>
+        <p:nvCxnSpPr>
+          <p:cNvPr id="13" name="Curved Connector 12"/>
+          <p:cNvCxnSpPr>
+            <a:stCxn id="7" idx="2"/>
+            <a:endCxn id="8" idx="0"/>
+          </p:cNvCxnSpPr>
+          <p:nvPr/>
+        </p:nvCxnSpPr>
+        <p:spPr>
+          <a:xfrm rot="5400000">
+            <a:off x="8259661" y="3203896"/>
+            <a:ext cx="629174" cy="1771474"/>
+          </a:xfrm>
+          <a:prstGeom prst="curvedConnector3">
+            <a:avLst/>
+          </a:prstGeom>
+          <a:ln w="25400">
+            <a:headEnd type="triangle"/>
+            <a:tailEnd type="triangle"/>
+          </a:ln>
+        </p:spPr>
+        <p:style>
+          <a:lnRef idx="1">
+            <a:schemeClr val="dk1"/>
+          </a:lnRef>
+          <a:fillRef idx="0">
+            <a:schemeClr val="dk1"/>
+          </a:fillRef>
+          <a:effectRef idx="0">
+            <a:schemeClr val="dk1"/>
+          </a:effectRef>
+          <a:fontRef idx="minor">
+            <a:schemeClr val="tx1"/>
+          </a:fontRef>
+        </p:style>
+      </p:cxnSp>
+      <p:cxnSp>
+        <p:nvCxnSpPr>
+          <p:cNvPr id="15" name="Curved Connector 14"/>
+          <p:cNvCxnSpPr>
+            <a:endCxn id="9" idx="0"/>
+          </p:cNvCxnSpPr>
+          <p:nvPr/>
+        </p:nvCxnSpPr>
+        <p:spPr>
+          <a:xfrm>
+            <a:off x="9442580" y="3775046"/>
+            <a:ext cx="658900" cy="629174"/>
+          </a:xfrm>
+          <a:prstGeom prst="curvedConnector2">
+            <a:avLst/>
+          </a:prstGeom>
+          <a:ln w="38100">
+            <a:headEnd type="triangle"/>
+            <a:tailEnd type="triangle"/>
+          </a:ln>
+        </p:spPr>
+        <p:style>
+          <a:lnRef idx="3">
+            <a:schemeClr val="accent5"/>
+          </a:lnRef>
+          <a:fillRef idx="0">
+            <a:schemeClr val="accent5"/>
+          </a:fillRef>
+          <a:effectRef idx="2">
+            <a:schemeClr val="accent5"/>
+          </a:effectRef>
+          <a:fontRef idx="minor">
+            <a:schemeClr val="tx1"/>
+          </a:fontRef>
+        </p:style>
+      </p:cxnSp>
+      <p:sp>
+        <p:nvSpPr>
+          <p:cNvPr id="17" name="Freeform 16"/>
+          <p:cNvSpPr/>
+          <p:nvPr/>
+        </p:nvSpPr>
+        <p:spPr>
+          <a:xfrm rot="10649562">
+            <a:off x="4244829" y="3082420"/>
+            <a:ext cx="4110606" cy="637777"/>
+          </a:xfrm>
+          <a:custGeom>
+            <a:avLst/>
+            <a:gdLst>
+              <a:gd name="connsiteX0" fmla="*/ 0 w 4110606"/>
+              <a:gd name="connsiteY0" fmla="*/ 32671 h 49449"/>
+              <a:gd name="connsiteX1" fmla="*/ 4110606 w 4110606"/>
+              <a:gd name="connsiteY1" fmla="*/ 49449 h 49449"/>
+            </a:gdLst>
+            <a:ahLst/>
+            <a:cxnLst>
+              <a:cxn ang="0">
+                <a:pos x="connsiteX0" y="connsiteY0"/>
+              </a:cxn>
+              <a:cxn ang="0">
+                <a:pos x="connsiteX1" y="connsiteY1"/>
+              </a:cxn>
+            </a:cxnLst>
+            <a:rect l="l" t="t" r="r" b="b"/>
+            <a:pathLst>
+              <a:path w="4110606" h="49449">
+                <a:moveTo>
+                  <a:pt x="0" y="32671"/>
+                </a:moveTo>
+                <a:cubicBezTo>
+                  <a:pt x="1807128" y="1911"/>
+                  <a:pt x="3614257" y="-28848"/>
+                  <a:pt x="4110606" y="49449"/>
+                </a:cubicBezTo>
+              </a:path>
+            </a:pathLst>
+          </a:custGeom>
+          <a:noFill/>
+          <a:ln w="25400">
+            <a:tailEnd type="triangle"/>
+          </a:ln>
+        </p:spPr>
+        <p:style>
+          <a:lnRef idx="2">
+            <a:schemeClr val="accent1">
+              <a:shade val="50000"/>
+            </a:schemeClr>
+          </a:lnRef>
+          <a:fillRef idx="1">
+            <a:schemeClr val="accent1"/>
+          </a:fillRef>
+          <a:effectRef idx="0">
+            <a:schemeClr val="accent1"/>
+          </a:effectRef>
+          <a:fontRef idx="minor">
+            <a:schemeClr val="lt1"/>
+          </a:fontRef>
+        </p:style>
+        <p:txBody>
+          <a:bodyPr rtlCol="0" anchor="ctr"/>
+          <a:lstStyle/>
+          <a:p>
+            <a:pPr algn="ctr"/>
+            <a:endParaRPr lang="en-US"/>
+          </a:p>
+        </p:txBody>
+      </p:sp>
+      <p:sp>
+        <p:nvSpPr>
+          <p:cNvPr id="18" name="TextBox 17"/>
+          <p:cNvSpPr txBox="1"/>
+          <p:nvPr/>
+        </p:nvSpPr>
+        <p:spPr>
+          <a:xfrm>
+            <a:off x="5047861" y="2295331"/>
+            <a:ext cx="233266" cy="369332"/>
+          </a:xfrm>
+          <a:prstGeom prst="rect">
+            <a:avLst/>
+          </a:prstGeom>
+          <a:noFill/>
+        </p:spPr>
+        <p:txBody>
+          <a:bodyPr wrap="square" rtlCol="0">
+            <a:spAutoFit/>
+          </a:bodyPr>
+          <a:lstStyle/>
+          <a:p>
+            <a:r>
+              <a:rPr lang="en-US" dirty="0" smtClean="0">
+                <a:solidFill>
+                  <a:schemeClr val="accent2">
+                    <a:lumMod val="75000"/>
+                  </a:schemeClr>
+                </a:solidFill>
+              </a:rPr>
+              <a:t>1</a:t>
+            </a:r>
+            <a:endParaRPr lang="en-US" dirty="0">
+              <a:solidFill>
+                <a:schemeClr val="accent2">
+                  <a:lumMod val="75000"/>
+                </a:schemeClr>
+              </a:solidFill>
+            </a:endParaRPr>
+          </a:p>
+        </p:txBody>
+      </p:sp>
+      <p:sp>
+        <p:nvSpPr>
+          <p:cNvPr id="19" name="TextBox 18"/>
+          <p:cNvSpPr txBox="1"/>
+          <p:nvPr/>
+        </p:nvSpPr>
+        <p:spPr>
+          <a:xfrm>
+            <a:off x="8106541" y="3770141"/>
+            <a:ext cx="233266" cy="369332"/>
+          </a:xfrm>
+          <a:prstGeom prst="rect">
+            <a:avLst/>
+          </a:prstGeom>
+          <a:noFill/>
+        </p:spPr>
+        <p:txBody>
+          <a:bodyPr wrap="square" rtlCol="0">
+            <a:spAutoFit/>
+          </a:bodyPr>
+          <a:lstStyle/>
+          <a:p>
+            <a:r>
+              <a:rPr lang="en-US" dirty="0" smtClean="0"/>
+              <a:t>2</a:t>
+            </a:r>
+            <a:endParaRPr lang="en-US" dirty="0"/>
+          </a:p>
+        </p:txBody>
+      </p:sp>
+      <p:sp>
+        <p:nvSpPr>
+          <p:cNvPr id="20" name="TextBox 19"/>
+          <p:cNvSpPr txBox="1"/>
+          <p:nvPr/>
+        </p:nvSpPr>
+        <p:spPr>
+          <a:xfrm>
+            <a:off x="10046258" y="3809805"/>
+            <a:ext cx="233266" cy="369332"/>
+          </a:xfrm>
+          <a:prstGeom prst="rect">
+            <a:avLst/>
+          </a:prstGeom>
+          <a:noFill/>
+        </p:spPr>
+        <p:txBody>
+          <a:bodyPr wrap="square" rtlCol="0">
+            <a:spAutoFit/>
+          </a:bodyPr>
+          <a:lstStyle/>
+          <a:p>
+            <a:r>
+              <a:rPr lang="en-US" dirty="0" smtClean="0">
+                <a:solidFill>
+                  <a:schemeClr val="accent5">
+                    <a:lumMod val="75000"/>
+                  </a:schemeClr>
+                </a:solidFill>
+              </a:rPr>
+              <a:t>3</a:t>
+            </a:r>
+            <a:endParaRPr lang="en-US" dirty="0">
+              <a:solidFill>
+                <a:schemeClr val="accent5">
+                  <a:lumMod val="75000"/>
+                </a:schemeClr>
+              </a:solidFill>
+            </a:endParaRPr>
+          </a:p>
+        </p:txBody>
+      </p:sp>
+      <p:sp>
+        <p:nvSpPr>
+          <p:cNvPr id="21" name="TextBox 20"/>
+          <p:cNvSpPr txBox="1"/>
+          <p:nvPr/>
+        </p:nvSpPr>
+        <p:spPr>
+          <a:xfrm>
+            <a:off x="5424196" y="3316239"/>
+            <a:ext cx="233266" cy="369332"/>
+          </a:xfrm>
+          <a:prstGeom prst="rect">
+            <a:avLst/>
+          </a:prstGeom>
+          <a:noFill/>
+        </p:spPr>
+        <p:txBody>
+          <a:bodyPr wrap="square" rtlCol="0">
+            <a:spAutoFit/>
+          </a:bodyPr>
+          <a:lstStyle/>
+          <a:p>
+            <a:r>
+              <a:rPr lang="en-US" dirty="0" smtClean="0">
+                <a:solidFill>
+                  <a:schemeClr val="accent2">
+                    <a:lumMod val="75000"/>
+                  </a:schemeClr>
+                </a:solidFill>
+              </a:rPr>
+              <a:t>4</a:t>
+            </a:r>
+            <a:endParaRPr lang="en-US" dirty="0">
+              <a:solidFill>
+                <a:schemeClr val="accent2">
+                  <a:lumMod val="75000"/>
+                </a:schemeClr>
+              </a:solidFill>
+            </a:endParaRPr>
+          </a:p>
+        </p:txBody>
+      </p:sp>
+    </p:spTree>
+    <p:extLst>
+      <p:ext uri="{BB962C8B-B14F-4D97-AF65-F5344CB8AC3E}">
+        <p14:creationId xmlns:p14="http://schemas.microsoft.com/office/powerpoint/2010/main" val="4043290955"/>
+      </p:ext>
+    </p:extLst>
+  </p:cSld>
+  <p:clrMapOvr>
+    <a:masterClrMapping/>
+  </p:clrMapOvr>
+  <p:timing>
+    <p:tnLst>
+      <p:par>
+        <p:cTn id="1" dur="indefinite" restart="never" nodeType="tmRoot"/>
+      </p:par>
+    </p:tnLst>
+  </p:timing>
+</p:sld>
+</file>
+
+<file path=ppt/slides/slide8.xml><?xml version="1.0" encoding="utf-8"?>
+<p:sld xmlns:a="http://schemas.openxmlformats.org/drawingml/2006/main" xmlns:r="http://schemas.openxmlformats.org/officeDocument/2006/relationships" xmlns:p="http://schemas.openxmlformats.org/presentationml/2006/main">
+  <p:cSld>
+    <p:spTree>
+      <p:nvGrpSpPr>
+        <p:cNvPr id="1" name=""/>
+        <p:cNvGrpSpPr/>
+        <p:nvPr/>
+      </p:nvGrpSpPr>
+      <p:grpSpPr>
+        <a:xfrm>
+          <a:off x="0" y="0"/>
+          <a:ext cx="0" cy="0"/>
+          <a:chOff x="0" y="0"/>
+          <a:chExt cx="0" cy="0"/>
+        </a:xfrm>
+      </p:grpSpPr>
+      <p:sp>
+        <p:nvSpPr>
+          <p:cNvPr id="2" name="Title 1"/>
+          <p:cNvSpPr>
+            <a:spLocks noGrp="1"/>
+          </p:cNvSpPr>
+          <p:nvPr>
+            <p:ph type="title"/>
+          </p:nvPr>
+        </p:nvSpPr>
+        <p:spPr/>
+        <p:txBody>
+          <a:bodyPr/>
+          <a:lstStyle/>
+          <a:p>
+            <a:r>
+              <a:rPr lang="en-US" dirty="0" smtClean="0"/>
               <a:t>The end (again)</a:t>
             </a:r>
             <a:br>
@@ -4999,10 +6584,17 @@
   <p:clrMapOvr>
     <a:masterClrMapping/>
   </p:clrMapOvr>
+  <p:timing>
+    <p:tnLst>
+      <p:par>
+        <p:cTn id="1" dur="indefinite" restart="never" nodeType="tmRoot"/>
+      </p:par>
+    </p:tnLst>
+  </p:timing>
 </p:sld>
 </file>
 
-<file path=ppt/slides/slide8.xml><?xml version="1.0" encoding="utf-8"?>
+<file path=ppt/slides/slide9.xml><?xml version="1.0" encoding="utf-8"?>
 <p:sld xmlns:a="http://schemas.openxmlformats.org/drawingml/2006/main" xmlns:r="http://schemas.openxmlformats.org/officeDocument/2006/relationships" xmlns:p="http://schemas.openxmlformats.org/presentationml/2006/main">
   <p:cSld>
     <p:spTree>
@@ -5868,788 +7460,13 @@
   <p:clrMapOvr>
     <a:masterClrMapping/>
   </p:clrMapOvr>
-</p:sld>
-</file>
-
-<file path=ppt/slides/slide9.xml><?xml version="1.0" encoding="utf-8"?>
-<p:sld xmlns:a="http://schemas.openxmlformats.org/drawingml/2006/main" xmlns:r="http://schemas.openxmlformats.org/officeDocument/2006/relationships" xmlns:p="http://schemas.openxmlformats.org/presentationml/2006/main">
-  <p:cSld>
-    <p:spTree>
-      <p:nvGrpSpPr>
-        <p:cNvPr id="1" name=""/>
-        <p:cNvGrpSpPr/>
-        <p:nvPr/>
-      </p:nvGrpSpPr>
-      <p:grpSpPr>
-        <a:xfrm>
-          <a:off x="0" y="0"/>
-          <a:ext cx="0" cy="0"/>
-          <a:chOff x="0" y="0"/>
-          <a:chExt cx="0" cy="0"/>
-        </a:xfrm>
-      </p:grpSpPr>
-      <p:sp>
-        <p:nvSpPr>
-          <p:cNvPr id="2" name="Title 1"/>
-          <p:cNvSpPr>
-            <a:spLocks noGrp="1"/>
-          </p:cNvSpPr>
-          <p:nvPr>
-            <p:ph type="title"/>
-          </p:nvPr>
-        </p:nvSpPr>
-        <p:spPr/>
-        <p:txBody>
-          <a:bodyPr/>
-          <a:lstStyle/>
-          <a:p>
-            <a:r>
-              <a:rPr lang="en-US" smtClean="0"/>
-              <a:t>Example B</a:t>
-            </a:r>
-            <a:endParaRPr lang="en-US"/>
-          </a:p>
-        </p:txBody>
-      </p:sp>
-      <p:sp>
-        <p:nvSpPr>
-          <p:cNvPr id="3" name="Content Placeholder 2"/>
-          <p:cNvSpPr>
-            <a:spLocks noGrp="1"/>
-          </p:cNvSpPr>
-          <p:nvPr>
-            <p:ph idx="1"/>
-          </p:nvPr>
-        </p:nvSpPr>
-        <p:spPr>
-          <a:xfrm>
-            <a:off x="1233180" y="1904549"/>
-            <a:ext cx="2860362" cy="903637"/>
-          </a:xfrm>
-        </p:spPr>
-        <p:txBody>
-          <a:bodyPr/>
-          <a:lstStyle/>
-          <a:p>
-            <a:r>
-              <a:rPr lang="en-US" dirty="0" smtClean="0"/>
-              <a:t>Monitoring Service</a:t>
-            </a:r>
-          </a:p>
-          <a:p>
-            <a:pPr lvl="1"/>
-            <a:r>
-              <a:rPr lang="en-US" dirty="0" smtClean="0"/>
-              <a:t>Container based</a:t>
-            </a:r>
-            <a:endParaRPr lang="en-US" dirty="0"/>
-          </a:p>
-        </p:txBody>
-      </p:sp>
-      <p:sp>
-        <p:nvSpPr>
-          <p:cNvPr id="4" name="Rounded Rectangle 3"/>
-          <p:cNvSpPr/>
-          <p:nvPr/>
-        </p:nvSpPr>
-        <p:spPr>
-          <a:xfrm>
-            <a:off x="4152550" y="2256639"/>
-            <a:ext cx="7768206" cy="3682767"/>
-          </a:xfrm>
-          <a:prstGeom prst="roundRect">
-            <a:avLst/>
-          </a:prstGeom>
-        </p:spPr>
-        <p:style>
-          <a:lnRef idx="2">
-            <a:schemeClr val="accent1">
-              <a:shade val="50000"/>
-            </a:schemeClr>
-          </a:lnRef>
-          <a:fillRef idx="1">
-            <a:schemeClr val="accent1"/>
-          </a:fillRef>
-          <a:effectRef idx="0">
-            <a:schemeClr val="accent1"/>
-          </a:effectRef>
-          <a:fontRef idx="minor">
-            <a:schemeClr val="lt1"/>
-          </a:fontRef>
-        </p:style>
-        <p:txBody>
-          <a:bodyPr rtlCol="0" anchor="ctr"/>
-          <a:lstStyle/>
-          <a:p>
-            <a:pPr algn="ctr"/>
-            <a:r>
-              <a:rPr lang="en-US" dirty="0" smtClean="0"/>
-              <a:t>Docker Compose</a:t>
-            </a:r>
-            <a:endParaRPr lang="en-US" dirty="0"/>
-          </a:p>
-        </p:txBody>
-      </p:sp>
-      <p:sp>
-        <p:nvSpPr>
-          <p:cNvPr id="5" name="Rounded Rectangle 4"/>
-          <p:cNvSpPr/>
-          <p:nvPr/>
-        </p:nvSpPr>
-        <p:spPr>
-          <a:xfrm>
-            <a:off x="2130803" y="2919369"/>
-            <a:ext cx="1828800" cy="1400962"/>
-          </a:xfrm>
-          <a:prstGeom prst="roundRect">
-            <a:avLst/>
-          </a:prstGeom>
-        </p:spPr>
-        <p:style>
-          <a:lnRef idx="2">
-            <a:schemeClr val="accent1">
-              <a:shade val="50000"/>
-            </a:schemeClr>
-          </a:lnRef>
-          <a:fillRef idx="1">
-            <a:schemeClr val="accent1"/>
-          </a:fillRef>
-          <a:effectRef idx="0">
-            <a:schemeClr val="accent1"/>
-          </a:effectRef>
-          <a:fontRef idx="minor">
-            <a:schemeClr val="lt1"/>
-          </a:fontRef>
-        </p:style>
-        <p:txBody>
-          <a:bodyPr rtlCol="0" anchor="ctr"/>
-          <a:lstStyle/>
-          <a:p>
-            <a:pPr algn="ctr"/>
-            <a:r>
-              <a:rPr lang="en-US" dirty="0" smtClean="0"/>
-              <a:t>AMP</a:t>
-            </a:r>
-          </a:p>
-          <a:p>
-            <a:pPr algn="ctr"/>
-            <a:r>
-              <a:rPr lang="en-US" dirty="0" smtClean="0"/>
-              <a:t>Server</a:t>
-            </a:r>
-            <a:endParaRPr lang="en-US" dirty="0"/>
-          </a:p>
-        </p:txBody>
-      </p:sp>
-      <p:sp>
-        <p:nvSpPr>
-          <p:cNvPr id="6" name="Oval 5"/>
-          <p:cNvSpPr/>
-          <p:nvPr/>
-        </p:nvSpPr>
-        <p:spPr>
-          <a:xfrm>
-            <a:off x="142897" y="2919369"/>
-            <a:ext cx="1526796" cy="1350627"/>
-          </a:xfrm>
-          <a:prstGeom prst="ellipse">
-            <a:avLst/>
-          </a:prstGeom>
-        </p:spPr>
-        <p:style>
-          <a:lnRef idx="2">
-            <a:schemeClr val="accent1">
-              <a:shade val="50000"/>
-            </a:schemeClr>
-          </a:lnRef>
-          <a:fillRef idx="1">
-            <a:schemeClr val="accent1"/>
-          </a:fillRef>
-          <a:effectRef idx="0">
-            <a:schemeClr val="accent1"/>
-          </a:effectRef>
-          <a:fontRef idx="minor">
-            <a:schemeClr val="lt1"/>
-          </a:fontRef>
-        </p:style>
-        <p:txBody>
-          <a:bodyPr rtlCol="0" anchor="ctr"/>
-          <a:lstStyle/>
-          <a:p>
-            <a:pPr algn="ctr"/>
-            <a:r>
-              <a:rPr lang="en-US" dirty="0" smtClean="0"/>
-              <a:t>Client</a:t>
-            </a:r>
-            <a:endParaRPr lang="en-US" dirty="0"/>
-          </a:p>
-        </p:txBody>
-      </p:sp>
-      <p:sp>
-        <p:nvSpPr>
-          <p:cNvPr id="7" name="Diamond 6"/>
-          <p:cNvSpPr/>
-          <p:nvPr/>
-        </p:nvSpPr>
-        <p:spPr>
-          <a:xfrm>
-            <a:off x="4920071" y="4098022"/>
-            <a:ext cx="1967290" cy="1771898"/>
-          </a:xfrm>
-          <a:prstGeom prst="diamond">
-            <a:avLst/>
-          </a:prstGeom>
-        </p:spPr>
-        <p:style>
-          <a:lnRef idx="2">
-            <a:schemeClr val="accent1">
-              <a:shade val="50000"/>
-            </a:schemeClr>
-          </a:lnRef>
-          <a:fillRef idx="1">
-            <a:schemeClr val="accent1"/>
-          </a:fillRef>
-          <a:effectRef idx="0">
-            <a:schemeClr val="accent1"/>
-          </a:effectRef>
-          <a:fontRef idx="minor">
-            <a:schemeClr val="lt1"/>
-          </a:fontRef>
-        </p:style>
-        <p:txBody>
-          <a:bodyPr rtlCol="0" anchor="ctr"/>
-          <a:lstStyle/>
-          <a:p>
-            <a:pPr algn="ctr"/>
-            <a:r>
-              <a:rPr lang="en-US" dirty="0" err="1" smtClean="0"/>
-              <a:t>RestPS</a:t>
-            </a:r>
-            <a:endParaRPr lang="en-US" dirty="0"/>
-          </a:p>
-        </p:txBody>
-      </p:sp>
-      <p:sp>
-        <p:nvSpPr>
-          <p:cNvPr id="8" name="Rounded Rectangle 7"/>
-          <p:cNvSpPr/>
-          <p:nvPr/>
-        </p:nvSpPr>
-        <p:spPr>
-          <a:xfrm>
-            <a:off x="4638827" y="2608977"/>
-            <a:ext cx="2021746" cy="897622"/>
-          </a:xfrm>
-          <a:prstGeom prst="roundRect">
-            <a:avLst/>
-          </a:prstGeom>
-        </p:spPr>
-        <p:style>
-          <a:lnRef idx="2">
-            <a:schemeClr val="accent1">
-              <a:shade val="50000"/>
-            </a:schemeClr>
-          </a:lnRef>
-          <a:fillRef idx="1">
-            <a:schemeClr val="accent1"/>
-          </a:fillRef>
-          <a:effectRef idx="0">
-            <a:schemeClr val="accent1"/>
-          </a:effectRef>
-          <a:fontRef idx="minor">
-            <a:schemeClr val="lt1"/>
-          </a:fontRef>
-        </p:style>
-        <p:txBody>
-          <a:bodyPr rtlCol="0" anchor="ctr"/>
-          <a:lstStyle/>
-          <a:p>
-            <a:pPr algn="ctr"/>
-            <a:r>
-              <a:rPr lang="en-US" dirty="0" smtClean="0"/>
-              <a:t>Nginx</a:t>
-            </a:r>
-            <a:endParaRPr lang="en-US" dirty="0"/>
-          </a:p>
-        </p:txBody>
-      </p:sp>
-      <p:sp>
-        <p:nvSpPr>
-          <p:cNvPr id="9" name="Oval 8"/>
-          <p:cNvSpPr/>
-          <p:nvPr/>
-        </p:nvSpPr>
-        <p:spPr>
-          <a:xfrm>
-            <a:off x="9496338" y="2399251"/>
-            <a:ext cx="1879133" cy="1518408"/>
-          </a:xfrm>
-          <a:prstGeom prst="ellipse">
-            <a:avLst/>
-          </a:prstGeom>
-        </p:spPr>
-        <p:style>
-          <a:lnRef idx="2">
-            <a:schemeClr val="accent1">
-              <a:shade val="50000"/>
-            </a:schemeClr>
-          </a:lnRef>
-          <a:fillRef idx="1">
-            <a:schemeClr val="accent1"/>
-          </a:fillRef>
-          <a:effectRef idx="0">
-            <a:schemeClr val="accent1"/>
-          </a:effectRef>
-          <a:fontRef idx="minor">
-            <a:schemeClr val="lt1"/>
-          </a:fontRef>
-        </p:style>
-        <p:txBody>
-          <a:bodyPr rtlCol="0" anchor="ctr"/>
-          <a:lstStyle/>
-          <a:p>
-            <a:pPr algn="ctr"/>
-            <a:r>
-              <a:rPr lang="en-US" dirty="0" smtClean="0"/>
-              <a:t>Long Running Script</a:t>
-            </a:r>
-            <a:endParaRPr lang="en-US" dirty="0"/>
-          </a:p>
-        </p:txBody>
-      </p:sp>
-      <p:sp>
-        <p:nvSpPr>
-          <p:cNvPr id="10" name="Oval 9"/>
-          <p:cNvSpPr/>
-          <p:nvPr/>
-        </p:nvSpPr>
-        <p:spPr>
-          <a:xfrm>
-            <a:off x="9496338" y="4389815"/>
-            <a:ext cx="1879133" cy="1518408"/>
-          </a:xfrm>
-          <a:prstGeom prst="ellipse">
-            <a:avLst/>
-          </a:prstGeom>
-        </p:spPr>
-        <p:style>
-          <a:lnRef idx="2">
-            <a:schemeClr val="accent1">
-              <a:shade val="50000"/>
-            </a:schemeClr>
-          </a:lnRef>
-          <a:fillRef idx="1">
-            <a:schemeClr val="accent1"/>
-          </a:fillRef>
-          <a:effectRef idx="0">
-            <a:schemeClr val="accent1"/>
-          </a:effectRef>
-          <a:fontRef idx="minor">
-            <a:schemeClr val="lt1"/>
-          </a:fontRef>
-        </p:style>
-        <p:txBody>
-          <a:bodyPr rtlCol="0" anchor="ctr"/>
-          <a:lstStyle/>
-          <a:p>
-            <a:pPr algn="ctr"/>
-            <a:r>
-              <a:rPr lang="en-US" dirty="0" smtClean="0"/>
-              <a:t>Long Running Script</a:t>
-            </a:r>
-            <a:endParaRPr lang="en-US" dirty="0"/>
-          </a:p>
-        </p:txBody>
-      </p:sp>
-      <p:sp>
-        <p:nvSpPr>
-          <p:cNvPr id="11" name="Rounded Rectangle 10"/>
-          <p:cNvSpPr/>
-          <p:nvPr/>
-        </p:nvSpPr>
-        <p:spPr>
-          <a:xfrm>
-            <a:off x="2143457" y="4468958"/>
-            <a:ext cx="1828800" cy="1400962"/>
-          </a:xfrm>
-          <a:prstGeom prst="roundRect">
-            <a:avLst/>
-          </a:prstGeom>
-        </p:spPr>
-        <p:style>
-          <a:lnRef idx="2">
-            <a:schemeClr val="accent1">
-              <a:shade val="50000"/>
-            </a:schemeClr>
-          </a:lnRef>
-          <a:fillRef idx="1">
-            <a:schemeClr val="accent1"/>
-          </a:fillRef>
-          <a:effectRef idx="0">
-            <a:schemeClr val="accent1"/>
-          </a:effectRef>
-          <a:fontRef idx="minor">
-            <a:schemeClr val="lt1"/>
-          </a:fontRef>
-        </p:style>
-        <p:txBody>
-          <a:bodyPr rtlCol="0" anchor="ctr"/>
-          <a:lstStyle/>
-          <a:p>
-            <a:pPr algn="ctr"/>
-            <a:r>
-              <a:rPr lang="en-US" dirty="0" smtClean="0"/>
-              <a:t>External</a:t>
-            </a:r>
-          </a:p>
-          <a:p>
-            <a:pPr algn="ctr"/>
-            <a:r>
-              <a:rPr lang="en-US" dirty="0" smtClean="0"/>
-              <a:t>Application</a:t>
-            </a:r>
-            <a:endParaRPr lang="en-US" dirty="0"/>
-          </a:p>
-        </p:txBody>
-      </p:sp>
-      <p:cxnSp>
-        <p:nvCxnSpPr>
-          <p:cNvPr id="13" name="Straight Arrow Connector 12"/>
-          <p:cNvCxnSpPr>
-            <a:stCxn id="6" idx="6"/>
-            <a:endCxn id="5" idx="1"/>
-          </p:cNvCxnSpPr>
-          <p:nvPr/>
-        </p:nvCxnSpPr>
-        <p:spPr>
-          <a:xfrm>
-            <a:off x="1669693" y="3594683"/>
-            <a:ext cx="461110" cy="25167"/>
-          </a:xfrm>
-          <a:prstGeom prst="straightConnector1">
-            <a:avLst/>
-          </a:prstGeom>
-          <a:ln>
-            <a:tailEnd type="triangle"/>
-          </a:ln>
-        </p:spPr>
-        <p:style>
-          <a:lnRef idx="3">
-            <a:schemeClr val="dk1"/>
-          </a:lnRef>
-          <a:fillRef idx="0">
-            <a:schemeClr val="dk1"/>
-          </a:fillRef>
-          <a:effectRef idx="2">
-            <a:schemeClr val="dk1"/>
-          </a:effectRef>
-          <a:fontRef idx="minor">
-            <a:schemeClr val="tx1"/>
-          </a:fontRef>
-        </p:style>
-      </p:cxnSp>
-      <p:cxnSp>
-        <p:nvCxnSpPr>
-          <p:cNvPr id="15" name="Straight Arrow Connector 14"/>
-          <p:cNvCxnSpPr>
-            <a:stCxn id="7" idx="1"/>
-            <a:endCxn id="11" idx="3"/>
-          </p:cNvCxnSpPr>
-          <p:nvPr/>
-        </p:nvCxnSpPr>
-        <p:spPr>
-          <a:xfrm flipH="1">
-            <a:off x="3972257" y="4983971"/>
-            <a:ext cx="947814" cy="185468"/>
-          </a:xfrm>
-          <a:prstGeom prst="straightConnector1">
-            <a:avLst/>
-          </a:prstGeom>
-          <a:ln>
-            <a:headEnd type="triangle"/>
-            <a:tailEnd type="triangle"/>
-          </a:ln>
-        </p:spPr>
-        <p:style>
-          <a:lnRef idx="3">
-            <a:schemeClr val="dk1"/>
-          </a:lnRef>
-          <a:fillRef idx="0">
-            <a:schemeClr val="dk1"/>
-          </a:fillRef>
-          <a:effectRef idx="2">
-            <a:schemeClr val="dk1"/>
-          </a:effectRef>
-          <a:fontRef idx="minor">
-            <a:schemeClr val="tx1"/>
-          </a:fontRef>
-        </p:style>
-      </p:cxnSp>
-      <p:cxnSp>
-        <p:nvCxnSpPr>
-          <p:cNvPr id="18" name="Curved Connector 17"/>
-          <p:cNvCxnSpPr>
-            <a:stCxn id="10" idx="1"/>
-            <a:endCxn id="8" idx="3"/>
-          </p:cNvCxnSpPr>
-          <p:nvPr/>
-        </p:nvCxnSpPr>
-        <p:spPr>
-          <a:xfrm rot="16200000" flipV="1">
-            <a:off x="7438856" y="2279506"/>
-            <a:ext cx="1554393" cy="3110958"/>
-          </a:xfrm>
-          <a:prstGeom prst="curvedConnector2">
-            <a:avLst/>
-          </a:prstGeom>
-          <a:ln>
-            <a:tailEnd type="triangle"/>
-          </a:ln>
-        </p:spPr>
-        <p:style>
-          <a:lnRef idx="3">
-            <a:schemeClr val="dk1"/>
-          </a:lnRef>
-          <a:fillRef idx="0">
-            <a:schemeClr val="dk1"/>
-          </a:fillRef>
-          <a:effectRef idx="2">
-            <a:schemeClr val="dk1"/>
-          </a:effectRef>
-          <a:fontRef idx="minor">
-            <a:schemeClr val="tx1"/>
-          </a:fontRef>
-        </p:style>
-      </p:cxnSp>
-      <p:cxnSp>
-        <p:nvCxnSpPr>
-          <p:cNvPr id="20" name="Curved Connector 19"/>
-          <p:cNvCxnSpPr>
-            <a:stCxn id="9" idx="2"/>
-            <a:endCxn id="8" idx="3"/>
-          </p:cNvCxnSpPr>
-          <p:nvPr/>
-        </p:nvCxnSpPr>
-        <p:spPr>
-          <a:xfrm rot="10800000">
-            <a:off x="6660574" y="3057789"/>
-            <a:ext cx="2835765" cy="100667"/>
-          </a:xfrm>
-          <a:prstGeom prst="curvedConnector3">
-            <a:avLst/>
-          </a:prstGeom>
-          <a:ln>
-            <a:tailEnd type="triangle"/>
-          </a:ln>
-        </p:spPr>
-        <p:style>
-          <a:lnRef idx="3">
-            <a:schemeClr val="dk1"/>
-          </a:lnRef>
-          <a:fillRef idx="0">
-            <a:schemeClr val="dk1"/>
-          </a:fillRef>
-          <a:effectRef idx="2">
-            <a:schemeClr val="dk1"/>
-          </a:effectRef>
-          <a:fontRef idx="minor">
-            <a:schemeClr val="tx1"/>
-          </a:fontRef>
-        </p:style>
-      </p:cxnSp>
-      <p:cxnSp>
-        <p:nvCxnSpPr>
-          <p:cNvPr id="24" name="Curved Connector 23"/>
-          <p:cNvCxnSpPr>
-            <a:stCxn id="5" idx="3"/>
-          </p:cNvCxnSpPr>
-          <p:nvPr/>
-        </p:nvCxnSpPr>
-        <p:spPr>
-          <a:xfrm flipV="1">
-            <a:off x="3959603" y="3070371"/>
-            <a:ext cx="654342" cy="549479"/>
-          </a:xfrm>
-          <a:prstGeom prst="curvedConnector3">
-            <a:avLst/>
-          </a:prstGeom>
-          <a:ln>
-            <a:tailEnd type="triangle"/>
-          </a:ln>
-        </p:spPr>
-        <p:style>
-          <a:lnRef idx="3">
-            <a:schemeClr val="dk1"/>
-          </a:lnRef>
-          <a:fillRef idx="0">
-            <a:schemeClr val="dk1"/>
-          </a:fillRef>
-          <a:effectRef idx="2">
-            <a:schemeClr val="dk1"/>
-          </a:effectRef>
-          <a:fontRef idx="minor">
-            <a:schemeClr val="tx1"/>
-          </a:fontRef>
-        </p:style>
-      </p:cxnSp>
-      <p:cxnSp>
-        <p:nvCxnSpPr>
-          <p:cNvPr id="26" name="Curved Connector 25"/>
-          <p:cNvCxnSpPr>
-            <a:stCxn id="8" idx="2"/>
-            <a:endCxn id="7" idx="0"/>
-          </p:cNvCxnSpPr>
-          <p:nvPr/>
-        </p:nvCxnSpPr>
-        <p:spPr>
-          <a:xfrm rot="16200000" flipH="1">
-            <a:off x="5480997" y="3675302"/>
-            <a:ext cx="591423" cy="254016"/>
-          </a:xfrm>
-          <a:prstGeom prst="curvedConnector3">
-            <a:avLst/>
-          </a:prstGeom>
-          <a:ln>
-            <a:tailEnd type="triangle"/>
-          </a:ln>
-        </p:spPr>
-        <p:style>
-          <a:lnRef idx="3">
-            <a:schemeClr val="dk1"/>
-          </a:lnRef>
-          <a:fillRef idx="0">
-            <a:schemeClr val="dk1"/>
-          </a:fillRef>
-          <a:effectRef idx="2">
-            <a:schemeClr val="dk1"/>
-          </a:effectRef>
-          <a:fontRef idx="minor">
-            <a:schemeClr val="tx1"/>
-          </a:fontRef>
-        </p:style>
-      </p:cxnSp>
-      <p:cxnSp>
-        <p:nvCxnSpPr>
-          <p:cNvPr id="28" name="Curved Connector 27"/>
-          <p:cNvCxnSpPr>
-            <a:stCxn id="9" idx="1"/>
-            <a:endCxn id="5" idx="0"/>
-          </p:cNvCxnSpPr>
-          <p:nvPr/>
-        </p:nvCxnSpPr>
-        <p:spPr>
-          <a:xfrm rot="16200000" flipH="1" flipV="1">
-            <a:off x="6259491" y="-592671"/>
-            <a:ext cx="297752" cy="6726328"/>
-          </a:xfrm>
-          <a:prstGeom prst="curvedConnector3">
-            <a:avLst>
-              <a:gd name="adj1" fmla="val -69751"/>
-            </a:avLst>
-          </a:prstGeom>
-          <a:ln>
-            <a:headEnd type="arrow" w="med" len="med"/>
-            <a:tailEnd type="arrow" w="med" len="med"/>
-          </a:ln>
-        </p:spPr>
-        <p:style>
-          <a:lnRef idx="3">
-            <a:schemeClr val="accent5"/>
-          </a:lnRef>
-          <a:fillRef idx="0">
-            <a:schemeClr val="accent5"/>
-          </a:fillRef>
-          <a:effectRef idx="2">
-            <a:schemeClr val="accent5"/>
-          </a:effectRef>
-          <a:fontRef idx="minor">
-            <a:schemeClr val="tx1"/>
-          </a:fontRef>
-        </p:style>
-      </p:cxnSp>
-      <p:cxnSp>
-        <p:nvCxnSpPr>
-          <p:cNvPr id="33" name="Curved Connector 32"/>
-          <p:cNvCxnSpPr>
-            <a:endCxn id="5" idx="3"/>
-          </p:cNvCxnSpPr>
-          <p:nvPr/>
-        </p:nvCxnSpPr>
-        <p:spPr>
-          <a:xfrm rot="10800000">
-            <a:off x="3959603" y="3619851"/>
-            <a:ext cx="5536734" cy="1549589"/>
-          </a:xfrm>
-          <a:prstGeom prst="curvedConnector3">
-            <a:avLst/>
-          </a:prstGeom>
-          <a:ln>
-            <a:headEnd type="arrow" w="med" len="med"/>
-            <a:tailEnd type="arrow" w="med" len="med"/>
-          </a:ln>
-        </p:spPr>
-        <p:style>
-          <a:lnRef idx="3">
-            <a:schemeClr val="accent5"/>
-          </a:lnRef>
-          <a:fillRef idx="0">
-            <a:schemeClr val="accent5"/>
-          </a:fillRef>
-          <a:effectRef idx="2">
-            <a:schemeClr val="accent5"/>
-          </a:effectRef>
-          <a:fontRef idx="minor">
-            <a:schemeClr val="tx1"/>
-          </a:fontRef>
-        </p:style>
-      </p:cxnSp>
-      <p:cxnSp>
-        <p:nvCxnSpPr>
-          <p:cNvPr id="35" name="Straight Arrow Connector 34"/>
-          <p:cNvCxnSpPr>
-            <a:stCxn id="5" idx="3"/>
-            <a:endCxn id="7" idx="1"/>
-          </p:cNvCxnSpPr>
-          <p:nvPr/>
-        </p:nvCxnSpPr>
-        <p:spPr>
-          <a:xfrm>
-            <a:off x="3959603" y="3619850"/>
-            <a:ext cx="960468" cy="1364121"/>
-          </a:xfrm>
-          <a:prstGeom prst="straightConnector1">
-            <a:avLst/>
-          </a:prstGeom>
-          <a:ln>
-            <a:headEnd type="triangle"/>
-            <a:tailEnd type="triangle"/>
-          </a:ln>
-        </p:spPr>
-        <p:style>
-          <a:lnRef idx="3">
-            <a:schemeClr val="accent5"/>
-          </a:lnRef>
-          <a:fillRef idx="0">
-            <a:schemeClr val="accent5"/>
-          </a:fillRef>
-          <a:effectRef idx="2">
-            <a:schemeClr val="accent5"/>
-          </a:effectRef>
-          <a:fontRef idx="minor">
-            <a:schemeClr val="tx1"/>
-          </a:fontRef>
-        </p:style>
-      </p:cxnSp>
-    </p:spTree>
-    <p:extLst>
-      <p:ext uri="{BB962C8B-B14F-4D97-AF65-F5344CB8AC3E}">
-        <p14:creationId xmlns:p14="http://schemas.microsoft.com/office/powerpoint/2010/main" val="3172463354"/>
-      </p:ext>
-    </p:extLst>
-  </p:cSld>
-  <p:clrMapOvr>
-    <a:masterClrMapping/>
-  </p:clrMapOvr>
+  <p:timing>
+    <p:tnLst>
+      <p:par>
+        <p:cTn id="1" dur="indefinite" restart="never" nodeType="tmRoot"/>
+      </p:par>
+    </p:tnLst>
+  </p:timing>
 </p:sld>
 </file>
 
@@ -6913,6 +7730,15 @@
 </file>
 
 <file path=customXml/item2.xml><?xml version="1.0" encoding="utf-8"?>
+<?mso-contentType ?>
+<FormTemplates xmlns="http://schemas.microsoft.com/sharepoint/v3/contenttype/forms">
+  <Display>DocumentLibraryForm</Display>
+  <Edit>DocumentLibraryForm</Edit>
+  <New>DocumentLibraryForm</New>
+</FormTemplates>
+</file>
+
+<file path=customXml/item3.xml><?xml version="1.0" encoding="utf-8"?>
 <ct:contentTypeSchema xmlns:ct="http://schemas.microsoft.com/office/2006/metadata/contentType" xmlns:ma="http://schemas.microsoft.com/office/2006/metadata/properties/metaAttributes" ct:_="" ma:_="" ma:contentTypeName="Document" ma:contentTypeID="0x010100F4F7FF22093805478C1AC3DECA046AE2" ma:contentTypeVersion="8" ma:contentTypeDescription="Create a new document." ma:contentTypeScope="" ma:versionID="355f70b62edaa6431edc676a4e077378">
   <xsd:schema xmlns:xsd="http://www.w3.org/2001/XMLSchema" xmlns:xs="http://www.w3.org/2001/XMLSchema" xmlns:p="http://schemas.microsoft.com/office/2006/metadata/properties" xmlns:ns3="645951c4-77b2-4271-8f10-a0d3c1e36172" xmlns:ns4="4999cf13-cb53-4a3d-a90e-c2f6e51a4028" targetNamespace="http://schemas.microsoft.com/office/2006/metadata/properties" ma:root="true" ma:fieldsID="2227e73c82c8b7740b460282c33c29e7" ns3:_="" ns4:_="">
     <xsd:import namespace="645951c4-77b2-4271-8f10-a0d3c1e36172"/>
@@ -7103,15 +7929,6 @@
 </ct:contentTypeSchema>
 </file>
 
-<file path=customXml/item3.xml><?xml version="1.0" encoding="utf-8"?>
-<?mso-contentType ?>
-<FormTemplates xmlns="http://schemas.microsoft.com/sharepoint/v3/contenttype/forms">
-  <Display>DocumentLibraryForm</Display>
-  <Edit>DocumentLibraryForm</Edit>
-  <New>DocumentLibraryForm</New>
-</FormTemplates>
-</file>
-
 <file path=customXml/itemProps1.xml><?xml version="1.0" encoding="utf-8"?>
 <ds:datastoreItem xmlns:ds="http://schemas.openxmlformats.org/officeDocument/2006/customXml" ds:itemID="{92A6475F-74BE-49E2-AA53-D5190570A614}">
   <ds:schemaRefs>
@@ -7130,6 +7947,14 @@
 </file>
 
 <file path=customXml/itemProps2.xml><?xml version="1.0" encoding="utf-8"?>
+<ds:datastoreItem xmlns:ds="http://schemas.openxmlformats.org/officeDocument/2006/customXml" ds:itemID="{0C22064C-1319-48D9-99A8-E6155754BCCB}">
+  <ds:schemaRefs>
+    <ds:schemaRef ds:uri="http://schemas.microsoft.com/sharepoint/v3/contenttype/forms"/>
+  </ds:schemaRefs>
+</ds:datastoreItem>
+</file>
+
+<file path=customXml/itemProps3.xml><?xml version="1.0" encoding="utf-8"?>
 <ds:datastoreItem xmlns:ds="http://schemas.openxmlformats.org/officeDocument/2006/customXml" ds:itemID="{7B8DF68D-5FB3-440F-B135-BC13D85A75AA}">
   <ds:schemaRefs>
     <ds:schemaRef ds:uri="http://schemas.microsoft.com/office/2006/metadata/contentType"/>
@@ -7146,12 +7971,4 @@
     <ds:schemaRef ds:uri="http://schemas.microsoft.com/internal/obd"/>
   </ds:schemaRefs>
 </ds:datastoreItem>
-</file>
-
-<file path=customXml/itemProps3.xml><?xml version="1.0" encoding="utf-8"?>
-<ds:datastoreItem xmlns:ds="http://schemas.openxmlformats.org/officeDocument/2006/customXml" ds:itemID="{0C22064C-1319-48D9-99A8-E6155754BCCB}">
-  <ds:schemaRefs>
-    <ds:schemaRef ds:uri="http://schemas.microsoft.com/sharepoint/v3/contenttype/forms"/>
-  </ds:schemaRefs>
-</ds:datastoreItem>
 </file>